--- a/Presentations/Final presentation/Final presentation.pptx
+++ b/Presentations/Final presentation/Final presentation.pptx
@@ -22,23 +22,26 @@
     <p:sldId id="267" r:id="rId16"/>
     <p:sldId id="268" r:id="rId17"/>
     <p:sldId id="269" r:id="rId18"/>
+    <p:sldId id="270" r:id="rId19"/>
+    <p:sldId id="271" r:id="rId20"/>
+    <p:sldId id="272" r:id="rId21"/>
   </p:sldIdLst>
   <p:sldSz cy="6858000" cx="12192000"/>
   <p:notesSz cx="6858000" cy="9144000"/>
   <p:embeddedFontLst>
     <p:embeddedFont>
       <p:font typeface="Garamond"/>
-      <p:regular r:id="rId19"/>
-      <p:bold r:id="rId20"/>
-      <p:italic r:id="rId21"/>
-      <p:boldItalic r:id="rId22"/>
+      <p:regular r:id="rId22"/>
+      <p:bold r:id="rId23"/>
+      <p:italic r:id="rId24"/>
+      <p:boldItalic r:id="rId25"/>
     </p:embeddedFont>
     <p:embeddedFont>
       <p:font typeface="Gentium Basic"/>
-      <p:regular r:id="rId23"/>
-      <p:bold r:id="rId24"/>
-      <p:italic r:id="rId25"/>
-      <p:boldItalic r:id="rId26"/>
+      <p:regular r:id="rId26"/>
+      <p:bold r:id="rId27"/>
+      <p:italic r:id="rId28"/>
+      <p:boldItalic r:id="rId29"/>
     </p:embeddedFont>
   </p:embeddedFontLst>
   <p:defaultTextStyle>
@@ -1121,7 +1124,7 @@
   <p:cSld>
     <p:spTree>
       <p:nvGrpSpPr>
-        <p:cNvPr id="155" name="Shape 155"/>
+        <p:cNvPr id="181" name="Shape 181"/>
         <p:cNvGrpSpPr/>
         <p:nvPr/>
       </p:nvGrpSpPr>
@@ -1135,43 +1138,7 @@
       </p:grpSpPr>
       <p:sp>
         <p:nvSpPr>
-          <p:cNvPr id="156" name="Shape 156"/>
-          <p:cNvSpPr txBox="1"/>
-          <p:nvPr>
-            <p:ph idx="1" type="body"/>
-          </p:nvPr>
-        </p:nvSpPr>
-        <p:spPr>
-          <a:xfrm>
-            <a:off x="685800" y="4400550"/>
-            <a:ext cx="5486400" cy="3600600"/>
-          </a:xfrm>
-          <a:prstGeom prst="rect">
-            <a:avLst/>
-          </a:prstGeom>
-        </p:spPr>
-        <p:txBody>
-          <a:bodyPr anchorCtr="0" anchor="t" bIns="91425" lIns="91425" rIns="91425" tIns="91425">
-            <a:noAutofit/>
-          </a:bodyPr>
-          <a:lstStyle/>
-          <a:p>
-            <a:pPr lvl="0" rtl="0">
-              <a:spcBef>
-                <a:spcPts val="0"/>
-              </a:spcBef>
-              <a:buNone/>
-            </a:pPr>
-            <a:r>
-              <a:t/>
-            </a:r>
-            <a:endParaRPr/>
-          </a:p>
-        </p:txBody>
-      </p:sp>
-      <p:sp>
-        <p:nvSpPr>
-          <p:cNvPr id="157" name="Shape 157"/>
+          <p:cNvPr id="182" name="Shape 182"/>
           <p:cNvSpPr/>
           <p:nvPr>
             <p:ph idx="2" type="sldImg"/>
@@ -1201,7 +1168,115 @@
               </a:path>
             </a:pathLst>
           </a:custGeom>
-        </p:spPr>
+          <a:noFill/>
+          <a:ln cap="flat" cmpd="sng" w="12700">
+            <a:solidFill>
+              <a:srgbClr val="000000"/>
+            </a:solidFill>
+            <a:prstDash val="solid"/>
+            <a:round/>
+            <a:headEnd len="med" w="med" type="none"/>
+            <a:tailEnd len="med" w="med" type="none"/>
+          </a:ln>
+        </p:spPr>
+      </p:sp>
+      <p:sp>
+        <p:nvSpPr>
+          <p:cNvPr id="183" name="Shape 183"/>
+          <p:cNvSpPr txBox="1"/>
+          <p:nvPr>
+            <p:ph idx="1" type="body"/>
+          </p:nvPr>
+        </p:nvSpPr>
+        <p:spPr>
+          <a:xfrm>
+            <a:off x="685800" y="4400550"/>
+            <a:ext cx="5486400" cy="3600600"/>
+          </a:xfrm>
+          <a:prstGeom prst="rect">
+            <a:avLst/>
+          </a:prstGeom>
+          <a:noFill/>
+          <a:ln>
+            <a:noFill/>
+          </a:ln>
+        </p:spPr>
+        <p:txBody>
+          <a:bodyPr anchorCtr="0" anchor="t" bIns="45700" lIns="91425" rIns="91425" tIns="45700">
+            <a:noAutofit/>
+          </a:bodyPr>
+          <a:lstStyle/>
+          <a:p>
+            <a:pPr indent="0" lvl="0" marL="0" marR="0" rtl="0" algn="l">
+              <a:spcBef>
+                <a:spcPts val="0"/>
+              </a:spcBef>
+              <a:buSzPct val="25000"/>
+              <a:buNone/>
+            </a:pPr>
+            <a:r>
+              <a:t/>
+            </a:r>
+            <a:endParaRPr b="0" i="0" sz="1200" u="none" cap="none" strike="noStrike">
+              <a:solidFill>
+                <a:schemeClr val="dk1"/>
+              </a:solidFill>
+              <a:latin typeface="Calibri"/>
+              <a:ea typeface="Calibri"/>
+              <a:cs typeface="Calibri"/>
+              <a:sym typeface="Calibri"/>
+            </a:endParaRPr>
+          </a:p>
+        </p:txBody>
+      </p:sp>
+      <p:sp>
+        <p:nvSpPr>
+          <p:cNvPr id="184" name="Shape 184"/>
+          <p:cNvSpPr txBox="1"/>
+          <p:nvPr>
+            <p:ph idx="12" type="sldNum"/>
+          </p:nvPr>
+        </p:nvSpPr>
+        <p:spPr>
+          <a:xfrm>
+            <a:off x="3884612" y="8685213"/>
+            <a:ext cx="2971800" cy="458700"/>
+          </a:xfrm>
+          <a:prstGeom prst="rect">
+            <a:avLst/>
+          </a:prstGeom>
+          <a:noFill/>
+          <a:ln>
+            <a:noFill/>
+          </a:ln>
+        </p:spPr>
+        <p:txBody>
+          <a:bodyPr anchorCtr="0" anchor="b" bIns="45700" lIns="91425" rIns="91425" tIns="45700">
+            <a:noAutofit/>
+          </a:bodyPr>
+          <a:lstStyle/>
+          <a:p>
+            <a:pPr indent="0" lvl="0" marL="0" marR="0" rtl="0" algn="r">
+              <a:spcBef>
+                <a:spcPts val="0"/>
+              </a:spcBef>
+              <a:buSzPct val="25000"/>
+              <a:buNone/>
+            </a:pPr>
+            <a:fld id="{00000000-1234-1234-1234-123412341234}" type="slidenum">
+              <a:rPr lang="en-US" sz="1200">
+                <a:solidFill>
+                  <a:schemeClr val="dk1"/>
+                </a:solidFill>
+                <a:latin typeface="Calibri"/>
+                <a:ea typeface="Calibri"/>
+                <a:cs typeface="Calibri"/>
+                <a:sym typeface="Calibri"/>
+              </a:rPr>
+              <a:t>‹#›</a:t>
+            </a:fld>
+          </a:p>
+        </p:txBody>
       </p:sp>
     </p:spTree>
   </p:cSld>
@@ -1216,7 +1291,7 @@
   <p:cSld>
     <p:spTree>
       <p:nvGrpSpPr>
-        <p:cNvPr id="163" name="Shape 163"/>
+        <p:cNvPr id="201" name="Shape 201"/>
         <p:cNvGrpSpPr/>
         <p:nvPr/>
       </p:nvGrpSpPr>
@@ -1230,43 +1305,7 @@
       </p:grpSpPr>
       <p:sp>
         <p:nvSpPr>
-          <p:cNvPr id="164" name="Shape 164"/>
-          <p:cNvSpPr txBox="1"/>
-          <p:nvPr>
-            <p:ph idx="1" type="body"/>
-          </p:nvPr>
-        </p:nvSpPr>
-        <p:spPr>
-          <a:xfrm>
-            <a:off x="685800" y="4400550"/>
-            <a:ext cx="5486400" cy="3600600"/>
-          </a:xfrm>
-          <a:prstGeom prst="rect">
-            <a:avLst/>
-          </a:prstGeom>
-        </p:spPr>
-        <p:txBody>
-          <a:bodyPr anchorCtr="0" anchor="t" bIns="91425" lIns="91425" rIns="91425" tIns="91425">
-            <a:noAutofit/>
-          </a:bodyPr>
-          <a:lstStyle/>
-          <a:p>
-            <a:pPr lvl="0" rtl="0">
-              <a:spcBef>
-                <a:spcPts val="0"/>
-              </a:spcBef>
-              <a:buNone/>
-            </a:pPr>
-            <a:r>
-              <a:t/>
-            </a:r>
-            <a:endParaRPr/>
-          </a:p>
-        </p:txBody>
-      </p:sp>
-      <p:sp>
-        <p:nvSpPr>
-          <p:cNvPr id="165" name="Shape 165"/>
+          <p:cNvPr id="202" name="Shape 202"/>
           <p:cNvSpPr/>
           <p:nvPr>
             <p:ph idx="2" type="sldImg"/>
@@ -1296,7 +1335,115 @@
               </a:path>
             </a:pathLst>
           </a:custGeom>
-        </p:spPr>
+          <a:noFill/>
+          <a:ln cap="flat" cmpd="sng" w="12700">
+            <a:solidFill>
+              <a:srgbClr val="000000"/>
+            </a:solidFill>
+            <a:prstDash val="solid"/>
+            <a:round/>
+            <a:headEnd len="med" w="med" type="none"/>
+            <a:tailEnd len="med" w="med" type="none"/>
+          </a:ln>
+        </p:spPr>
+      </p:sp>
+      <p:sp>
+        <p:nvSpPr>
+          <p:cNvPr id="203" name="Shape 203"/>
+          <p:cNvSpPr txBox="1"/>
+          <p:nvPr>
+            <p:ph idx="1" type="body"/>
+          </p:nvPr>
+        </p:nvSpPr>
+        <p:spPr>
+          <a:xfrm>
+            <a:off x="685800" y="4400550"/>
+            <a:ext cx="5486400" cy="3600600"/>
+          </a:xfrm>
+          <a:prstGeom prst="rect">
+            <a:avLst/>
+          </a:prstGeom>
+          <a:noFill/>
+          <a:ln>
+            <a:noFill/>
+          </a:ln>
+        </p:spPr>
+        <p:txBody>
+          <a:bodyPr anchorCtr="0" anchor="t" bIns="45700" lIns="91425" rIns="91425" tIns="45700">
+            <a:noAutofit/>
+          </a:bodyPr>
+          <a:lstStyle/>
+          <a:p>
+            <a:pPr indent="0" lvl="0" marL="0" marR="0" rtl="0" algn="l">
+              <a:spcBef>
+                <a:spcPts val="0"/>
+              </a:spcBef>
+              <a:buSzPct val="25000"/>
+              <a:buNone/>
+            </a:pPr>
+            <a:r>
+              <a:t/>
+            </a:r>
+            <a:endParaRPr b="0" i="0" sz="1200" u="none" cap="none" strike="noStrike">
+              <a:solidFill>
+                <a:schemeClr val="dk1"/>
+              </a:solidFill>
+              <a:latin typeface="Calibri"/>
+              <a:ea typeface="Calibri"/>
+              <a:cs typeface="Calibri"/>
+              <a:sym typeface="Calibri"/>
+            </a:endParaRPr>
+          </a:p>
+        </p:txBody>
+      </p:sp>
+      <p:sp>
+        <p:nvSpPr>
+          <p:cNvPr id="204" name="Shape 204"/>
+          <p:cNvSpPr txBox="1"/>
+          <p:nvPr>
+            <p:ph idx="12" type="sldNum"/>
+          </p:nvPr>
+        </p:nvSpPr>
+        <p:spPr>
+          <a:xfrm>
+            <a:off x="3884612" y="8685213"/>
+            <a:ext cx="2971800" cy="458700"/>
+          </a:xfrm>
+          <a:prstGeom prst="rect">
+            <a:avLst/>
+          </a:prstGeom>
+          <a:noFill/>
+          <a:ln>
+            <a:noFill/>
+          </a:ln>
+        </p:spPr>
+        <p:txBody>
+          <a:bodyPr anchorCtr="0" anchor="b" bIns="45700" lIns="91425" rIns="91425" tIns="45700">
+            <a:noAutofit/>
+          </a:bodyPr>
+          <a:lstStyle/>
+          <a:p>
+            <a:pPr indent="0" lvl="0" marL="0" marR="0" rtl="0" algn="r">
+              <a:spcBef>
+                <a:spcPts val="0"/>
+              </a:spcBef>
+              <a:buSzPct val="25000"/>
+              <a:buNone/>
+            </a:pPr>
+            <a:fld id="{00000000-1234-1234-1234-123412341234}" type="slidenum">
+              <a:rPr lang="en-US" sz="1200">
+                <a:solidFill>
+                  <a:schemeClr val="dk1"/>
+                </a:solidFill>
+                <a:latin typeface="Calibri"/>
+                <a:ea typeface="Calibri"/>
+                <a:cs typeface="Calibri"/>
+                <a:sym typeface="Calibri"/>
+              </a:rPr>
+              <a:t>‹#›</a:t>
+            </a:fld>
+          </a:p>
+        </p:txBody>
       </p:sp>
     </p:spTree>
   </p:cSld>
@@ -1311,7 +1458,7 @@
   <p:cSld>
     <p:spTree>
       <p:nvGrpSpPr>
-        <p:cNvPr id="171" name="Shape 171"/>
+        <p:cNvPr id="212" name="Shape 212"/>
         <p:cNvGrpSpPr/>
         <p:nvPr/>
       </p:nvGrpSpPr>
@@ -1325,43 +1472,7 @@
       </p:grpSpPr>
       <p:sp>
         <p:nvSpPr>
-          <p:cNvPr id="172" name="Shape 172"/>
-          <p:cNvSpPr txBox="1"/>
-          <p:nvPr>
-            <p:ph idx="1" type="body"/>
-          </p:nvPr>
-        </p:nvSpPr>
-        <p:spPr>
-          <a:xfrm>
-            <a:off x="685800" y="4400550"/>
-            <a:ext cx="5486400" cy="3600600"/>
-          </a:xfrm>
-          <a:prstGeom prst="rect">
-            <a:avLst/>
-          </a:prstGeom>
-        </p:spPr>
-        <p:txBody>
-          <a:bodyPr anchorCtr="0" anchor="t" bIns="91425" lIns="91425" rIns="91425" tIns="91425">
-            <a:noAutofit/>
-          </a:bodyPr>
-          <a:lstStyle/>
-          <a:p>
-            <a:pPr lvl="0" rtl="0">
-              <a:spcBef>
-                <a:spcPts val="0"/>
-              </a:spcBef>
-              <a:buNone/>
-            </a:pPr>
-            <a:r>
-              <a:t/>
-            </a:r>
-            <a:endParaRPr/>
-          </a:p>
-        </p:txBody>
-      </p:sp>
-      <p:sp>
-        <p:nvSpPr>
-          <p:cNvPr id="173" name="Shape 173"/>
+          <p:cNvPr id="213" name="Shape 213"/>
           <p:cNvSpPr/>
           <p:nvPr>
             <p:ph idx="2" type="sldImg"/>
@@ -1391,7 +1502,115 @@
               </a:path>
             </a:pathLst>
           </a:custGeom>
-        </p:spPr>
+          <a:noFill/>
+          <a:ln cap="flat" cmpd="sng" w="12700">
+            <a:solidFill>
+              <a:srgbClr val="000000"/>
+            </a:solidFill>
+            <a:prstDash val="solid"/>
+            <a:round/>
+            <a:headEnd len="med" w="med" type="none"/>
+            <a:tailEnd len="med" w="med" type="none"/>
+          </a:ln>
+        </p:spPr>
+      </p:sp>
+      <p:sp>
+        <p:nvSpPr>
+          <p:cNvPr id="214" name="Shape 214"/>
+          <p:cNvSpPr txBox="1"/>
+          <p:nvPr>
+            <p:ph idx="1" type="body"/>
+          </p:nvPr>
+        </p:nvSpPr>
+        <p:spPr>
+          <a:xfrm>
+            <a:off x="685800" y="4400550"/>
+            <a:ext cx="5486400" cy="3600600"/>
+          </a:xfrm>
+          <a:prstGeom prst="rect">
+            <a:avLst/>
+          </a:prstGeom>
+          <a:noFill/>
+          <a:ln>
+            <a:noFill/>
+          </a:ln>
+        </p:spPr>
+        <p:txBody>
+          <a:bodyPr anchorCtr="0" anchor="t" bIns="45700" lIns="91425" rIns="91425" tIns="45700">
+            <a:noAutofit/>
+          </a:bodyPr>
+          <a:lstStyle/>
+          <a:p>
+            <a:pPr indent="0" lvl="0" marL="0" marR="0" rtl="0" algn="l">
+              <a:spcBef>
+                <a:spcPts val="0"/>
+              </a:spcBef>
+              <a:buSzPct val="25000"/>
+              <a:buNone/>
+            </a:pPr>
+            <a:r>
+              <a:t/>
+            </a:r>
+            <a:endParaRPr b="0" i="0" sz="1200" u="none" cap="none" strike="noStrike">
+              <a:solidFill>
+                <a:schemeClr val="dk1"/>
+              </a:solidFill>
+              <a:latin typeface="Calibri"/>
+              <a:ea typeface="Calibri"/>
+              <a:cs typeface="Calibri"/>
+              <a:sym typeface="Calibri"/>
+            </a:endParaRPr>
+          </a:p>
+        </p:txBody>
+      </p:sp>
+      <p:sp>
+        <p:nvSpPr>
+          <p:cNvPr id="215" name="Shape 215"/>
+          <p:cNvSpPr txBox="1"/>
+          <p:nvPr>
+            <p:ph idx="12" type="sldNum"/>
+          </p:nvPr>
+        </p:nvSpPr>
+        <p:spPr>
+          <a:xfrm>
+            <a:off x="3884612" y="8685213"/>
+            <a:ext cx="2971800" cy="458700"/>
+          </a:xfrm>
+          <a:prstGeom prst="rect">
+            <a:avLst/>
+          </a:prstGeom>
+          <a:noFill/>
+          <a:ln>
+            <a:noFill/>
+          </a:ln>
+        </p:spPr>
+        <p:txBody>
+          <a:bodyPr anchorCtr="0" anchor="b" bIns="45700" lIns="91425" rIns="91425" tIns="45700">
+            <a:noAutofit/>
+          </a:bodyPr>
+          <a:lstStyle/>
+          <a:p>
+            <a:pPr indent="0" lvl="0" marL="0" marR="0" rtl="0" algn="r">
+              <a:spcBef>
+                <a:spcPts val="0"/>
+              </a:spcBef>
+              <a:buSzPct val="25000"/>
+              <a:buNone/>
+            </a:pPr>
+            <a:fld id="{00000000-1234-1234-1234-123412341234}" type="slidenum">
+              <a:rPr lang="en-US" sz="1200">
+                <a:solidFill>
+                  <a:schemeClr val="dk1"/>
+                </a:solidFill>
+                <a:latin typeface="Calibri"/>
+                <a:ea typeface="Calibri"/>
+                <a:cs typeface="Calibri"/>
+                <a:sym typeface="Calibri"/>
+              </a:rPr>
+              <a:t>‹#›</a:t>
+            </a:fld>
+          </a:p>
+        </p:txBody>
       </p:sp>
     </p:spTree>
   </p:cSld>
@@ -1406,7 +1625,7 @@
   <p:cSld>
     <p:spTree>
       <p:nvGrpSpPr>
-        <p:cNvPr id="179" name="Shape 179"/>
+        <p:cNvPr id="222" name="Shape 222"/>
         <p:cNvGrpSpPr/>
         <p:nvPr/>
       </p:nvGrpSpPr>
@@ -1420,7 +1639,7 @@
       </p:grpSpPr>
       <p:sp>
         <p:nvSpPr>
-          <p:cNvPr id="180" name="Shape 180"/>
+          <p:cNvPr id="223" name="Shape 223"/>
           <p:cNvSpPr txBox="1"/>
           <p:nvPr>
             <p:ph idx="1" type="body"/>
@@ -1456,7 +1675,7 @@
       </p:sp>
       <p:sp>
         <p:nvSpPr>
-          <p:cNvPr id="181" name="Shape 181"/>
+          <p:cNvPr id="224" name="Shape 224"/>
           <p:cNvSpPr/>
           <p:nvPr>
             <p:ph idx="2" type="sldImg"/>
@@ -1501,7 +1720,7 @@
   <p:cSld>
     <p:spTree>
       <p:nvGrpSpPr>
-        <p:cNvPr id="187" name="Shape 187"/>
+        <p:cNvPr id="236" name="Shape 236"/>
         <p:cNvGrpSpPr/>
         <p:nvPr/>
       </p:nvGrpSpPr>
@@ -1515,7 +1734,7 @@
       </p:grpSpPr>
       <p:sp>
         <p:nvSpPr>
-          <p:cNvPr id="188" name="Shape 188"/>
+          <p:cNvPr id="237" name="Shape 237"/>
           <p:cNvSpPr txBox="1"/>
           <p:nvPr>
             <p:ph idx="1" type="body"/>
@@ -1551,7 +1770,292 @@
       </p:sp>
       <p:sp>
         <p:nvSpPr>
-          <p:cNvPr id="189" name="Shape 189"/>
+          <p:cNvPr id="238" name="Shape 238"/>
+          <p:cNvSpPr/>
+          <p:nvPr>
+            <p:ph idx="2" type="sldImg"/>
+          </p:nvPr>
+        </p:nvSpPr>
+        <p:spPr>
+          <a:xfrm>
+            <a:off x="685800" y="1143000"/>
+            <a:ext cx="5486400" cy="3086100"/>
+          </a:xfrm>
+          <a:custGeom>
+            <a:pathLst>
+              <a:path extrusionOk="0" h="120000" w="120000">
+                <a:moveTo>
+                  <a:pt x="0" y="0"/>
+                </a:moveTo>
+                <a:lnTo>
+                  <a:pt x="120000" y="0"/>
+                </a:lnTo>
+                <a:lnTo>
+                  <a:pt x="120000" y="120000"/>
+                </a:lnTo>
+                <a:lnTo>
+                  <a:pt x="0" y="120000"/>
+                </a:lnTo>
+                <a:close/>
+              </a:path>
+            </a:pathLst>
+          </a:custGeom>
+        </p:spPr>
+      </p:sp>
+    </p:spTree>
+  </p:cSld>
+  <p:clrMapOvr>
+    <a:masterClrMapping/>
+  </p:clrMapOvr>
+</p:notes>
+</file>
+
+<file path=ppt/notesSlides/notesSlide15.xml><?xml version="1.0" encoding="utf-8"?>
+<p:notes xmlns:a="http://schemas.openxmlformats.org/drawingml/2006/main" xmlns:r="http://schemas.openxmlformats.org/officeDocument/2006/relationships" xmlns:mc="http://schemas.openxmlformats.org/markup-compatibility/2006" xmlns:mv="urn:schemas-microsoft-com:mac:vml" xmlns:p="http://schemas.openxmlformats.org/presentationml/2006/main" xmlns:c="http://schemas.openxmlformats.org/drawingml/2006/chart" xmlns:dgm="http://schemas.openxmlformats.org/drawingml/2006/diagram" xmlns:o="urn:schemas-microsoft-com:office:office" xmlns:v="urn:schemas-microsoft-com:vml" xmlns:pvml="urn:schemas-microsoft-com:office:powerpoint" xmlns:com="http://schemas.openxmlformats.org/drawingml/2006/compatibility" xmlns:p14="http://schemas.microsoft.com/office/powerpoint/2010/main" showMasterPhAnim="0" showMasterSp="0">
+  <p:cSld>
+    <p:spTree>
+      <p:nvGrpSpPr>
+        <p:cNvPr id="244" name="Shape 244"/>
+        <p:cNvGrpSpPr/>
+        <p:nvPr/>
+      </p:nvGrpSpPr>
+      <p:grpSpPr>
+        <a:xfrm>
+          <a:off x="0" y="0"/>
+          <a:ext cx="0" cy="0"/>
+          <a:chOff x="0" y="0"/>
+          <a:chExt cx="0" cy="0"/>
+        </a:xfrm>
+      </p:grpSpPr>
+      <p:sp>
+        <p:nvSpPr>
+          <p:cNvPr id="245" name="Shape 245"/>
+          <p:cNvSpPr txBox="1"/>
+          <p:nvPr>
+            <p:ph idx="1" type="body"/>
+          </p:nvPr>
+        </p:nvSpPr>
+        <p:spPr>
+          <a:xfrm>
+            <a:off x="685800" y="4400550"/>
+            <a:ext cx="5486400" cy="3600600"/>
+          </a:xfrm>
+          <a:prstGeom prst="rect">
+            <a:avLst/>
+          </a:prstGeom>
+        </p:spPr>
+        <p:txBody>
+          <a:bodyPr anchorCtr="0" anchor="t" bIns="91425" lIns="91425" rIns="91425" tIns="91425">
+            <a:noAutofit/>
+          </a:bodyPr>
+          <a:lstStyle/>
+          <a:p>
+            <a:pPr lvl="0" rtl="0">
+              <a:spcBef>
+                <a:spcPts val="0"/>
+              </a:spcBef>
+              <a:buNone/>
+            </a:pPr>
+            <a:r>
+              <a:t/>
+            </a:r>
+            <a:endParaRPr/>
+          </a:p>
+        </p:txBody>
+      </p:sp>
+      <p:sp>
+        <p:nvSpPr>
+          <p:cNvPr id="246" name="Shape 246"/>
+          <p:cNvSpPr/>
+          <p:nvPr>
+            <p:ph idx="2" type="sldImg"/>
+          </p:nvPr>
+        </p:nvSpPr>
+        <p:spPr>
+          <a:xfrm>
+            <a:off x="685800" y="1143000"/>
+            <a:ext cx="5486400" cy="3086100"/>
+          </a:xfrm>
+          <a:custGeom>
+            <a:pathLst>
+              <a:path extrusionOk="0" h="120000" w="120000">
+                <a:moveTo>
+                  <a:pt x="0" y="0"/>
+                </a:moveTo>
+                <a:lnTo>
+                  <a:pt x="120000" y="0"/>
+                </a:lnTo>
+                <a:lnTo>
+                  <a:pt x="120000" y="120000"/>
+                </a:lnTo>
+                <a:lnTo>
+                  <a:pt x="0" y="120000"/>
+                </a:lnTo>
+                <a:close/>
+              </a:path>
+            </a:pathLst>
+          </a:custGeom>
+        </p:spPr>
+      </p:sp>
+    </p:spTree>
+  </p:cSld>
+  <p:clrMapOvr>
+    <a:masterClrMapping/>
+  </p:clrMapOvr>
+</p:notes>
+</file>
+
+<file path=ppt/notesSlides/notesSlide16.xml><?xml version="1.0" encoding="utf-8"?>
+<p:notes xmlns:a="http://schemas.openxmlformats.org/drawingml/2006/main" xmlns:r="http://schemas.openxmlformats.org/officeDocument/2006/relationships" xmlns:mc="http://schemas.openxmlformats.org/markup-compatibility/2006" xmlns:mv="urn:schemas-microsoft-com:mac:vml" xmlns:p="http://schemas.openxmlformats.org/presentationml/2006/main" xmlns:c="http://schemas.openxmlformats.org/drawingml/2006/chart" xmlns:dgm="http://schemas.openxmlformats.org/drawingml/2006/diagram" xmlns:o="urn:schemas-microsoft-com:office:office" xmlns:v="urn:schemas-microsoft-com:vml" xmlns:pvml="urn:schemas-microsoft-com:office:powerpoint" xmlns:com="http://schemas.openxmlformats.org/drawingml/2006/compatibility" xmlns:p14="http://schemas.microsoft.com/office/powerpoint/2010/main" showMasterPhAnim="0" showMasterSp="0">
+  <p:cSld>
+    <p:spTree>
+      <p:nvGrpSpPr>
+        <p:cNvPr id="252" name="Shape 252"/>
+        <p:cNvGrpSpPr/>
+        <p:nvPr/>
+      </p:nvGrpSpPr>
+      <p:grpSpPr>
+        <a:xfrm>
+          <a:off x="0" y="0"/>
+          <a:ext cx="0" cy="0"/>
+          <a:chOff x="0" y="0"/>
+          <a:chExt cx="0" cy="0"/>
+        </a:xfrm>
+      </p:grpSpPr>
+      <p:sp>
+        <p:nvSpPr>
+          <p:cNvPr id="253" name="Shape 253"/>
+          <p:cNvSpPr txBox="1"/>
+          <p:nvPr>
+            <p:ph idx="1" type="body"/>
+          </p:nvPr>
+        </p:nvSpPr>
+        <p:spPr>
+          <a:xfrm>
+            <a:off x="685800" y="4400550"/>
+            <a:ext cx="5486400" cy="3600600"/>
+          </a:xfrm>
+          <a:prstGeom prst="rect">
+            <a:avLst/>
+          </a:prstGeom>
+        </p:spPr>
+        <p:txBody>
+          <a:bodyPr anchorCtr="0" anchor="t" bIns="91425" lIns="91425" rIns="91425" tIns="91425">
+            <a:noAutofit/>
+          </a:bodyPr>
+          <a:lstStyle/>
+          <a:p>
+            <a:pPr lvl="0" rtl="0">
+              <a:spcBef>
+                <a:spcPts val="0"/>
+              </a:spcBef>
+              <a:buNone/>
+            </a:pPr>
+            <a:r>
+              <a:t/>
+            </a:r>
+            <a:endParaRPr/>
+          </a:p>
+        </p:txBody>
+      </p:sp>
+      <p:sp>
+        <p:nvSpPr>
+          <p:cNvPr id="254" name="Shape 254"/>
+          <p:cNvSpPr/>
+          <p:nvPr>
+            <p:ph idx="2" type="sldImg"/>
+          </p:nvPr>
+        </p:nvSpPr>
+        <p:spPr>
+          <a:xfrm>
+            <a:off x="685800" y="1143000"/>
+            <a:ext cx="5486400" cy="3086100"/>
+          </a:xfrm>
+          <a:custGeom>
+            <a:pathLst>
+              <a:path extrusionOk="0" h="120000" w="120000">
+                <a:moveTo>
+                  <a:pt x="0" y="0"/>
+                </a:moveTo>
+                <a:lnTo>
+                  <a:pt x="120000" y="0"/>
+                </a:lnTo>
+                <a:lnTo>
+                  <a:pt x="120000" y="120000"/>
+                </a:lnTo>
+                <a:lnTo>
+                  <a:pt x="0" y="120000"/>
+                </a:lnTo>
+                <a:close/>
+              </a:path>
+            </a:pathLst>
+          </a:custGeom>
+        </p:spPr>
+      </p:sp>
+    </p:spTree>
+  </p:cSld>
+  <p:clrMapOvr>
+    <a:masterClrMapping/>
+  </p:clrMapOvr>
+</p:notes>
+</file>
+
+<file path=ppt/notesSlides/notesSlide17.xml><?xml version="1.0" encoding="utf-8"?>
+<p:notes xmlns:a="http://schemas.openxmlformats.org/drawingml/2006/main" xmlns:r="http://schemas.openxmlformats.org/officeDocument/2006/relationships" xmlns:mc="http://schemas.openxmlformats.org/markup-compatibility/2006" xmlns:mv="urn:schemas-microsoft-com:mac:vml" xmlns:p="http://schemas.openxmlformats.org/presentationml/2006/main" xmlns:c="http://schemas.openxmlformats.org/drawingml/2006/chart" xmlns:dgm="http://schemas.openxmlformats.org/drawingml/2006/diagram" xmlns:o="urn:schemas-microsoft-com:office:office" xmlns:v="urn:schemas-microsoft-com:vml" xmlns:pvml="urn:schemas-microsoft-com:office:powerpoint" xmlns:com="http://schemas.openxmlformats.org/drawingml/2006/compatibility" xmlns:p14="http://schemas.microsoft.com/office/powerpoint/2010/main" showMasterPhAnim="0" showMasterSp="0">
+  <p:cSld>
+    <p:spTree>
+      <p:nvGrpSpPr>
+        <p:cNvPr id="260" name="Shape 260"/>
+        <p:cNvGrpSpPr/>
+        <p:nvPr/>
+      </p:nvGrpSpPr>
+      <p:grpSpPr>
+        <a:xfrm>
+          <a:off x="0" y="0"/>
+          <a:ext cx="0" cy="0"/>
+          <a:chOff x="0" y="0"/>
+          <a:chExt cx="0" cy="0"/>
+        </a:xfrm>
+      </p:grpSpPr>
+      <p:sp>
+        <p:nvSpPr>
+          <p:cNvPr id="261" name="Shape 261"/>
+          <p:cNvSpPr txBox="1"/>
+          <p:nvPr>
+            <p:ph idx="1" type="body"/>
+          </p:nvPr>
+        </p:nvSpPr>
+        <p:spPr>
+          <a:xfrm>
+            <a:off x="685800" y="4400550"/>
+            <a:ext cx="5486400" cy="3600600"/>
+          </a:xfrm>
+          <a:prstGeom prst="rect">
+            <a:avLst/>
+          </a:prstGeom>
+        </p:spPr>
+        <p:txBody>
+          <a:bodyPr anchorCtr="0" anchor="t" bIns="91425" lIns="91425" rIns="91425" tIns="91425">
+            <a:noAutofit/>
+          </a:bodyPr>
+          <a:lstStyle/>
+          <a:p>
+            <a:pPr lvl="0" rtl="0">
+              <a:spcBef>
+                <a:spcPts val="0"/>
+              </a:spcBef>
+              <a:buNone/>
+            </a:pPr>
+            <a:r>
+              <a:t/>
+            </a:r>
+            <a:endParaRPr/>
+          </a:p>
+        </p:txBody>
+      </p:sp>
+      <p:sp>
+        <p:nvSpPr>
+          <p:cNvPr id="262" name="Shape 262"/>
           <p:cNvSpPr/>
           <p:nvPr>
             <p:ph idx="2" type="sldImg"/>
@@ -1691,7 +2195,7 @@
   <p:cSld>
     <p:spTree>
       <p:nvGrpSpPr>
-        <p:cNvPr id="99" name="Shape 99"/>
+        <p:cNvPr id="101" name="Shape 101"/>
         <p:cNvGrpSpPr/>
         <p:nvPr/>
       </p:nvGrpSpPr>
@@ -1705,7 +2209,7 @@
       </p:grpSpPr>
       <p:sp>
         <p:nvSpPr>
-          <p:cNvPr id="100" name="Shape 100"/>
+          <p:cNvPr id="102" name="Shape 102"/>
           <p:cNvSpPr txBox="1"/>
           <p:nvPr>
             <p:ph idx="1" type="body"/>
@@ -1741,7 +2245,7 @@
       </p:sp>
       <p:sp>
         <p:nvSpPr>
-          <p:cNvPr id="101" name="Shape 101"/>
+          <p:cNvPr id="103" name="Shape 103"/>
           <p:cNvSpPr/>
           <p:nvPr>
             <p:ph idx="2" type="sldImg"/>
@@ -1786,7 +2290,7 @@
   <p:cSld>
     <p:spTree>
       <p:nvGrpSpPr>
-        <p:cNvPr id="107" name="Shape 107"/>
+        <p:cNvPr id="110" name="Shape 110"/>
         <p:cNvGrpSpPr/>
         <p:nvPr/>
       </p:nvGrpSpPr>
@@ -1800,7 +2304,7 @@
       </p:grpSpPr>
       <p:sp>
         <p:nvSpPr>
-          <p:cNvPr id="108" name="Shape 108"/>
+          <p:cNvPr id="111" name="Shape 111"/>
           <p:cNvSpPr txBox="1"/>
           <p:nvPr>
             <p:ph idx="1" type="body"/>
@@ -1836,7 +2340,7 @@
       </p:sp>
       <p:sp>
         <p:nvSpPr>
-          <p:cNvPr id="109" name="Shape 109"/>
+          <p:cNvPr id="112" name="Shape 112"/>
           <p:cNvSpPr/>
           <p:nvPr>
             <p:ph idx="2" type="sldImg"/>
@@ -1881,7 +2385,7 @@
   <p:cSld>
     <p:spTree>
       <p:nvGrpSpPr>
-        <p:cNvPr id="115" name="Shape 115"/>
+        <p:cNvPr id="119" name="Shape 119"/>
         <p:cNvGrpSpPr/>
         <p:nvPr/>
       </p:nvGrpSpPr>
@@ -1895,7 +2399,7 @@
       </p:grpSpPr>
       <p:sp>
         <p:nvSpPr>
-          <p:cNvPr id="116" name="Shape 116"/>
+          <p:cNvPr id="120" name="Shape 120"/>
           <p:cNvSpPr txBox="1"/>
           <p:nvPr>
             <p:ph idx="1" type="body"/>
@@ -1931,7 +2435,7 @@
       </p:sp>
       <p:sp>
         <p:nvSpPr>
-          <p:cNvPr id="117" name="Shape 117"/>
+          <p:cNvPr id="121" name="Shape 121"/>
           <p:cNvSpPr/>
           <p:nvPr>
             <p:ph idx="2" type="sldImg"/>
@@ -1976,7 +2480,7 @@
   <p:cSld>
     <p:spTree>
       <p:nvGrpSpPr>
-        <p:cNvPr id="123" name="Shape 123"/>
+        <p:cNvPr id="142" name="Shape 142"/>
         <p:cNvGrpSpPr/>
         <p:nvPr/>
       </p:nvGrpSpPr>
@@ -1990,7 +2494,7 @@
       </p:grpSpPr>
       <p:sp>
         <p:nvSpPr>
-          <p:cNvPr id="124" name="Shape 124"/>
+          <p:cNvPr id="143" name="Shape 143"/>
           <p:cNvSpPr txBox="1"/>
           <p:nvPr>
             <p:ph idx="1" type="body"/>
@@ -2026,7 +2530,7 @@
       </p:sp>
       <p:sp>
         <p:nvSpPr>
-          <p:cNvPr id="125" name="Shape 125"/>
+          <p:cNvPr id="144" name="Shape 144"/>
           <p:cNvSpPr/>
           <p:nvPr>
             <p:ph idx="2" type="sldImg"/>
@@ -2071,7 +2575,7 @@
   <p:cSld>
     <p:spTree>
       <p:nvGrpSpPr>
-        <p:cNvPr id="131" name="Shape 131"/>
+        <p:cNvPr id="151" name="Shape 151"/>
         <p:cNvGrpSpPr/>
         <p:nvPr/>
       </p:nvGrpSpPr>
@@ -2085,7 +2589,7 @@
       </p:grpSpPr>
       <p:sp>
         <p:nvSpPr>
-          <p:cNvPr id="132" name="Shape 132"/>
+          <p:cNvPr id="152" name="Shape 152"/>
           <p:cNvSpPr txBox="1"/>
           <p:nvPr>
             <p:ph idx="1" type="body"/>
@@ -2121,7 +2625,7 @@
       </p:sp>
       <p:sp>
         <p:nvSpPr>
-          <p:cNvPr id="133" name="Shape 133"/>
+          <p:cNvPr id="153" name="Shape 153"/>
           <p:cNvSpPr/>
           <p:nvPr>
             <p:ph idx="2" type="sldImg"/>
@@ -2166,7 +2670,7 @@
   <p:cSld>
     <p:spTree>
       <p:nvGrpSpPr>
-        <p:cNvPr id="139" name="Shape 139"/>
+        <p:cNvPr id="160" name="Shape 160"/>
         <p:cNvGrpSpPr/>
         <p:nvPr/>
       </p:nvGrpSpPr>
@@ -2180,43 +2684,7 @@
       </p:grpSpPr>
       <p:sp>
         <p:nvSpPr>
-          <p:cNvPr id="140" name="Shape 140"/>
-          <p:cNvSpPr txBox="1"/>
-          <p:nvPr>
-            <p:ph idx="1" type="body"/>
-          </p:nvPr>
-        </p:nvSpPr>
-        <p:spPr>
-          <a:xfrm>
-            <a:off x="685800" y="4400550"/>
-            <a:ext cx="5486400" cy="3600600"/>
-          </a:xfrm>
-          <a:prstGeom prst="rect">
-            <a:avLst/>
-          </a:prstGeom>
-        </p:spPr>
-        <p:txBody>
-          <a:bodyPr anchorCtr="0" anchor="t" bIns="91425" lIns="91425" rIns="91425" tIns="91425">
-            <a:noAutofit/>
-          </a:bodyPr>
-          <a:lstStyle/>
-          <a:p>
-            <a:pPr lvl="0" rtl="0">
-              <a:spcBef>
-                <a:spcPts val="0"/>
-              </a:spcBef>
-              <a:buNone/>
-            </a:pPr>
-            <a:r>
-              <a:t/>
-            </a:r>
-            <a:endParaRPr/>
-          </a:p>
-        </p:txBody>
-      </p:sp>
-      <p:sp>
-        <p:nvSpPr>
-          <p:cNvPr id="141" name="Shape 141"/>
+          <p:cNvPr id="161" name="Shape 161"/>
           <p:cNvSpPr/>
           <p:nvPr>
             <p:ph idx="2" type="sldImg"/>
@@ -2246,7 +2714,115 @@
               </a:path>
             </a:pathLst>
           </a:custGeom>
-        </p:spPr>
+          <a:noFill/>
+          <a:ln cap="flat" cmpd="sng" w="12700">
+            <a:solidFill>
+              <a:srgbClr val="000000"/>
+            </a:solidFill>
+            <a:prstDash val="solid"/>
+            <a:round/>
+            <a:headEnd len="med" w="med" type="none"/>
+            <a:tailEnd len="med" w="med" type="none"/>
+          </a:ln>
+        </p:spPr>
+      </p:sp>
+      <p:sp>
+        <p:nvSpPr>
+          <p:cNvPr id="162" name="Shape 162"/>
+          <p:cNvSpPr txBox="1"/>
+          <p:nvPr>
+            <p:ph idx="1" type="body"/>
+          </p:nvPr>
+        </p:nvSpPr>
+        <p:spPr>
+          <a:xfrm>
+            <a:off x="685800" y="4400550"/>
+            <a:ext cx="5486400" cy="3600600"/>
+          </a:xfrm>
+          <a:prstGeom prst="rect">
+            <a:avLst/>
+          </a:prstGeom>
+          <a:noFill/>
+          <a:ln>
+            <a:noFill/>
+          </a:ln>
+        </p:spPr>
+        <p:txBody>
+          <a:bodyPr anchorCtr="0" anchor="t" bIns="45700" lIns="91425" rIns="91425" tIns="45700">
+            <a:noAutofit/>
+          </a:bodyPr>
+          <a:lstStyle/>
+          <a:p>
+            <a:pPr indent="0" lvl="0" marL="0" marR="0" rtl="0" algn="l">
+              <a:spcBef>
+                <a:spcPts val="0"/>
+              </a:spcBef>
+              <a:buSzPct val="25000"/>
+              <a:buNone/>
+            </a:pPr>
+            <a:r>
+              <a:t/>
+            </a:r>
+            <a:endParaRPr b="0" i="0" sz="1200" u="none" cap="none" strike="noStrike">
+              <a:solidFill>
+                <a:schemeClr val="dk1"/>
+              </a:solidFill>
+              <a:latin typeface="Calibri"/>
+              <a:ea typeface="Calibri"/>
+              <a:cs typeface="Calibri"/>
+              <a:sym typeface="Calibri"/>
+            </a:endParaRPr>
+          </a:p>
+        </p:txBody>
+      </p:sp>
+      <p:sp>
+        <p:nvSpPr>
+          <p:cNvPr id="163" name="Shape 163"/>
+          <p:cNvSpPr txBox="1"/>
+          <p:nvPr>
+            <p:ph idx="12" type="sldNum"/>
+          </p:nvPr>
+        </p:nvSpPr>
+        <p:spPr>
+          <a:xfrm>
+            <a:off x="3884612" y="8685213"/>
+            <a:ext cx="2971800" cy="458700"/>
+          </a:xfrm>
+          <a:prstGeom prst="rect">
+            <a:avLst/>
+          </a:prstGeom>
+          <a:noFill/>
+          <a:ln>
+            <a:noFill/>
+          </a:ln>
+        </p:spPr>
+        <p:txBody>
+          <a:bodyPr anchorCtr="0" anchor="b" bIns="45700" lIns="91425" rIns="91425" tIns="45700">
+            <a:noAutofit/>
+          </a:bodyPr>
+          <a:lstStyle/>
+          <a:p>
+            <a:pPr indent="0" lvl="0" marL="0" marR="0" rtl="0" algn="r">
+              <a:spcBef>
+                <a:spcPts val="0"/>
+              </a:spcBef>
+              <a:buSzPct val="25000"/>
+              <a:buNone/>
+            </a:pPr>
+            <a:fld id="{00000000-1234-1234-1234-123412341234}" type="slidenum">
+              <a:rPr lang="en-US" sz="1200">
+                <a:solidFill>
+                  <a:schemeClr val="dk1"/>
+                </a:solidFill>
+                <a:latin typeface="Calibri"/>
+                <a:ea typeface="Calibri"/>
+                <a:cs typeface="Calibri"/>
+                <a:sym typeface="Calibri"/>
+              </a:rPr>
+              <a:t>‹#›</a:t>
+            </a:fld>
+          </a:p>
+        </p:txBody>
       </p:sp>
     </p:spTree>
   </p:cSld>
@@ -2261,7 +2837,7 @@
   <p:cSld>
     <p:spTree>
       <p:nvGrpSpPr>
-        <p:cNvPr id="147" name="Shape 147"/>
+        <p:cNvPr id="170" name="Shape 170"/>
         <p:cNvGrpSpPr/>
         <p:nvPr/>
       </p:nvGrpSpPr>
@@ -2275,43 +2851,7 @@
       </p:grpSpPr>
       <p:sp>
         <p:nvSpPr>
-          <p:cNvPr id="148" name="Shape 148"/>
-          <p:cNvSpPr txBox="1"/>
-          <p:nvPr>
-            <p:ph idx="1" type="body"/>
-          </p:nvPr>
-        </p:nvSpPr>
-        <p:spPr>
-          <a:xfrm>
-            <a:off x="685800" y="4400550"/>
-            <a:ext cx="5486400" cy="3600600"/>
-          </a:xfrm>
-          <a:prstGeom prst="rect">
-            <a:avLst/>
-          </a:prstGeom>
-        </p:spPr>
-        <p:txBody>
-          <a:bodyPr anchorCtr="0" anchor="t" bIns="91425" lIns="91425" rIns="91425" tIns="91425">
-            <a:noAutofit/>
-          </a:bodyPr>
-          <a:lstStyle/>
-          <a:p>
-            <a:pPr lvl="0" rtl="0">
-              <a:spcBef>
-                <a:spcPts val="0"/>
-              </a:spcBef>
-              <a:buNone/>
-            </a:pPr>
-            <a:r>
-              <a:t/>
-            </a:r>
-            <a:endParaRPr/>
-          </a:p>
-        </p:txBody>
-      </p:sp>
-      <p:sp>
-        <p:nvSpPr>
-          <p:cNvPr id="149" name="Shape 149"/>
+          <p:cNvPr id="171" name="Shape 171"/>
           <p:cNvSpPr/>
           <p:nvPr>
             <p:ph idx="2" type="sldImg"/>
@@ -2341,7 +2881,115 @@
               </a:path>
             </a:pathLst>
           </a:custGeom>
-        </p:spPr>
+          <a:noFill/>
+          <a:ln cap="flat" cmpd="sng" w="12700">
+            <a:solidFill>
+              <a:srgbClr val="000000"/>
+            </a:solidFill>
+            <a:prstDash val="solid"/>
+            <a:round/>
+            <a:headEnd len="med" w="med" type="none"/>
+            <a:tailEnd len="med" w="med" type="none"/>
+          </a:ln>
+        </p:spPr>
+      </p:sp>
+      <p:sp>
+        <p:nvSpPr>
+          <p:cNvPr id="172" name="Shape 172"/>
+          <p:cNvSpPr txBox="1"/>
+          <p:nvPr>
+            <p:ph idx="1" type="body"/>
+          </p:nvPr>
+        </p:nvSpPr>
+        <p:spPr>
+          <a:xfrm>
+            <a:off x="685800" y="4400550"/>
+            <a:ext cx="5486400" cy="3600600"/>
+          </a:xfrm>
+          <a:prstGeom prst="rect">
+            <a:avLst/>
+          </a:prstGeom>
+          <a:noFill/>
+          <a:ln>
+            <a:noFill/>
+          </a:ln>
+        </p:spPr>
+        <p:txBody>
+          <a:bodyPr anchorCtr="0" anchor="t" bIns="45700" lIns="91425" rIns="91425" tIns="45700">
+            <a:noAutofit/>
+          </a:bodyPr>
+          <a:lstStyle/>
+          <a:p>
+            <a:pPr indent="0" lvl="0" marL="0" marR="0" rtl="0" algn="l">
+              <a:spcBef>
+                <a:spcPts val="0"/>
+              </a:spcBef>
+              <a:buSzPct val="25000"/>
+              <a:buNone/>
+            </a:pPr>
+            <a:r>
+              <a:t/>
+            </a:r>
+            <a:endParaRPr b="0" i="0" sz="1200" u="none" cap="none" strike="noStrike">
+              <a:solidFill>
+                <a:schemeClr val="dk1"/>
+              </a:solidFill>
+              <a:latin typeface="Calibri"/>
+              <a:ea typeface="Calibri"/>
+              <a:cs typeface="Calibri"/>
+              <a:sym typeface="Calibri"/>
+            </a:endParaRPr>
+          </a:p>
+        </p:txBody>
+      </p:sp>
+      <p:sp>
+        <p:nvSpPr>
+          <p:cNvPr id="173" name="Shape 173"/>
+          <p:cNvSpPr txBox="1"/>
+          <p:nvPr>
+            <p:ph idx="12" type="sldNum"/>
+          </p:nvPr>
+        </p:nvSpPr>
+        <p:spPr>
+          <a:xfrm>
+            <a:off x="3884612" y="8685213"/>
+            <a:ext cx="2971800" cy="458700"/>
+          </a:xfrm>
+          <a:prstGeom prst="rect">
+            <a:avLst/>
+          </a:prstGeom>
+          <a:noFill/>
+          <a:ln>
+            <a:noFill/>
+          </a:ln>
+        </p:spPr>
+        <p:txBody>
+          <a:bodyPr anchorCtr="0" anchor="b" bIns="45700" lIns="91425" rIns="91425" tIns="45700">
+            <a:noAutofit/>
+          </a:bodyPr>
+          <a:lstStyle/>
+          <a:p>
+            <a:pPr indent="0" lvl="0" marL="0" marR="0" rtl="0" algn="r">
+              <a:spcBef>
+                <a:spcPts val="0"/>
+              </a:spcBef>
+              <a:buSzPct val="25000"/>
+              <a:buNone/>
+            </a:pPr>
+            <a:fld id="{00000000-1234-1234-1234-123412341234}" type="slidenum">
+              <a:rPr lang="en-US" sz="1200">
+                <a:solidFill>
+                  <a:schemeClr val="dk1"/>
+                </a:solidFill>
+                <a:latin typeface="Calibri"/>
+                <a:ea typeface="Calibri"/>
+                <a:cs typeface="Calibri"/>
+                <a:sym typeface="Calibri"/>
+              </a:rPr>
+              <a:t>‹#›</a:t>
+            </a:fld>
+          </a:p>
+        </p:txBody>
       </p:sp>
     </p:spTree>
   </p:cSld>
@@ -12709,7 +13357,7 @@
   <p:cSld>
     <p:spTree>
       <p:nvGrpSpPr>
-        <p:cNvPr id="158" name="Shape 158"/>
+        <p:cNvPr id="185" name="Shape 185"/>
         <p:cNvGrpSpPr/>
         <p:nvPr/>
       </p:nvGrpSpPr>
@@ -12723,7 +13371,7 @@
       </p:grpSpPr>
       <p:pic>
         <p:nvPicPr>
-          <p:cNvPr id="159" name="Shape 159"/>
+          <p:cNvPr id="186" name="Shape 186"/>
           <p:cNvPicPr preferRelativeResize="0"/>
           <p:nvPr/>
         </p:nvPicPr>
@@ -12750,7 +13398,7 @@
       </p:pic>
       <p:sp>
         <p:nvSpPr>
-          <p:cNvPr id="160" name="Shape 160"/>
+          <p:cNvPr id="187" name="Shape 187"/>
           <p:cNvSpPr/>
           <p:nvPr/>
         </p:nvSpPr>
@@ -12792,14 +13440,14 @@
                 <a:cs typeface="Garamond"/>
                 <a:sym typeface="Garamond"/>
               </a:rPr>
-              <a:t>Required tools</a:t>
+              <a:t>Responsibilities</a:t>
             </a:r>
           </a:p>
         </p:txBody>
       </p:sp>
       <p:pic>
         <p:nvPicPr>
-          <p:cNvPr id="161" name="Shape 161"/>
+          <p:cNvPr id="188" name="Shape 188"/>
           <p:cNvPicPr preferRelativeResize="0"/>
           <p:nvPr/>
         </p:nvPicPr>
@@ -12826,7 +13474,7 @@
       </p:pic>
       <p:sp>
         <p:nvSpPr>
-          <p:cNvPr id="162" name="Shape 162"/>
+          <p:cNvPr id="189" name="Shape 189"/>
           <p:cNvSpPr txBox="1"/>
           <p:nvPr/>
         </p:nvSpPr>
@@ -12866,7 +13514,652 @@
                 <a:cs typeface="Calibri"/>
                 <a:sym typeface="Calibri"/>
               </a:rPr>
-              <a:t>3</a:t>
+              <a:t>4</a:t>
+            </a:r>
+          </a:p>
+        </p:txBody>
+      </p:sp>
+      <p:pic>
+        <p:nvPicPr>
+          <p:cNvPr id="190" name="Shape 190"/>
+          <p:cNvPicPr preferRelativeResize="0"/>
+          <p:nvPr/>
+        </p:nvPicPr>
+        <p:blipFill rotWithShape="1">
+          <a:blip r:embed="rId5">
+            <a:alphaModFix/>
+          </a:blip>
+          <a:srcRect b="0" l="0" r="0" t="0"/>
+          <a:stretch/>
+        </p:blipFill>
+        <p:spPr>
+          <a:xfrm>
+            <a:off x="2229419" y="1809821"/>
+            <a:ext cx="800100" cy="1000200"/>
+          </a:xfrm>
+          <a:prstGeom prst="rect">
+            <a:avLst/>
+          </a:prstGeom>
+          <a:noFill/>
+          <a:ln>
+            <a:noFill/>
+          </a:ln>
+        </p:spPr>
+      </p:pic>
+      <p:pic>
+        <p:nvPicPr>
+          <p:cNvPr id="191" name="Shape 191"/>
+          <p:cNvPicPr preferRelativeResize="0"/>
+          <p:nvPr/>
+        </p:nvPicPr>
+        <p:blipFill rotWithShape="1">
+          <a:blip r:embed="rId5">
+            <a:alphaModFix/>
+          </a:blip>
+          <a:srcRect b="0" l="0" r="0" t="0"/>
+          <a:stretch/>
+        </p:blipFill>
+        <p:spPr>
+          <a:xfrm>
+            <a:off x="3403126" y="1809821"/>
+            <a:ext cx="800100" cy="1000200"/>
+          </a:xfrm>
+          <a:prstGeom prst="rect">
+            <a:avLst/>
+          </a:prstGeom>
+          <a:noFill/>
+          <a:ln>
+            <a:noFill/>
+          </a:ln>
+        </p:spPr>
+      </p:pic>
+      <p:pic>
+        <p:nvPicPr>
+          <p:cNvPr id="192" name="Shape 192"/>
+          <p:cNvPicPr preferRelativeResize="0"/>
+          <p:nvPr/>
+        </p:nvPicPr>
+        <p:blipFill rotWithShape="1">
+          <a:blip r:embed="rId5">
+            <a:alphaModFix/>
+          </a:blip>
+          <a:srcRect b="0" l="0" r="0" t="0"/>
+          <a:stretch/>
+        </p:blipFill>
+        <p:spPr>
+          <a:xfrm>
+            <a:off x="6951543" y="1809821"/>
+            <a:ext cx="800100" cy="1000200"/>
+          </a:xfrm>
+          <a:prstGeom prst="rect">
+            <a:avLst/>
+          </a:prstGeom>
+          <a:noFill/>
+          <a:ln>
+            <a:noFill/>
+          </a:ln>
+        </p:spPr>
+      </p:pic>
+      <p:pic>
+        <p:nvPicPr>
+          <p:cNvPr id="193" name="Shape 193"/>
+          <p:cNvPicPr preferRelativeResize="0"/>
+          <p:nvPr/>
+        </p:nvPicPr>
+        <p:blipFill rotWithShape="1">
+          <a:blip r:embed="rId6">
+            <a:alphaModFix/>
+          </a:blip>
+          <a:srcRect b="0" l="0" r="0" t="0"/>
+          <a:stretch/>
+        </p:blipFill>
+        <p:spPr>
+          <a:xfrm>
+            <a:off x="8125250" y="1695521"/>
+            <a:ext cx="1019100" cy="1114500"/>
+          </a:xfrm>
+          <a:prstGeom prst="rect">
+            <a:avLst/>
+          </a:prstGeom>
+          <a:noFill/>
+          <a:ln>
+            <a:noFill/>
+          </a:ln>
+        </p:spPr>
+      </p:pic>
+      <p:sp>
+        <p:nvSpPr>
+          <p:cNvPr id="194" name="Shape 194"/>
+          <p:cNvSpPr txBox="1"/>
+          <p:nvPr/>
+        </p:nvSpPr>
+        <p:spPr>
+          <a:xfrm>
+            <a:off x="2255809" y="1360958"/>
+            <a:ext cx="747300" cy="369300"/>
+          </a:xfrm>
+          <a:prstGeom prst="rect">
+            <a:avLst/>
+          </a:prstGeom>
+          <a:noFill/>
+          <a:ln>
+            <a:noFill/>
+          </a:ln>
+        </p:spPr>
+        <p:txBody>
+          <a:bodyPr anchorCtr="0" anchor="t" bIns="45700" lIns="91425" rIns="91425" tIns="45700">
+            <a:noAutofit/>
+          </a:bodyPr>
+          <a:lstStyle/>
+          <a:p>
+            <a:pPr indent="0" lvl="0" marL="0" marR="0" rtl="0" algn="l">
+              <a:spcBef>
+                <a:spcPts val="0"/>
+              </a:spcBef>
+              <a:buSzPct val="25000"/>
+              <a:buNone/>
+            </a:pPr>
+            <a:r>
+              <a:rPr b="1" lang="en-US" sz="1800">
+                <a:solidFill>
+                  <a:schemeClr val="dk1"/>
+                </a:solidFill>
+                <a:latin typeface="Garamond"/>
+                <a:ea typeface="Garamond"/>
+                <a:cs typeface="Garamond"/>
+                <a:sym typeface="Garamond"/>
+              </a:rPr>
+              <a:t>Sattar</a:t>
+            </a:r>
+          </a:p>
+        </p:txBody>
+      </p:sp>
+      <p:sp>
+        <p:nvSpPr>
+          <p:cNvPr id="195" name="Shape 195"/>
+          <p:cNvSpPr txBox="1"/>
+          <p:nvPr/>
+        </p:nvSpPr>
+        <p:spPr>
+          <a:xfrm>
+            <a:off x="3492033" y="1360958"/>
+            <a:ext cx="622200" cy="369300"/>
+          </a:xfrm>
+          <a:prstGeom prst="rect">
+            <a:avLst/>
+          </a:prstGeom>
+          <a:noFill/>
+          <a:ln>
+            <a:noFill/>
+          </a:ln>
+        </p:spPr>
+        <p:txBody>
+          <a:bodyPr anchorCtr="0" anchor="t" bIns="45700" lIns="91425" rIns="91425" tIns="45700">
+            <a:noAutofit/>
+          </a:bodyPr>
+          <a:lstStyle/>
+          <a:p>
+            <a:pPr indent="0" lvl="0" marL="0" marR="0" rtl="0" algn="l">
+              <a:spcBef>
+                <a:spcPts val="0"/>
+              </a:spcBef>
+              <a:buSzPct val="25000"/>
+              <a:buNone/>
+            </a:pPr>
+            <a:r>
+              <a:rPr b="1" lang="en-US" sz="1800">
+                <a:solidFill>
+                  <a:schemeClr val="dk1"/>
+                </a:solidFill>
+                <a:latin typeface="Garamond"/>
+                <a:ea typeface="Garamond"/>
+                <a:cs typeface="Garamond"/>
+                <a:sym typeface="Garamond"/>
+              </a:rPr>
+              <a:t>Max</a:t>
+            </a:r>
+          </a:p>
+        </p:txBody>
+      </p:sp>
+      <p:sp>
+        <p:nvSpPr>
+          <p:cNvPr id="196" name="Shape 196"/>
+          <p:cNvSpPr txBox="1"/>
+          <p:nvPr/>
+        </p:nvSpPr>
+        <p:spPr>
+          <a:xfrm>
+            <a:off x="7079724" y="1360958"/>
+            <a:ext cx="543600" cy="369300"/>
+          </a:xfrm>
+          <a:prstGeom prst="rect">
+            <a:avLst/>
+          </a:prstGeom>
+          <a:noFill/>
+          <a:ln>
+            <a:noFill/>
+          </a:ln>
+        </p:spPr>
+        <p:txBody>
+          <a:bodyPr anchorCtr="0" anchor="t" bIns="45700" lIns="91425" rIns="91425" tIns="45700">
+            <a:noAutofit/>
+          </a:bodyPr>
+          <a:lstStyle/>
+          <a:p>
+            <a:pPr indent="0" lvl="0" marL="0" marR="0" rtl="0" algn="l">
+              <a:spcBef>
+                <a:spcPts val="0"/>
+              </a:spcBef>
+              <a:buSzPct val="25000"/>
+              <a:buNone/>
+            </a:pPr>
+            <a:r>
+              <a:rPr b="1" lang="en-US" sz="1800">
+                <a:solidFill>
+                  <a:schemeClr val="dk1"/>
+                </a:solidFill>
+                <a:latin typeface="Calibri"/>
+                <a:ea typeface="Calibri"/>
+                <a:cs typeface="Calibri"/>
+                <a:sym typeface="Calibri"/>
+              </a:rPr>
+              <a:t>Phil</a:t>
+            </a:r>
+          </a:p>
+        </p:txBody>
+      </p:sp>
+      <p:sp>
+        <p:nvSpPr>
+          <p:cNvPr id="197" name="Shape 197"/>
+          <p:cNvSpPr txBox="1"/>
+          <p:nvPr/>
+        </p:nvSpPr>
+        <p:spPr>
+          <a:xfrm>
+            <a:off x="8233200" y="1360958"/>
+            <a:ext cx="673500" cy="369300"/>
+          </a:xfrm>
+          <a:prstGeom prst="rect">
+            <a:avLst/>
+          </a:prstGeom>
+          <a:noFill/>
+          <a:ln>
+            <a:noFill/>
+          </a:ln>
+        </p:spPr>
+        <p:txBody>
+          <a:bodyPr anchorCtr="0" anchor="t" bIns="45700" lIns="91425" rIns="91425" tIns="45700">
+            <a:noAutofit/>
+          </a:bodyPr>
+          <a:lstStyle/>
+          <a:p>
+            <a:pPr indent="0" lvl="0" marL="0" marR="0" rtl="0" algn="l">
+              <a:spcBef>
+                <a:spcPts val="0"/>
+              </a:spcBef>
+              <a:buSzPct val="25000"/>
+              <a:buNone/>
+            </a:pPr>
+            <a:r>
+              <a:rPr b="1" lang="en-US" sz="1800">
+                <a:solidFill>
+                  <a:schemeClr val="dk1"/>
+                </a:solidFill>
+                <a:latin typeface="Calibri"/>
+                <a:ea typeface="Calibri"/>
+                <a:cs typeface="Calibri"/>
+                <a:sym typeface="Calibri"/>
+              </a:rPr>
+              <a:t>Alina</a:t>
+            </a:r>
+          </a:p>
+        </p:txBody>
+      </p:sp>
+      <p:sp>
+        <p:nvSpPr>
+          <p:cNvPr id="198" name="Shape 198"/>
+          <p:cNvSpPr txBox="1"/>
+          <p:nvPr/>
+        </p:nvSpPr>
+        <p:spPr>
+          <a:xfrm>
+            <a:off x="1195983" y="4411453"/>
+            <a:ext cx="4414200" cy="1154100"/>
+          </a:xfrm>
+          <a:prstGeom prst="rect">
+            <a:avLst/>
+          </a:prstGeom>
+          <a:noFill/>
+          <a:ln>
+            <a:noFill/>
+          </a:ln>
+        </p:spPr>
+        <p:txBody>
+          <a:bodyPr anchorCtr="0" anchor="t" bIns="45700" lIns="91425" rIns="91425" tIns="45700">
+            <a:noAutofit/>
+          </a:bodyPr>
+          <a:lstStyle/>
+          <a:p>
+            <a:pPr indent="-285750" lvl="0" marL="285750" marR="0" rtl="0" algn="l">
+              <a:spcBef>
+                <a:spcPts val="0"/>
+              </a:spcBef>
+              <a:buClr>
+                <a:schemeClr val="dk1"/>
+              </a:buClr>
+              <a:buSzPct val="100000"/>
+              <a:buFont typeface="Arial"/>
+              <a:buChar char="•"/>
+            </a:pPr>
+            <a:r>
+              <a:rPr lang="en-US" sz="2300">
+                <a:solidFill>
+                  <a:schemeClr val="dk1"/>
+                </a:solidFill>
+                <a:latin typeface="Garamond"/>
+                <a:ea typeface="Garamond"/>
+                <a:cs typeface="Garamond"/>
+                <a:sym typeface="Garamond"/>
+              </a:rPr>
+              <a:t>Code specifications for Front-end;</a:t>
+            </a:r>
+          </a:p>
+          <a:p>
+            <a:pPr indent="-285750" lvl="0" marL="285750" marR="0" rtl="0" algn="l">
+              <a:spcBef>
+                <a:spcPts val="0"/>
+              </a:spcBef>
+              <a:buClr>
+                <a:schemeClr val="dk1"/>
+              </a:buClr>
+              <a:buFont typeface="Arial"/>
+              <a:buNone/>
+            </a:pPr>
+            <a:r>
+              <a:t/>
+            </a:r>
+            <a:endParaRPr sz="2300">
+              <a:solidFill>
+                <a:schemeClr val="dk1"/>
+              </a:solidFill>
+              <a:latin typeface="Garamond"/>
+              <a:ea typeface="Garamond"/>
+              <a:cs typeface="Garamond"/>
+              <a:sym typeface="Garamond"/>
+            </a:endParaRPr>
+          </a:p>
+          <a:p>
+            <a:pPr indent="-285750" lvl="0" marL="285750" marR="0" rtl="0" algn="l">
+              <a:spcBef>
+                <a:spcPts val="0"/>
+              </a:spcBef>
+              <a:buClr>
+                <a:schemeClr val="dk1"/>
+              </a:buClr>
+              <a:buSzPct val="100000"/>
+              <a:buFont typeface="Arial"/>
+              <a:buChar char="•"/>
+            </a:pPr>
+            <a:r>
+              <a:rPr lang="en-US" sz="2300">
+                <a:solidFill>
+                  <a:schemeClr val="dk1"/>
+                </a:solidFill>
+                <a:latin typeface="Garamond"/>
+                <a:ea typeface="Garamond"/>
+                <a:cs typeface="Garamond"/>
+                <a:sym typeface="Garamond"/>
+              </a:rPr>
+              <a:t>User-manual.</a:t>
+            </a:r>
+          </a:p>
+        </p:txBody>
+      </p:sp>
+      <p:sp>
+        <p:nvSpPr>
+          <p:cNvPr id="199" name="Shape 199"/>
+          <p:cNvSpPr txBox="1"/>
+          <p:nvPr/>
+        </p:nvSpPr>
+        <p:spPr>
+          <a:xfrm>
+            <a:off x="6407732" y="4411453"/>
+            <a:ext cx="4324500" cy="1862100"/>
+          </a:xfrm>
+          <a:prstGeom prst="rect">
+            <a:avLst/>
+          </a:prstGeom>
+          <a:noFill/>
+          <a:ln>
+            <a:noFill/>
+          </a:ln>
+        </p:spPr>
+        <p:txBody>
+          <a:bodyPr anchorCtr="0" anchor="t" bIns="45700" lIns="91425" rIns="91425" tIns="45700">
+            <a:noAutofit/>
+          </a:bodyPr>
+          <a:lstStyle/>
+          <a:p>
+            <a:pPr indent="-285750" lvl="0" marL="285750" marR="0" rtl="0" algn="l">
+              <a:spcBef>
+                <a:spcPts val="0"/>
+              </a:spcBef>
+              <a:buClr>
+                <a:schemeClr val="dk1"/>
+              </a:buClr>
+              <a:buSzPct val="100000"/>
+              <a:buFont typeface="Arial"/>
+              <a:buChar char="•"/>
+            </a:pPr>
+            <a:r>
+              <a:rPr lang="en-US" sz="2300">
+                <a:solidFill>
+                  <a:schemeClr val="dk1"/>
+                </a:solidFill>
+                <a:latin typeface="Garamond"/>
+                <a:ea typeface="Garamond"/>
+                <a:cs typeface="Garamond"/>
+                <a:sym typeface="Garamond"/>
+              </a:rPr>
+              <a:t>Architecture;</a:t>
+            </a:r>
+          </a:p>
+          <a:p>
+            <a:pPr indent="-285750" lvl="0" marL="285750" marR="0" rtl="0" algn="l">
+              <a:spcBef>
+                <a:spcPts val="0"/>
+              </a:spcBef>
+              <a:buClr>
+                <a:schemeClr val="dk1"/>
+              </a:buClr>
+              <a:buFont typeface="Arial"/>
+              <a:buNone/>
+            </a:pPr>
+            <a:r>
+              <a:t/>
+            </a:r>
+            <a:endParaRPr sz="2300">
+              <a:solidFill>
+                <a:schemeClr val="dk1"/>
+              </a:solidFill>
+              <a:latin typeface="Garamond"/>
+              <a:ea typeface="Garamond"/>
+              <a:cs typeface="Garamond"/>
+              <a:sym typeface="Garamond"/>
+            </a:endParaRPr>
+          </a:p>
+          <a:p>
+            <a:pPr indent="-285750" lvl="0" marL="285750" marR="0" rtl="0" algn="l">
+              <a:spcBef>
+                <a:spcPts val="0"/>
+              </a:spcBef>
+              <a:buClr>
+                <a:schemeClr val="dk1"/>
+              </a:buClr>
+              <a:buSzPct val="100000"/>
+              <a:buFont typeface="Arial"/>
+              <a:buChar char="•"/>
+            </a:pPr>
+            <a:r>
+              <a:rPr lang="en-US" sz="2300">
+                <a:solidFill>
+                  <a:schemeClr val="dk1"/>
+                </a:solidFill>
+                <a:latin typeface="Garamond"/>
+                <a:ea typeface="Garamond"/>
+                <a:cs typeface="Garamond"/>
+                <a:sym typeface="Garamond"/>
+              </a:rPr>
+              <a:t>Code specifications for Back-end;</a:t>
+            </a:r>
+          </a:p>
+          <a:p>
+            <a:pPr indent="-285750" lvl="0" marL="285750" marR="0" rtl="0" algn="l">
+              <a:spcBef>
+                <a:spcPts val="0"/>
+              </a:spcBef>
+              <a:buClr>
+                <a:schemeClr val="dk1"/>
+              </a:buClr>
+              <a:buFont typeface="Arial"/>
+              <a:buNone/>
+            </a:pPr>
+            <a:r>
+              <a:t/>
+            </a:r>
+            <a:endParaRPr sz="2300">
+              <a:solidFill>
+                <a:schemeClr val="dk1"/>
+              </a:solidFill>
+              <a:latin typeface="Garamond"/>
+              <a:ea typeface="Garamond"/>
+              <a:cs typeface="Garamond"/>
+              <a:sym typeface="Garamond"/>
+            </a:endParaRPr>
+          </a:p>
+          <a:p>
+            <a:pPr indent="-285750" lvl="0" marL="285750" marR="0" rtl="0" algn="l">
+              <a:spcBef>
+                <a:spcPts val="0"/>
+              </a:spcBef>
+              <a:buClr>
+                <a:schemeClr val="dk1"/>
+              </a:buClr>
+              <a:buSzPct val="100000"/>
+              <a:buFont typeface="Arial"/>
+              <a:buChar char="•"/>
+            </a:pPr>
+            <a:r>
+              <a:rPr lang="en-US" sz="2300">
+                <a:solidFill>
+                  <a:schemeClr val="dk1"/>
+                </a:solidFill>
+                <a:latin typeface="Garamond"/>
+                <a:ea typeface="Garamond"/>
+                <a:cs typeface="Garamond"/>
+                <a:sym typeface="Garamond"/>
+              </a:rPr>
+              <a:t>System overview.</a:t>
+            </a:r>
+          </a:p>
+        </p:txBody>
+      </p:sp>
+      <p:sp>
+        <p:nvSpPr>
+          <p:cNvPr id="200" name="Shape 200"/>
+          <p:cNvSpPr txBox="1"/>
+          <p:nvPr/>
+        </p:nvSpPr>
+        <p:spPr>
+          <a:xfrm>
+            <a:off x="4543333" y="2975144"/>
+            <a:ext cx="2216399" cy="1154100"/>
+          </a:xfrm>
+          <a:prstGeom prst="rect">
+            <a:avLst/>
+          </a:prstGeom>
+          <a:noFill/>
+          <a:ln>
+            <a:noFill/>
+          </a:ln>
+        </p:spPr>
+        <p:txBody>
+          <a:bodyPr anchorCtr="0" anchor="t" bIns="45700" lIns="91425" rIns="91425" tIns="45700">
+            <a:noAutofit/>
+          </a:bodyPr>
+          <a:lstStyle/>
+          <a:p>
+            <a:pPr indent="-285750" lvl="0" marL="285750" marR="0" rtl="0" algn="l">
+              <a:spcBef>
+                <a:spcPts val="0"/>
+              </a:spcBef>
+              <a:buClr>
+                <a:schemeClr val="dk1"/>
+              </a:buClr>
+              <a:buSzPct val="100000"/>
+              <a:buFont typeface="Arial"/>
+              <a:buChar char="•"/>
+            </a:pPr>
+            <a:r>
+              <a:rPr lang="en-US" sz="2300">
+                <a:solidFill>
+                  <a:schemeClr val="dk1"/>
+                </a:solidFill>
+                <a:latin typeface="Garamond"/>
+                <a:ea typeface="Garamond"/>
+                <a:cs typeface="Garamond"/>
+                <a:sym typeface="Garamond"/>
+              </a:rPr>
+              <a:t>High-level plan</a:t>
+            </a:r>
+          </a:p>
+          <a:p>
+            <a:pPr indent="-285750" lvl="0" marL="285750" marR="0" rtl="0" algn="l">
+              <a:spcBef>
+                <a:spcPts val="0"/>
+              </a:spcBef>
+              <a:buClr>
+                <a:schemeClr val="dk1"/>
+              </a:buClr>
+              <a:buFont typeface="Arial"/>
+              <a:buNone/>
+            </a:pPr>
+            <a:r>
+              <a:t/>
+            </a:r>
+            <a:endParaRPr sz="2300">
+              <a:solidFill>
+                <a:schemeClr val="dk1"/>
+              </a:solidFill>
+              <a:latin typeface="Garamond"/>
+              <a:ea typeface="Garamond"/>
+              <a:cs typeface="Garamond"/>
+              <a:sym typeface="Garamond"/>
+            </a:endParaRPr>
+          </a:p>
+          <a:p>
+            <a:pPr indent="-285750" lvl="0" marL="285750" marR="0" rtl="0" algn="l">
+              <a:spcBef>
+                <a:spcPts val="0"/>
+              </a:spcBef>
+              <a:buClr>
+                <a:schemeClr val="dk1"/>
+              </a:buClr>
+              <a:buSzPct val="100000"/>
+              <a:buFont typeface="Arial"/>
+              <a:buChar char="•"/>
+            </a:pPr>
+            <a:r>
+              <a:rPr lang="en-US" sz="2300">
+                <a:solidFill>
+                  <a:schemeClr val="dk1"/>
+                </a:solidFill>
+                <a:latin typeface="Garamond"/>
+                <a:ea typeface="Garamond"/>
+                <a:cs typeface="Garamond"/>
+                <a:sym typeface="Garamond"/>
+              </a:rPr>
+              <a:t>Requirements</a:t>
             </a:r>
           </a:p>
         </p:txBody>
@@ -12884,7 +14177,7 @@
   <p:cSld>
     <p:spTree>
       <p:nvGrpSpPr>
-        <p:cNvPr id="166" name="Shape 166"/>
+        <p:cNvPr id="205" name="Shape 205"/>
         <p:cNvGrpSpPr/>
         <p:nvPr/>
       </p:nvGrpSpPr>
@@ -12898,7 +14191,7 @@
       </p:grpSpPr>
       <p:pic>
         <p:nvPicPr>
-          <p:cNvPr id="167" name="Shape 167"/>
+          <p:cNvPr id="206" name="Shape 206"/>
           <p:cNvPicPr preferRelativeResize="0"/>
           <p:nvPr/>
         </p:nvPicPr>
@@ -12925,7 +14218,7 @@
       </p:pic>
       <p:sp>
         <p:nvSpPr>
-          <p:cNvPr id="168" name="Shape 168"/>
+          <p:cNvPr id="207" name="Shape 207"/>
           <p:cNvSpPr/>
           <p:nvPr/>
         </p:nvSpPr>
@@ -12967,14 +14260,14 @@
                 <a:cs typeface="Garamond"/>
                 <a:sym typeface="Garamond"/>
               </a:rPr>
-              <a:t>Test cases:</a:t>
+              <a:t>Workplan</a:t>
             </a:r>
           </a:p>
         </p:txBody>
       </p:sp>
       <p:pic>
         <p:nvPicPr>
-          <p:cNvPr id="169" name="Shape 169"/>
+          <p:cNvPr id="208" name="Shape 208"/>
           <p:cNvPicPr preferRelativeResize="0"/>
           <p:nvPr/>
         </p:nvPicPr>
@@ -13001,7 +14294,7 @@
       </p:pic>
       <p:sp>
         <p:nvSpPr>
-          <p:cNvPr id="170" name="Shape 170"/>
+          <p:cNvPr id="209" name="Shape 209"/>
           <p:cNvSpPr txBox="1"/>
           <p:nvPr/>
         </p:nvSpPr>
@@ -13041,8 +14334,613 @@
                 <a:cs typeface="Calibri"/>
                 <a:sym typeface="Calibri"/>
               </a:rPr>
-              <a:t>3</a:t>
+              <a:t>4</a:t>
             </a:r>
+          </a:p>
+        </p:txBody>
+      </p:sp>
+      <p:sp>
+        <p:nvSpPr>
+          <p:cNvPr id="210" name="Shape 210"/>
+          <p:cNvSpPr txBox="1"/>
+          <p:nvPr/>
+        </p:nvSpPr>
+        <p:spPr>
+          <a:xfrm>
+            <a:off x="749300" y="1498600"/>
+            <a:ext cx="5245200" cy="3970200"/>
+          </a:xfrm>
+          <a:prstGeom prst="rect">
+            <a:avLst/>
+          </a:prstGeom>
+          <a:noFill/>
+          <a:ln>
+            <a:noFill/>
+          </a:ln>
+        </p:spPr>
+        <p:txBody>
+          <a:bodyPr anchorCtr="0" anchor="t" bIns="45700" lIns="91425" rIns="91425" tIns="45700">
+            <a:noAutofit/>
+          </a:bodyPr>
+          <a:lstStyle/>
+          <a:p>
+            <a:pPr indent="0" lvl="0" marL="0" marR="0" rtl="0" algn="l">
+              <a:spcBef>
+                <a:spcPts val="0"/>
+              </a:spcBef>
+              <a:buSzPct val="25000"/>
+              <a:buNone/>
+            </a:pPr>
+            <a:r>
+              <a:rPr b="1" lang="en-US" sz="1800">
+                <a:solidFill>
+                  <a:schemeClr val="dk1"/>
+                </a:solidFill>
+                <a:latin typeface="Garamond"/>
+                <a:ea typeface="Garamond"/>
+                <a:cs typeface="Garamond"/>
+                <a:sym typeface="Garamond"/>
+              </a:rPr>
+              <a:t>Front end</a:t>
+            </a:r>
+          </a:p>
+          <a:p>
+            <a:pPr indent="0" lvl="0" marL="0" marR="0" rtl="0" algn="l">
+              <a:spcBef>
+                <a:spcPts val="0"/>
+              </a:spcBef>
+              <a:buNone/>
+            </a:pPr>
+            <a:r>
+              <a:t/>
+            </a:r>
+            <a:endParaRPr b="1" sz="1800">
+              <a:solidFill>
+                <a:schemeClr val="dk1"/>
+              </a:solidFill>
+              <a:latin typeface="Garamond"/>
+              <a:ea typeface="Garamond"/>
+              <a:cs typeface="Garamond"/>
+              <a:sym typeface="Garamond"/>
+            </a:endParaRPr>
+          </a:p>
+          <a:p>
+            <a:pPr indent="0" lvl="0" marL="0" marR="0" rtl="0" algn="l">
+              <a:spcBef>
+                <a:spcPts val="0"/>
+              </a:spcBef>
+              <a:buSzPct val="25000"/>
+              <a:buNone/>
+            </a:pPr>
+            <a:r>
+              <a:rPr i="1" lang="en-US" sz="1800">
+                <a:solidFill>
+                  <a:schemeClr val="dk1"/>
+                </a:solidFill>
+                <a:latin typeface="Garamond"/>
+                <a:ea typeface="Garamond"/>
+                <a:cs typeface="Garamond"/>
+                <a:sym typeface="Garamond"/>
+              </a:rPr>
+              <a:t>01.06 – 01.07</a:t>
+            </a:r>
+          </a:p>
+          <a:p>
+            <a:pPr indent="-285750" lvl="0" marL="285750" marR="0" rtl="0" algn="l">
+              <a:spcBef>
+                <a:spcPts val="0"/>
+              </a:spcBef>
+              <a:buClr>
+                <a:schemeClr val="dk1"/>
+              </a:buClr>
+              <a:buSzPct val="100000"/>
+              <a:buFont typeface="Arial"/>
+              <a:buChar char="•"/>
+            </a:pPr>
+            <a:r>
+              <a:rPr lang="en-US" sz="1800">
+                <a:solidFill>
+                  <a:schemeClr val="dk1"/>
+                </a:solidFill>
+                <a:latin typeface="Garamond"/>
+                <a:ea typeface="Garamond"/>
+                <a:cs typeface="Garamond"/>
+                <a:sym typeface="Garamond"/>
+              </a:rPr>
+              <a:t>Implementing the possibility of file uploading;</a:t>
+            </a:r>
+          </a:p>
+          <a:p>
+            <a:pPr indent="-285750" lvl="0" marL="285750" marR="0" rtl="0" algn="l">
+              <a:spcBef>
+                <a:spcPts val="0"/>
+              </a:spcBef>
+              <a:buClr>
+                <a:schemeClr val="dk1"/>
+              </a:buClr>
+              <a:buSzPct val="100000"/>
+              <a:buFont typeface="Arial"/>
+              <a:buChar char="•"/>
+            </a:pPr>
+            <a:r>
+              <a:rPr lang="en-US" sz="1800">
+                <a:solidFill>
+                  <a:schemeClr val="dk1"/>
+                </a:solidFill>
+                <a:latin typeface="Garamond"/>
+                <a:ea typeface="Garamond"/>
+                <a:cs typeface="Garamond"/>
+                <a:sym typeface="Garamond"/>
+              </a:rPr>
+              <a:t>Visualizing the data (in XML format).</a:t>
+            </a:r>
+          </a:p>
+          <a:p>
+            <a:pPr indent="0" lvl="0" marL="0" marR="0" rtl="0" algn="l">
+              <a:spcBef>
+                <a:spcPts val="0"/>
+              </a:spcBef>
+              <a:buNone/>
+            </a:pPr>
+            <a:r>
+              <a:t/>
+            </a:r>
+            <a:endParaRPr sz="1800">
+              <a:solidFill>
+                <a:schemeClr val="dk1"/>
+              </a:solidFill>
+              <a:latin typeface="Garamond"/>
+              <a:ea typeface="Garamond"/>
+              <a:cs typeface="Garamond"/>
+              <a:sym typeface="Garamond"/>
+            </a:endParaRPr>
+          </a:p>
+          <a:p>
+            <a:pPr indent="0" lvl="0" marL="0" marR="0" rtl="0" algn="l">
+              <a:spcBef>
+                <a:spcPts val="0"/>
+              </a:spcBef>
+              <a:buSzPct val="25000"/>
+              <a:buNone/>
+            </a:pPr>
+            <a:r>
+              <a:rPr i="1" lang="en-US" sz="1800">
+                <a:solidFill>
+                  <a:schemeClr val="dk1"/>
+                </a:solidFill>
+                <a:latin typeface="Garamond"/>
+                <a:ea typeface="Garamond"/>
+                <a:cs typeface="Garamond"/>
+                <a:sym typeface="Garamond"/>
+              </a:rPr>
+              <a:t>01.07 – 01.08</a:t>
+            </a:r>
+          </a:p>
+          <a:p>
+            <a:pPr indent="-285750" lvl="0" marL="285750" marR="0" rtl="0" algn="l">
+              <a:spcBef>
+                <a:spcPts val="0"/>
+              </a:spcBef>
+              <a:buClr>
+                <a:schemeClr val="dk1"/>
+              </a:buClr>
+              <a:buSzPct val="100000"/>
+              <a:buFont typeface="Arial"/>
+              <a:buChar char="•"/>
+            </a:pPr>
+            <a:r>
+              <a:rPr lang="en-US" sz="1800">
+                <a:solidFill>
+                  <a:schemeClr val="dk1"/>
+                </a:solidFill>
+                <a:latin typeface="Garamond"/>
+                <a:ea typeface="Garamond"/>
+                <a:cs typeface="Garamond"/>
+                <a:sym typeface="Garamond"/>
+              </a:rPr>
+              <a:t>Implementing the possibility of browsing in the achieved result.</a:t>
+            </a:r>
+          </a:p>
+          <a:p>
+            <a:pPr indent="0" lvl="0" marL="0" marR="0" rtl="0" algn="l">
+              <a:spcBef>
+                <a:spcPts val="0"/>
+              </a:spcBef>
+              <a:buNone/>
+            </a:pPr>
+            <a:r>
+              <a:t/>
+            </a:r>
+            <a:endParaRPr sz="1800">
+              <a:solidFill>
+                <a:schemeClr val="dk1"/>
+              </a:solidFill>
+              <a:latin typeface="Garamond"/>
+              <a:ea typeface="Garamond"/>
+              <a:cs typeface="Garamond"/>
+              <a:sym typeface="Garamond"/>
+            </a:endParaRPr>
+          </a:p>
+          <a:p>
+            <a:pPr indent="0" lvl="0" marL="0" marR="0" rtl="0" algn="l">
+              <a:spcBef>
+                <a:spcPts val="0"/>
+              </a:spcBef>
+              <a:buSzPct val="25000"/>
+              <a:buNone/>
+            </a:pPr>
+            <a:r>
+              <a:rPr i="1" lang="en-US" sz="1800">
+                <a:solidFill>
+                  <a:schemeClr val="dk1"/>
+                </a:solidFill>
+                <a:latin typeface="Garamond"/>
+                <a:ea typeface="Garamond"/>
+                <a:cs typeface="Garamond"/>
+                <a:sym typeface="Garamond"/>
+              </a:rPr>
+              <a:t>01.08 – 01.09</a:t>
+            </a:r>
+          </a:p>
+          <a:p>
+            <a:pPr indent="-285750" lvl="0" marL="285750" marR="0" rtl="0" algn="l">
+              <a:spcBef>
+                <a:spcPts val="0"/>
+              </a:spcBef>
+              <a:buClr>
+                <a:schemeClr val="dk1"/>
+              </a:buClr>
+              <a:buSzPct val="100000"/>
+              <a:buFont typeface="Arial"/>
+              <a:buChar char="•"/>
+            </a:pPr>
+            <a:r>
+              <a:rPr lang="en-US" sz="1800">
+                <a:solidFill>
+                  <a:schemeClr val="dk1"/>
+                </a:solidFill>
+                <a:latin typeface="Garamond"/>
+                <a:ea typeface="Garamond"/>
+                <a:cs typeface="Garamond"/>
+                <a:sym typeface="Garamond"/>
+              </a:rPr>
+              <a:t>Testing of created tools;</a:t>
+            </a:r>
+          </a:p>
+          <a:p>
+            <a:pPr indent="-285750" lvl="0" marL="285750" marR="0" rtl="0" algn="l">
+              <a:spcBef>
+                <a:spcPts val="0"/>
+              </a:spcBef>
+              <a:buClr>
+                <a:schemeClr val="dk1"/>
+              </a:buClr>
+              <a:buSzPct val="100000"/>
+              <a:buFont typeface="Arial"/>
+              <a:buChar char="•"/>
+            </a:pPr>
+            <a:r>
+              <a:rPr lang="en-US" sz="1800">
+                <a:solidFill>
+                  <a:schemeClr val="dk1"/>
+                </a:solidFill>
+                <a:latin typeface="Garamond"/>
+                <a:ea typeface="Garamond"/>
+                <a:cs typeface="Garamond"/>
+                <a:sym typeface="Garamond"/>
+              </a:rPr>
+              <a:t>Creating specifications and documents.</a:t>
+            </a:r>
+          </a:p>
+          <a:p>
+            <a:pPr indent="0" lvl="0" marL="0" marR="0" rtl="0" algn="l">
+              <a:spcBef>
+                <a:spcPts val="0"/>
+              </a:spcBef>
+              <a:buNone/>
+            </a:pPr>
+            <a:r>
+              <a:t/>
+            </a:r>
+            <a:endParaRPr sz="1800">
+              <a:solidFill>
+                <a:schemeClr val="dk1"/>
+              </a:solidFill>
+              <a:latin typeface="Garamond"/>
+              <a:ea typeface="Garamond"/>
+              <a:cs typeface="Garamond"/>
+              <a:sym typeface="Garamond"/>
+            </a:endParaRPr>
+          </a:p>
+        </p:txBody>
+      </p:sp>
+      <p:sp>
+        <p:nvSpPr>
+          <p:cNvPr id="211" name="Shape 211"/>
+          <p:cNvSpPr txBox="1"/>
+          <p:nvPr/>
+        </p:nvSpPr>
+        <p:spPr>
+          <a:xfrm>
+            <a:off x="6995804" y="1498600"/>
+            <a:ext cx="4942200" cy="3693300"/>
+          </a:xfrm>
+          <a:prstGeom prst="rect">
+            <a:avLst/>
+          </a:prstGeom>
+          <a:noFill/>
+          <a:ln>
+            <a:noFill/>
+          </a:ln>
+        </p:spPr>
+        <p:txBody>
+          <a:bodyPr anchorCtr="0" anchor="t" bIns="45700" lIns="91425" rIns="91425" tIns="45700">
+            <a:noAutofit/>
+          </a:bodyPr>
+          <a:lstStyle/>
+          <a:p>
+            <a:pPr indent="0" lvl="0" marL="0" marR="0" rtl="0" algn="l">
+              <a:spcBef>
+                <a:spcPts val="0"/>
+              </a:spcBef>
+              <a:buSzPct val="25000"/>
+              <a:buNone/>
+            </a:pPr>
+            <a:r>
+              <a:rPr b="1" lang="en-US" sz="1800">
+                <a:solidFill>
+                  <a:schemeClr val="dk1"/>
+                </a:solidFill>
+                <a:latin typeface="Garamond"/>
+                <a:ea typeface="Garamond"/>
+                <a:cs typeface="Garamond"/>
+                <a:sym typeface="Garamond"/>
+              </a:rPr>
+              <a:t>Back end</a:t>
+            </a:r>
+          </a:p>
+          <a:p>
+            <a:pPr indent="0" lvl="0" marL="0" marR="0" rtl="0" algn="l">
+              <a:spcBef>
+                <a:spcPts val="0"/>
+              </a:spcBef>
+              <a:buNone/>
+            </a:pPr>
+            <a:r>
+              <a:t/>
+            </a:r>
+            <a:endParaRPr b="1" sz="1800">
+              <a:solidFill>
+                <a:schemeClr val="dk1"/>
+              </a:solidFill>
+              <a:latin typeface="Garamond"/>
+              <a:ea typeface="Garamond"/>
+              <a:cs typeface="Garamond"/>
+              <a:sym typeface="Garamond"/>
+            </a:endParaRPr>
+          </a:p>
+          <a:p>
+            <a:pPr indent="0" lvl="0" marL="0" marR="0" rtl="0" algn="l">
+              <a:spcBef>
+                <a:spcPts val="0"/>
+              </a:spcBef>
+              <a:buSzPct val="25000"/>
+              <a:buNone/>
+            </a:pPr>
+            <a:r>
+              <a:rPr i="1" lang="en-US" sz="1800">
+                <a:solidFill>
+                  <a:schemeClr val="dk1"/>
+                </a:solidFill>
+                <a:latin typeface="Garamond"/>
+                <a:ea typeface="Garamond"/>
+                <a:cs typeface="Garamond"/>
+                <a:sym typeface="Garamond"/>
+              </a:rPr>
+              <a:t>01.06 – 01.07</a:t>
+            </a:r>
+          </a:p>
+          <a:p>
+            <a:pPr indent="-285750" lvl="0" marL="285750" marR="0" rtl="0" algn="l">
+              <a:spcBef>
+                <a:spcPts val="0"/>
+              </a:spcBef>
+              <a:buClr>
+                <a:schemeClr val="dk1"/>
+              </a:buClr>
+              <a:buSzPct val="100000"/>
+              <a:buFont typeface="Arial"/>
+              <a:buChar char="•"/>
+            </a:pPr>
+            <a:r>
+              <a:rPr lang="en-US" sz="1800">
+                <a:solidFill>
+                  <a:schemeClr val="dk1"/>
+                </a:solidFill>
+                <a:latin typeface="Garamond"/>
+                <a:ea typeface="Garamond"/>
+                <a:cs typeface="Garamond"/>
+                <a:sym typeface="Garamond"/>
+              </a:rPr>
+              <a:t>Development and realization of matching logic.</a:t>
+            </a:r>
+          </a:p>
+          <a:p>
+            <a:pPr indent="0" lvl="0" marL="0" marR="0" rtl="0" algn="l">
+              <a:spcBef>
+                <a:spcPts val="0"/>
+              </a:spcBef>
+              <a:buNone/>
+            </a:pPr>
+            <a:r>
+              <a:t/>
+            </a:r>
+            <a:endParaRPr sz="1800">
+              <a:solidFill>
+                <a:schemeClr val="dk1"/>
+              </a:solidFill>
+              <a:latin typeface="Garamond"/>
+              <a:ea typeface="Garamond"/>
+              <a:cs typeface="Garamond"/>
+              <a:sym typeface="Garamond"/>
+            </a:endParaRPr>
+          </a:p>
+          <a:p>
+            <a:pPr indent="0" lvl="0" marL="0" marR="0" rtl="0" algn="l">
+              <a:spcBef>
+                <a:spcPts val="0"/>
+              </a:spcBef>
+              <a:buSzPct val="25000"/>
+              <a:buNone/>
+            </a:pPr>
+            <a:r>
+              <a:rPr i="1" lang="en-US" sz="1800">
+                <a:solidFill>
+                  <a:schemeClr val="dk1"/>
+                </a:solidFill>
+                <a:latin typeface="Garamond"/>
+                <a:ea typeface="Garamond"/>
+                <a:cs typeface="Garamond"/>
+                <a:sym typeface="Garamond"/>
+              </a:rPr>
+              <a:t>01.07 – 01.08</a:t>
+            </a:r>
+          </a:p>
+          <a:p>
+            <a:pPr indent="-285750" lvl="0" marL="285750" marR="0" rtl="0" algn="l">
+              <a:spcBef>
+                <a:spcPts val="0"/>
+              </a:spcBef>
+              <a:buClr>
+                <a:schemeClr val="dk1"/>
+              </a:buClr>
+              <a:buSzPct val="100000"/>
+              <a:buFont typeface="Arial"/>
+              <a:buChar char="•"/>
+            </a:pPr>
+            <a:r>
+              <a:rPr lang="en-US" sz="1800">
+                <a:solidFill>
+                  <a:schemeClr val="dk1"/>
+                </a:solidFill>
+                <a:latin typeface="Garamond"/>
+                <a:ea typeface="Garamond"/>
+                <a:cs typeface="Garamond"/>
+                <a:sym typeface="Garamond"/>
+              </a:rPr>
+              <a:t>Development and realization of transport and security logics.</a:t>
+            </a:r>
+          </a:p>
+          <a:p>
+            <a:pPr indent="0" lvl="0" marL="0" marR="0" rtl="0" algn="l">
+              <a:spcBef>
+                <a:spcPts val="0"/>
+              </a:spcBef>
+              <a:buNone/>
+            </a:pPr>
+            <a:r>
+              <a:t/>
+            </a:r>
+            <a:endParaRPr sz="1800">
+              <a:solidFill>
+                <a:schemeClr val="dk1"/>
+              </a:solidFill>
+              <a:latin typeface="Garamond"/>
+              <a:ea typeface="Garamond"/>
+              <a:cs typeface="Garamond"/>
+              <a:sym typeface="Garamond"/>
+            </a:endParaRPr>
+          </a:p>
+          <a:p>
+            <a:pPr indent="0" lvl="0" marL="0" marR="0" rtl="0" algn="l">
+              <a:spcBef>
+                <a:spcPts val="0"/>
+              </a:spcBef>
+              <a:buSzPct val="25000"/>
+              <a:buNone/>
+            </a:pPr>
+            <a:r>
+              <a:rPr i="1" lang="en-US" sz="1800">
+                <a:solidFill>
+                  <a:schemeClr val="dk1"/>
+                </a:solidFill>
+                <a:latin typeface="Garamond"/>
+                <a:ea typeface="Garamond"/>
+                <a:cs typeface="Garamond"/>
+                <a:sym typeface="Garamond"/>
+              </a:rPr>
+              <a:t>01.08 – 01.09</a:t>
+            </a:r>
+          </a:p>
+          <a:p>
+            <a:pPr indent="-285750" lvl="0" marL="285750" marR="0" rtl="0" algn="l">
+              <a:spcBef>
+                <a:spcPts val="0"/>
+              </a:spcBef>
+              <a:buClr>
+                <a:schemeClr val="dk1"/>
+              </a:buClr>
+              <a:buSzPct val="100000"/>
+              <a:buFont typeface="Arial"/>
+              <a:buChar char="•"/>
+            </a:pPr>
+            <a:r>
+              <a:rPr lang="en-US" sz="1800">
+                <a:solidFill>
+                  <a:schemeClr val="dk1"/>
+                </a:solidFill>
+                <a:latin typeface="Garamond"/>
+                <a:ea typeface="Garamond"/>
+                <a:cs typeface="Garamond"/>
+                <a:sym typeface="Garamond"/>
+              </a:rPr>
+              <a:t>Testing of created tools;</a:t>
+            </a:r>
+          </a:p>
+          <a:p>
+            <a:pPr indent="-285750" lvl="0" marL="285750" marR="0" rtl="0" algn="l">
+              <a:spcBef>
+                <a:spcPts val="0"/>
+              </a:spcBef>
+              <a:buClr>
+                <a:schemeClr val="dk1"/>
+              </a:buClr>
+              <a:buSzPct val="100000"/>
+              <a:buFont typeface="Arial"/>
+              <a:buChar char="•"/>
+            </a:pPr>
+            <a:r>
+              <a:rPr lang="en-US" sz="1800">
+                <a:solidFill>
+                  <a:schemeClr val="dk1"/>
+                </a:solidFill>
+                <a:latin typeface="Garamond"/>
+                <a:ea typeface="Garamond"/>
+                <a:cs typeface="Garamond"/>
+                <a:sym typeface="Garamond"/>
+              </a:rPr>
+              <a:t>Creating specifications and documents.</a:t>
+            </a:r>
+          </a:p>
+          <a:p>
+            <a:pPr indent="0" lvl="0" marL="0" marR="0" rtl="0" algn="l">
+              <a:spcBef>
+                <a:spcPts val="0"/>
+              </a:spcBef>
+              <a:buNone/>
+            </a:pPr>
+            <a:r>
+              <a:t/>
+            </a:r>
+            <a:endParaRPr sz="1800">
+              <a:solidFill>
+                <a:schemeClr val="dk1"/>
+              </a:solidFill>
+              <a:latin typeface="Garamond"/>
+              <a:ea typeface="Garamond"/>
+              <a:cs typeface="Garamond"/>
+              <a:sym typeface="Garamond"/>
+            </a:endParaRPr>
           </a:p>
         </p:txBody>
       </p:sp>
@@ -13059,7 +14957,7 @@
   <p:cSld>
     <p:spTree>
       <p:nvGrpSpPr>
-        <p:cNvPr id="174" name="Shape 174"/>
+        <p:cNvPr id="216" name="Shape 216"/>
         <p:cNvGrpSpPr/>
         <p:nvPr/>
       </p:nvGrpSpPr>
@@ -13073,7 +14971,7 @@
       </p:grpSpPr>
       <p:pic>
         <p:nvPicPr>
-          <p:cNvPr id="175" name="Shape 175"/>
+          <p:cNvPr id="217" name="Shape 217"/>
           <p:cNvPicPr preferRelativeResize="0"/>
           <p:nvPr/>
         </p:nvPicPr>
@@ -13100,7 +14998,7 @@
       </p:pic>
       <p:sp>
         <p:nvSpPr>
-          <p:cNvPr id="176" name="Shape 176"/>
+          <p:cNvPr id="218" name="Shape 218"/>
           <p:cNvSpPr/>
           <p:nvPr/>
         </p:nvSpPr>
@@ -13142,14 +15040,14 @@
                 <a:cs typeface="Garamond"/>
                 <a:sym typeface="Garamond"/>
               </a:rPr>
-              <a:t>Challenges</a:t>
+              <a:t>Use Case Diagram</a:t>
             </a:r>
           </a:p>
         </p:txBody>
       </p:sp>
       <p:pic>
         <p:nvPicPr>
-          <p:cNvPr id="177" name="Shape 177"/>
+          <p:cNvPr id="219" name="Shape 219"/>
           <p:cNvPicPr preferRelativeResize="0"/>
           <p:nvPr/>
         </p:nvPicPr>
@@ -13176,7 +15074,7 @@
       </p:pic>
       <p:sp>
         <p:nvSpPr>
-          <p:cNvPr id="178" name="Shape 178"/>
+          <p:cNvPr id="220" name="Shape 220"/>
           <p:cNvSpPr txBox="1"/>
           <p:nvPr/>
         </p:nvSpPr>
@@ -13221,6 +15119,34 @@
           </a:p>
         </p:txBody>
       </p:sp>
+      <p:pic>
+        <p:nvPicPr>
+          <p:cNvPr id="221" name="Shape 221"/>
+          <p:cNvPicPr preferRelativeResize="0"/>
+          <p:nvPr/>
+        </p:nvPicPr>
+        <p:blipFill>
+          <a:blip r:embed="rId5">
+            <a:alphaModFix/>
+          </a:blip>
+          <a:stretch>
+            <a:fillRect/>
+          </a:stretch>
+        </p:blipFill>
+        <p:spPr>
+          <a:xfrm>
+            <a:off x="3814750" y="1119675"/>
+            <a:ext cx="4562475" cy="5251650"/>
+          </a:xfrm>
+          <a:prstGeom prst="rect">
+            <a:avLst/>
+          </a:prstGeom>
+          <a:noFill/>
+          <a:ln>
+            <a:noFill/>
+          </a:ln>
+        </p:spPr>
+      </p:pic>
     </p:spTree>
   </p:cSld>
   <p:clrMapOvr>
@@ -13234,7 +15160,7 @@
   <p:cSld>
     <p:spTree>
       <p:nvGrpSpPr>
-        <p:cNvPr id="182" name="Shape 182"/>
+        <p:cNvPr id="225" name="Shape 225"/>
         <p:cNvGrpSpPr/>
         <p:nvPr/>
       </p:nvGrpSpPr>
@@ -13248,7 +15174,7 @@
       </p:grpSpPr>
       <p:pic>
         <p:nvPicPr>
-          <p:cNvPr id="183" name="Shape 183"/>
+          <p:cNvPr id="226" name="Shape 226"/>
           <p:cNvPicPr preferRelativeResize="0"/>
           <p:nvPr/>
         </p:nvPicPr>
@@ -13275,182 +15201,7 @@
       </p:pic>
       <p:sp>
         <p:nvSpPr>
-          <p:cNvPr id="184" name="Shape 184"/>
-          <p:cNvSpPr/>
-          <p:nvPr/>
-        </p:nvSpPr>
-        <p:spPr>
-          <a:xfrm>
-            <a:off x="0" y="0"/>
-            <a:ext cx="11303100" cy="888900"/>
-          </a:xfrm>
-          <a:prstGeom prst="rect">
-            <a:avLst/>
-          </a:prstGeom>
-          <a:solidFill>
-            <a:srgbClr val="004292"/>
-          </a:solidFill>
-          <a:ln>
-            <a:noFill/>
-          </a:ln>
-        </p:spPr>
-        <p:txBody>
-          <a:bodyPr anchorCtr="0" anchor="ctr" bIns="45700" lIns="91425" rIns="91425" tIns="45700">
-            <a:noAutofit/>
-          </a:bodyPr>
-          <a:lstStyle/>
-          <a:p>
-            <a:pPr indent="0" lvl="0" marL="0" marR="0" rtl="0" algn="l">
-              <a:spcBef>
-                <a:spcPts val="0"/>
-              </a:spcBef>
-              <a:buSzPct val="25000"/>
-              <a:buNone/>
-            </a:pPr>
-            <a:r>
-              <a:rPr b="1" lang="en-US" sz="2800">
-                <a:solidFill>
-                  <a:schemeClr val="lt1"/>
-                </a:solidFill>
-                <a:latin typeface="Garamond"/>
-                <a:ea typeface="Garamond"/>
-                <a:cs typeface="Garamond"/>
-                <a:sym typeface="Garamond"/>
-              </a:rPr>
-              <a:t>Results after implementation</a:t>
-            </a:r>
-          </a:p>
-        </p:txBody>
-      </p:sp>
-      <p:pic>
-        <p:nvPicPr>
-          <p:cNvPr id="185" name="Shape 185"/>
-          <p:cNvPicPr preferRelativeResize="0"/>
-          <p:nvPr/>
-        </p:nvPicPr>
-        <p:blipFill rotWithShape="1">
-          <a:blip r:embed="rId4">
-            <a:alphaModFix/>
-          </a:blip>
-          <a:srcRect b="0" l="0" r="0" t="0"/>
-          <a:stretch/>
-        </p:blipFill>
-        <p:spPr>
-          <a:xfrm>
-            <a:off x="11303110" y="0"/>
-            <a:ext cx="888900" cy="888900"/>
-          </a:xfrm>
-          <a:prstGeom prst="rect">
-            <a:avLst/>
-          </a:prstGeom>
-          <a:noFill/>
-          <a:ln>
-            <a:noFill/>
-          </a:ln>
-        </p:spPr>
-      </p:pic>
-      <p:sp>
-        <p:nvSpPr>
-          <p:cNvPr id="186" name="Shape 186"/>
-          <p:cNvSpPr txBox="1"/>
-          <p:nvPr/>
-        </p:nvSpPr>
-        <p:spPr>
-          <a:xfrm>
-            <a:off x="217713" y="6371335"/>
-            <a:ext cx="301800" cy="369300"/>
-          </a:xfrm>
-          <a:prstGeom prst="rect">
-            <a:avLst/>
-          </a:prstGeom>
-          <a:noFill/>
-          <a:ln>
-            <a:noFill/>
-          </a:ln>
-        </p:spPr>
-        <p:txBody>
-          <a:bodyPr anchorCtr="0" anchor="t" bIns="45700" lIns="91425" rIns="91425" tIns="45700">
-            <a:noAutofit/>
-          </a:bodyPr>
-          <a:lstStyle/>
-          <a:p>
-            <a:pPr indent="0" lvl="0" marL="0" marR="0" rtl="0" algn="l">
-              <a:spcBef>
-                <a:spcPts val="0"/>
-              </a:spcBef>
-              <a:buSzPct val="25000"/>
-              <a:buNone/>
-            </a:pPr>
-            <a:r>
-              <a:rPr lang="en-US" sz="1800">
-                <a:solidFill>
-                  <a:schemeClr val="dk1"/>
-                </a:solidFill>
-                <a:latin typeface="Calibri"/>
-                <a:ea typeface="Calibri"/>
-                <a:cs typeface="Calibri"/>
-                <a:sym typeface="Calibri"/>
-              </a:rPr>
-              <a:t>3</a:t>
-            </a:r>
-          </a:p>
-        </p:txBody>
-      </p:sp>
-    </p:spTree>
-  </p:cSld>
-  <p:clrMapOvr>
-    <a:masterClrMapping/>
-  </p:clrMapOvr>
-</p:sld>
-</file>
-
-<file path=ppt/slides/slide14.xml><?xml version="1.0" encoding="utf-8"?>
-<p:sld xmlns:a="http://schemas.openxmlformats.org/drawingml/2006/main" xmlns:r="http://schemas.openxmlformats.org/officeDocument/2006/relationships" xmlns:mc="http://schemas.openxmlformats.org/markup-compatibility/2006" xmlns:mv="urn:schemas-microsoft-com:mac:vml" xmlns:p="http://schemas.openxmlformats.org/presentationml/2006/main" xmlns:c="http://schemas.openxmlformats.org/drawingml/2006/chart" xmlns:dgm="http://schemas.openxmlformats.org/drawingml/2006/diagram" xmlns:o="urn:schemas-microsoft-com:office:office" xmlns:v="urn:schemas-microsoft-com:vml" xmlns:pvml="urn:schemas-microsoft-com:office:powerpoint" xmlns:com="http://schemas.openxmlformats.org/drawingml/2006/compatibility" xmlns:p14="http://schemas.microsoft.com/office/powerpoint/2010/main">
-  <p:cSld>
-    <p:spTree>
-      <p:nvGrpSpPr>
-        <p:cNvPr id="190" name="Shape 190"/>
-        <p:cNvGrpSpPr/>
-        <p:nvPr/>
-      </p:nvGrpSpPr>
-      <p:grpSpPr>
-        <a:xfrm>
-          <a:off x="0" y="0"/>
-          <a:ext cx="0" cy="0"/>
-          <a:chOff x="0" y="0"/>
-          <a:chExt cx="0" cy="0"/>
-        </a:xfrm>
-      </p:grpSpPr>
-      <p:pic>
-        <p:nvPicPr>
-          <p:cNvPr id="191" name="Shape 191"/>
-          <p:cNvPicPr preferRelativeResize="0"/>
-          <p:nvPr/>
-        </p:nvPicPr>
-        <p:blipFill rotWithShape="1">
-          <a:blip r:embed="rId3">
-            <a:alphaModFix/>
-          </a:blip>
-          <a:srcRect b="0" l="0" r="0" t="0"/>
-          <a:stretch/>
-        </p:blipFill>
-        <p:spPr>
-          <a:xfrm>
-            <a:off x="10325332" y="6074001"/>
-            <a:ext cx="1866600" cy="666599"/>
-          </a:xfrm>
-          <a:prstGeom prst="rect">
-            <a:avLst/>
-          </a:prstGeom>
-          <a:noFill/>
-          <a:ln>
-            <a:noFill/>
-          </a:ln>
-        </p:spPr>
-      </p:pic>
-      <p:sp>
-        <p:nvSpPr>
-          <p:cNvPr id="192" name="Shape 192"/>
+          <p:cNvPr id="227" name="Shape 227"/>
           <p:cNvSpPr/>
           <p:nvPr/>
         </p:nvSpPr>
@@ -13512,19 +15263,7 @@
                 <a:cs typeface="Garamond"/>
                 <a:sym typeface="Garamond"/>
               </a:rPr>
-              <a:t>Integration of I 4.0 </a:t>
-            </a:r>
-            <a:r>
-              <a:rPr b="1" lang="en-US" sz="3200">
-                <a:solidFill>
-                  <a:schemeClr val="lt1"/>
-                </a:solidFill>
-                <a:latin typeface="Garamond"/>
-                <a:ea typeface="Garamond"/>
-                <a:cs typeface="Garamond"/>
-                <a:sym typeface="Garamond"/>
-              </a:rPr>
-              <a:t>standards</a:t>
+              <a:t>Required tools</a:t>
             </a:r>
           </a:p>
           <a:p>
@@ -13551,7 +15290,7 @@
       </p:sp>
       <p:pic>
         <p:nvPicPr>
-          <p:cNvPr id="193" name="Shape 193"/>
+          <p:cNvPr id="228" name="Shape 228"/>
           <p:cNvPicPr preferRelativeResize="0"/>
           <p:nvPr/>
         </p:nvPicPr>
@@ -13578,7 +15317,942 @@
       </p:pic>
       <p:sp>
         <p:nvSpPr>
-          <p:cNvPr id="194" name="Shape 194"/>
+          <p:cNvPr id="229" name="Shape 229"/>
+          <p:cNvSpPr txBox="1"/>
+          <p:nvPr/>
+        </p:nvSpPr>
+        <p:spPr>
+          <a:xfrm>
+            <a:off x="217713" y="6371335"/>
+            <a:ext cx="301800" cy="369300"/>
+          </a:xfrm>
+          <a:prstGeom prst="rect">
+            <a:avLst/>
+          </a:prstGeom>
+          <a:noFill/>
+          <a:ln>
+            <a:noFill/>
+          </a:ln>
+        </p:spPr>
+        <p:txBody>
+          <a:bodyPr anchorCtr="0" anchor="t" bIns="45700" lIns="91425" rIns="91425" tIns="45700">
+            <a:noAutofit/>
+          </a:bodyPr>
+          <a:lstStyle/>
+          <a:p>
+            <a:pPr indent="0" lvl="0" marL="0" marR="0" rtl="0" algn="l">
+              <a:spcBef>
+                <a:spcPts val="0"/>
+              </a:spcBef>
+              <a:buSzPct val="25000"/>
+              <a:buNone/>
+            </a:pPr>
+            <a:r>
+              <a:rPr lang="en-US" sz="1800">
+                <a:solidFill>
+                  <a:schemeClr val="dk1"/>
+                </a:solidFill>
+                <a:latin typeface="Calibri"/>
+                <a:ea typeface="Calibri"/>
+                <a:cs typeface="Calibri"/>
+                <a:sym typeface="Calibri"/>
+              </a:rPr>
+              <a:t>7</a:t>
+            </a:r>
+          </a:p>
+        </p:txBody>
+      </p:sp>
+      <p:pic>
+        <p:nvPicPr>
+          <p:cNvPr descr="nginx" id="230" name="Shape 230"/>
+          <p:cNvPicPr preferRelativeResize="0"/>
+          <p:nvPr/>
+        </p:nvPicPr>
+        <p:blipFill rotWithShape="1">
+          <a:blip r:embed="rId5">
+            <a:alphaModFix/>
+          </a:blip>
+          <a:srcRect b="0" l="0" r="0" t="0"/>
+          <a:stretch/>
+        </p:blipFill>
+        <p:spPr>
+          <a:xfrm>
+            <a:off x="4313917" y="3317966"/>
+            <a:ext cx="1532700" cy="313500"/>
+          </a:xfrm>
+          <a:prstGeom prst="rect">
+            <a:avLst/>
+          </a:prstGeom>
+          <a:noFill/>
+          <a:ln>
+            <a:noFill/>
+          </a:ln>
+        </p:spPr>
+      </p:pic>
+      <p:pic>
+        <p:nvPicPr>
+          <p:cNvPr descr="Logo von Spring" id="231" name="Shape 231"/>
+          <p:cNvPicPr preferRelativeResize="0"/>
+          <p:nvPr/>
+        </p:nvPicPr>
+        <p:blipFill rotWithShape="1">
+          <a:blip r:embed="rId6">
+            <a:alphaModFix/>
+          </a:blip>
+          <a:srcRect b="0" l="0" r="0" t="0"/>
+          <a:stretch/>
+        </p:blipFill>
+        <p:spPr>
+          <a:xfrm>
+            <a:off x="7854168" y="2449285"/>
+            <a:ext cx="1481400" cy="881700"/>
+          </a:xfrm>
+          <a:prstGeom prst="rect">
+            <a:avLst/>
+          </a:prstGeom>
+          <a:noFill/>
+          <a:ln>
+            <a:noFill/>
+          </a:ln>
+        </p:spPr>
+      </p:pic>
+      <p:pic>
+        <p:nvPicPr>
+          <p:cNvPr descr="http://vulnerabilityteam.files.wordpress.com/2009/06/apache-tomcat_logo_nomatte1.jpg%3Fw%3D268%26h%3D129" id="232" name="Shape 232"/>
+          <p:cNvPicPr preferRelativeResize="0"/>
+          <p:nvPr/>
+        </p:nvPicPr>
+        <p:blipFill rotWithShape="1">
+          <a:blip r:embed="rId7">
+            <a:alphaModFix/>
+          </a:blip>
+          <a:srcRect b="0" l="0" r="0" t="0"/>
+          <a:stretch/>
+        </p:blipFill>
+        <p:spPr>
+          <a:xfrm>
+            <a:off x="5969725" y="3082000"/>
+            <a:ext cx="1545600" cy="744000"/>
+          </a:xfrm>
+          <a:prstGeom prst="rect">
+            <a:avLst/>
+          </a:prstGeom>
+          <a:noFill/>
+          <a:ln>
+            <a:noFill/>
+          </a:ln>
+        </p:spPr>
+      </p:pic>
+      <p:pic>
+        <p:nvPicPr>
+          <p:cNvPr descr="Apache Jena" id="233" name="Shape 233"/>
+          <p:cNvPicPr preferRelativeResize="0"/>
+          <p:nvPr/>
+        </p:nvPicPr>
+        <p:blipFill rotWithShape="1">
+          <a:blip r:embed="rId8">
+            <a:alphaModFix/>
+          </a:blip>
+          <a:srcRect b="0" l="0" r="0" t="0"/>
+          <a:stretch/>
+        </p:blipFill>
+        <p:spPr>
+          <a:xfrm>
+            <a:off x="7798525" y="3448594"/>
+            <a:ext cx="1431300" cy="1431300"/>
+          </a:xfrm>
+          <a:prstGeom prst="rect">
+            <a:avLst/>
+          </a:prstGeom>
+          <a:noFill/>
+          <a:ln>
+            <a:noFill/>
+          </a:ln>
+        </p:spPr>
+      </p:pic>
+      <p:sp>
+        <p:nvSpPr>
+          <p:cNvPr id="234" name="Shape 234"/>
+          <p:cNvSpPr txBox="1"/>
+          <p:nvPr/>
+        </p:nvSpPr>
+        <p:spPr>
+          <a:xfrm>
+            <a:off x="939950" y="1356975"/>
+            <a:ext cx="4011000" cy="532500"/>
+          </a:xfrm>
+          <a:prstGeom prst="rect">
+            <a:avLst/>
+          </a:prstGeom>
+          <a:noFill/>
+          <a:ln>
+            <a:noFill/>
+          </a:ln>
+        </p:spPr>
+        <p:txBody>
+          <a:bodyPr anchorCtr="0" anchor="t" bIns="45700" lIns="91425" rIns="91425" tIns="45700">
+            <a:noAutofit/>
+          </a:bodyPr>
+          <a:lstStyle/>
+          <a:p>
+            <a:pPr indent="0" lvl="0" marL="0" marR="0" rtl="0" algn="l">
+              <a:spcBef>
+                <a:spcPts val="0"/>
+              </a:spcBef>
+              <a:buSzPct val="25000"/>
+              <a:buNone/>
+            </a:pPr>
+            <a:r>
+              <a:rPr b="1" lang="en-US" sz="3000">
+                <a:solidFill>
+                  <a:schemeClr val="dk1"/>
+                </a:solidFill>
+                <a:latin typeface="Gentium Basic"/>
+                <a:ea typeface="Gentium Basic"/>
+                <a:cs typeface="Gentium Basic"/>
+                <a:sym typeface="Gentium Basic"/>
+              </a:rPr>
+              <a:t>Conceptual tech stack </a:t>
+            </a:r>
+          </a:p>
+        </p:txBody>
+      </p:sp>
+      <p:pic>
+        <p:nvPicPr>
+          <p:cNvPr descr="687474703a2f2f707265636973696f6e2d736f6674776172652e636f6d2f77702d636f6e74656e742f75706c6f6164732f323031342f30342f6a5175726572792e676966.gif" id="235" name="Shape 235"/>
+          <p:cNvPicPr preferRelativeResize="0"/>
+          <p:nvPr/>
+        </p:nvPicPr>
+        <p:blipFill>
+          <a:blip r:embed="rId9">
+            <a:alphaModFix/>
+          </a:blip>
+          <a:stretch>
+            <a:fillRect/>
+          </a:stretch>
+        </p:blipFill>
+        <p:spPr>
+          <a:xfrm>
+            <a:off x="2264625" y="2786359"/>
+            <a:ext cx="1376741" cy="1376725"/>
+          </a:xfrm>
+          <a:prstGeom prst="rect">
+            <a:avLst/>
+          </a:prstGeom>
+          <a:noFill/>
+          <a:ln>
+            <a:noFill/>
+          </a:ln>
+        </p:spPr>
+      </p:pic>
+    </p:spTree>
+  </p:cSld>
+  <p:clrMapOvr>
+    <a:masterClrMapping/>
+  </p:clrMapOvr>
+</p:sld>
+</file>
+
+<file path=ppt/slides/slide14.xml><?xml version="1.0" encoding="utf-8"?>
+<p:sld xmlns:a="http://schemas.openxmlformats.org/drawingml/2006/main" xmlns:r="http://schemas.openxmlformats.org/officeDocument/2006/relationships" xmlns:mc="http://schemas.openxmlformats.org/markup-compatibility/2006" xmlns:mv="urn:schemas-microsoft-com:mac:vml" xmlns:p="http://schemas.openxmlformats.org/presentationml/2006/main" xmlns:c="http://schemas.openxmlformats.org/drawingml/2006/chart" xmlns:dgm="http://schemas.openxmlformats.org/drawingml/2006/diagram" xmlns:o="urn:schemas-microsoft-com:office:office" xmlns:v="urn:schemas-microsoft-com:vml" xmlns:pvml="urn:schemas-microsoft-com:office:powerpoint" xmlns:com="http://schemas.openxmlformats.org/drawingml/2006/compatibility" xmlns:p14="http://schemas.microsoft.com/office/powerpoint/2010/main">
+  <p:cSld>
+    <p:spTree>
+      <p:nvGrpSpPr>
+        <p:cNvPr id="239" name="Shape 239"/>
+        <p:cNvGrpSpPr/>
+        <p:nvPr/>
+      </p:nvGrpSpPr>
+      <p:grpSpPr>
+        <a:xfrm>
+          <a:off x="0" y="0"/>
+          <a:ext cx="0" cy="0"/>
+          <a:chOff x="0" y="0"/>
+          <a:chExt cx="0" cy="0"/>
+        </a:xfrm>
+      </p:grpSpPr>
+      <p:pic>
+        <p:nvPicPr>
+          <p:cNvPr id="240" name="Shape 240"/>
+          <p:cNvPicPr preferRelativeResize="0"/>
+          <p:nvPr/>
+        </p:nvPicPr>
+        <p:blipFill rotWithShape="1">
+          <a:blip r:embed="rId3">
+            <a:alphaModFix/>
+          </a:blip>
+          <a:srcRect b="0" l="0" r="0" t="0"/>
+          <a:stretch/>
+        </p:blipFill>
+        <p:spPr>
+          <a:xfrm>
+            <a:off x="10325332" y="6074001"/>
+            <a:ext cx="1866600" cy="666599"/>
+          </a:xfrm>
+          <a:prstGeom prst="rect">
+            <a:avLst/>
+          </a:prstGeom>
+          <a:noFill/>
+          <a:ln>
+            <a:noFill/>
+          </a:ln>
+        </p:spPr>
+      </p:pic>
+      <p:sp>
+        <p:nvSpPr>
+          <p:cNvPr id="241" name="Shape 241"/>
+          <p:cNvSpPr/>
+          <p:nvPr/>
+        </p:nvSpPr>
+        <p:spPr>
+          <a:xfrm>
+            <a:off x="0" y="0"/>
+            <a:ext cx="11303100" cy="888900"/>
+          </a:xfrm>
+          <a:prstGeom prst="rect">
+            <a:avLst/>
+          </a:prstGeom>
+          <a:solidFill>
+            <a:srgbClr val="004292"/>
+          </a:solidFill>
+          <a:ln>
+            <a:noFill/>
+          </a:ln>
+        </p:spPr>
+        <p:txBody>
+          <a:bodyPr anchorCtr="0" anchor="ctr" bIns="45700" lIns="91425" rIns="91425" tIns="45700">
+            <a:noAutofit/>
+          </a:bodyPr>
+          <a:lstStyle/>
+          <a:p>
+            <a:pPr indent="0" lvl="0" marL="0" marR="0" rtl="0" algn="l">
+              <a:spcBef>
+                <a:spcPts val="0"/>
+              </a:spcBef>
+              <a:buSzPct val="25000"/>
+              <a:buNone/>
+            </a:pPr>
+            <a:r>
+              <a:rPr b="1" lang="en-US" sz="2800">
+                <a:solidFill>
+                  <a:schemeClr val="lt1"/>
+                </a:solidFill>
+                <a:latin typeface="Garamond"/>
+                <a:ea typeface="Garamond"/>
+                <a:cs typeface="Garamond"/>
+                <a:sym typeface="Garamond"/>
+              </a:rPr>
+              <a:t>Test cases:</a:t>
+            </a:r>
+          </a:p>
+        </p:txBody>
+      </p:sp>
+      <p:pic>
+        <p:nvPicPr>
+          <p:cNvPr id="242" name="Shape 242"/>
+          <p:cNvPicPr preferRelativeResize="0"/>
+          <p:nvPr/>
+        </p:nvPicPr>
+        <p:blipFill rotWithShape="1">
+          <a:blip r:embed="rId4">
+            <a:alphaModFix/>
+          </a:blip>
+          <a:srcRect b="0" l="0" r="0" t="0"/>
+          <a:stretch/>
+        </p:blipFill>
+        <p:spPr>
+          <a:xfrm>
+            <a:off x="11303110" y="0"/>
+            <a:ext cx="888900" cy="888900"/>
+          </a:xfrm>
+          <a:prstGeom prst="rect">
+            <a:avLst/>
+          </a:prstGeom>
+          <a:noFill/>
+          <a:ln>
+            <a:noFill/>
+          </a:ln>
+        </p:spPr>
+      </p:pic>
+      <p:sp>
+        <p:nvSpPr>
+          <p:cNvPr id="243" name="Shape 243"/>
+          <p:cNvSpPr txBox="1"/>
+          <p:nvPr/>
+        </p:nvSpPr>
+        <p:spPr>
+          <a:xfrm>
+            <a:off x="217713" y="6371335"/>
+            <a:ext cx="301800" cy="369300"/>
+          </a:xfrm>
+          <a:prstGeom prst="rect">
+            <a:avLst/>
+          </a:prstGeom>
+          <a:noFill/>
+          <a:ln>
+            <a:noFill/>
+          </a:ln>
+        </p:spPr>
+        <p:txBody>
+          <a:bodyPr anchorCtr="0" anchor="t" bIns="45700" lIns="91425" rIns="91425" tIns="45700">
+            <a:noAutofit/>
+          </a:bodyPr>
+          <a:lstStyle/>
+          <a:p>
+            <a:pPr indent="0" lvl="0" marL="0" marR="0" rtl="0" algn="l">
+              <a:spcBef>
+                <a:spcPts val="0"/>
+              </a:spcBef>
+              <a:buSzPct val="25000"/>
+              <a:buNone/>
+            </a:pPr>
+            <a:r>
+              <a:rPr lang="en-US" sz="1800">
+                <a:solidFill>
+                  <a:schemeClr val="dk1"/>
+                </a:solidFill>
+                <a:latin typeface="Calibri"/>
+                <a:ea typeface="Calibri"/>
+                <a:cs typeface="Calibri"/>
+                <a:sym typeface="Calibri"/>
+              </a:rPr>
+              <a:t>3</a:t>
+            </a:r>
+          </a:p>
+        </p:txBody>
+      </p:sp>
+    </p:spTree>
+  </p:cSld>
+  <p:clrMapOvr>
+    <a:masterClrMapping/>
+  </p:clrMapOvr>
+</p:sld>
+</file>
+
+<file path=ppt/slides/slide15.xml><?xml version="1.0" encoding="utf-8"?>
+<p:sld xmlns:a="http://schemas.openxmlformats.org/drawingml/2006/main" xmlns:r="http://schemas.openxmlformats.org/officeDocument/2006/relationships" xmlns:mc="http://schemas.openxmlformats.org/markup-compatibility/2006" xmlns:mv="urn:schemas-microsoft-com:mac:vml" xmlns:p="http://schemas.openxmlformats.org/presentationml/2006/main" xmlns:c="http://schemas.openxmlformats.org/drawingml/2006/chart" xmlns:dgm="http://schemas.openxmlformats.org/drawingml/2006/diagram" xmlns:o="urn:schemas-microsoft-com:office:office" xmlns:v="urn:schemas-microsoft-com:vml" xmlns:pvml="urn:schemas-microsoft-com:office:powerpoint" xmlns:com="http://schemas.openxmlformats.org/drawingml/2006/compatibility" xmlns:p14="http://schemas.microsoft.com/office/powerpoint/2010/main">
+  <p:cSld>
+    <p:spTree>
+      <p:nvGrpSpPr>
+        <p:cNvPr id="247" name="Shape 247"/>
+        <p:cNvGrpSpPr/>
+        <p:nvPr/>
+      </p:nvGrpSpPr>
+      <p:grpSpPr>
+        <a:xfrm>
+          <a:off x="0" y="0"/>
+          <a:ext cx="0" cy="0"/>
+          <a:chOff x="0" y="0"/>
+          <a:chExt cx="0" cy="0"/>
+        </a:xfrm>
+      </p:grpSpPr>
+      <p:pic>
+        <p:nvPicPr>
+          <p:cNvPr id="248" name="Shape 248"/>
+          <p:cNvPicPr preferRelativeResize="0"/>
+          <p:nvPr/>
+        </p:nvPicPr>
+        <p:blipFill rotWithShape="1">
+          <a:blip r:embed="rId3">
+            <a:alphaModFix/>
+          </a:blip>
+          <a:srcRect b="0" l="0" r="0" t="0"/>
+          <a:stretch/>
+        </p:blipFill>
+        <p:spPr>
+          <a:xfrm>
+            <a:off x="10325332" y="6074001"/>
+            <a:ext cx="1866600" cy="666599"/>
+          </a:xfrm>
+          <a:prstGeom prst="rect">
+            <a:avLst/>
+          </a:prstGeom>
+          <a:noFill/>
+          <a:ln>
+            <a:noFill/>
+          </a:ln>
+        </p:spPr>
+      </p:pic>
+      <p:sp>
+        <p:nvSpPr>
+          <p:cNvPr id="249" name="Shape 249"/>
+          <p:cNvSpPr/>
+          <p:nvPr/>
+        </p:nvSpPr>
+        <p:spPr>
+          <a:xfrm>
+            <a:off x="0" y="0"/>
+            <a:ext cx="11303100" cy="888900"/>
+          </a:xfrm>
+          <a:prstGeom prst="rect">
+            <a:avLst/>
+          </a:prstGeom>
+          <a:solidFill>
+            <a:srgbClr val="004292"/>
+          </a:solidFill>
+          <a:ln>
+            <a:noFill/>
+          </a:ln>
+        </p:spPr>
+        <p:txBody>
+          <a:bodyPr anchorCtr="0" anchor="ctr" bIns="45700" lIns="91425" rIns="91425" tIns="45700">
+            <a:noAutofit/>
+          </a:bodyPr>
+          <a:lstStyle/>
+          <a:p>
+            <a:pPr indent="0" lvl="0" marL="0" marR="0" rtl="0" algn="l">
+              <a:spcBef>
+                <a:spcPts val="0"/>
+              </a:spcBef>
+              <a:buSzPct val="25000"/>
+              <a:buNone/>
+            </a:pPr>
+            <a:r>
+              <a:rPr b="1" lang="en-US" sz="2800">
+                <a:solidFill>
+                  <a:schemeClr val="lt1"/>
+                </a:solidFill>
+                <a:latin typeface="Garamond"/>
+                <a:ea typeface="Garamond"/>
+                <a:cs typeface="Garamond"/>
+                <a:sym typeface="Garamond"/>
+              </a:rPr>
+              <a:t>Challenges</a:t>
+            </a:r>
+          </a:p>
+        </p:txBody>
+      </p:sp>
+      <p:pic>
+        <p:nvPicPr>
+          <p:cNvPr id="250" name="Shape 250"/>
+          <p:cNvPicPr preferRelativeResize="0"/>
+          <p:nvPr/>
+        </p:nvPicPr>
+        <p:blipFill rotWithShape="1">
+          <a:blip r:embed="rId4">
+            <a:alphaModFix/>
+          </a:blip>
+          <a:srcRect b="0" l="0" r="0" t="0"/>
+          <a:stretch/>
+        </p:blipFill>
+        <p:spPr>
+          <a:xfrm>
+            <a:off x="11303110" y="0"/>
+            <a:ext cx="888900" cy="888900"/>
+          </a:xfrm>
+          <a:prstGeom prst="rect">
+            <a:avLst/>
+          </a:prstGeom>
+          <a:noFill/>
+          <a:ln>
+            <a:noFill/>
+          </a:ln>
+        </p:spPr>
+      </p:pic>
+      <p:sp>
+        <p:nvSpPr>
+          <p:cNvPr id="251" name="Shape 251"/>
+          <p:cNvSpPr txBox="1"/>
+          <p:nvPr/>
+        </p:nvSpPr>
+        <p:spPr>
+          <a:xfrm>
+            <a:off x="217713" y="6371335"/>
+            <a:ext cx="301800" cy="369300"/>
+          </a:xfrm>
+          <a:prstGeom prst="rect">
+            <a:avLst/>
+          </a:prstGeom>
+          <a:noFill/>
+          <a:ln>
+            <a:noFill/>
+          </a:ln>
+        </p:spPr>
+        <p:txBody>
+          <a:bodyPr anchorCtr="0" anchor="t" bIns="45700" lIns="91425" rIns="91425" tIns="45700">
+            <a:noAutofit/>
+          </a:bodyPr>
+          <a:lstStyle/>
+          <a:p>
+            <a:pPr indent="0" lvl="0" marL="0" marR="0" rtl="0" algn="l">
+              <a:spcBef>
+                <a:spcPts val="0"/>
+              </a:spcBef>
+              <a:buSzPct val="25000"/>
+              <a:buNone/>
+            </a:pPr>
+            <a:r>
+              <a:rPr lang="en-US" sz="1800">
+                <a:solidFill>
+                  <a:schemeClr val="dk1"/>
+                </a:solidFill>
+                <a:latin typeface="Calibri"/>
+                <a:ea typeface="Calibri"/>
+                <a:cs typeface="Calibri"/>
+                <a:sym typeface="Calibri"/>
+              </a:rPr>
+              <a:t>3</a:t>
+            </a:r>
+          </a:p>
+        </p:txBody>
+      </p:sp>
+    </p:spTree>
+  </p:cSld>
+  <p:clrMapOvr>
+    <a:masterClrMapping/>
+  </p:clrMapOvr>
+</p:sld>
+</file>
+
+<file path=ppt/slides/slide16.xml><?xml version="1.0" encoding="utf-8"?>
+<p:sld xmlns:a="http://schemas.openxmlformats.org/drawingml/2006/main" xmlns:r="http://schemas.openxmlformats.org/officeDocument/2006/relationships" xmlns:mc="http://schemas.openxmlformats.org/markup-compatibility/2006" xmlns:mv="urn:schemas-microsoft-com:mac:vml" xmlns:p="http://schemas.openxmlformats.org/presentationml/2006/main" xmlns:c="http://schemas.openxmlformats.org/drawingml/2006/chart" xmlns:dgm="http://schemas.openxmlformats.org/drawingml/2006/diagram" xmlns:o="urn:schemas-microsoft-com:office:office" xmlns:v="urn:schemas-microsoft-com:vml" xmlns:pvml="urn:schemas-microsoft-com:office:powerpoint" xmlns:com="http://schemas.openxmlformats.org/drawingml/2006/compatibility" xmlns:p14="http://schemas.microsoft.com/office/powerpoint/2010/main">
+  <p:cSld>
+    <p:spTree>
+      <p:nvGrpSpPr>
+        <p:cNvPr id="255" name="Shape 255"/>
+        <p:cNvGrpSpPr/>
+        <p:nvPr/>
+      </p:nvGrpSpPr>
+      <p:grpSpPr>
+        <a:xfrm>
+          <a:off x="0" y="0"/>
+          <a:ext cx="0" cy="0"/>
+          <a:chOff x="0" y="0"/>
+          <a:chExt cx="0" cy="0"/>
+        </a:xfrm>
+      </p:grpSpPr>
+      <p:pic>
+        <p:nvPicPr>
+          <p:cNvPr id="256" name="Shape 256"/>
+          <p:cNvPicPr preferRelativeResize="0"/>
+          <p:nvPr/>
+        </p:nvPicPr>
+        <p:blipFill rotWithShape="1">
+          <a:blip r:embed="rId3">
+            <a:alphaModFix/>
+          </a:blip>
+          <a:srcRect b="0" l="0" r="0" t="0"/>
+          <a:stretch/>
+        </p:blipFill>
+        <p:spPr>
+          <a:xfrm>
+            <a:off x="10325332" y="6074001"/>
+            <a:ext cx="1866600" cy="666599"/>
+          </a:xfrm>
+          <a:prstGeom prst="rect">
+            <a:avLst/>
+          </a:prstGeom>
+          <a:noFill/>
+          <a:ln>
+            <a:noFill/>
+          </a:ln>
+        </p:spPr>
+      </p:pic>
+      <p:sp>
+        <p:nvSpPr>
+          <p:cNvPr id="257" name="Shape 257"/>
+          <p:cNvSpPr/>
+          <p:nvPr/>
+        </p:nvSpPr>
+        <p:spPr>
+          <a:xfrm>
+            <a:off x="0" y="0"/>
+            <a:ext cx="11303100" cy="888900"/>
+          </a:xfrm>
+          <a:prstGeom prst="rect">
+            <a:avLst/>
+          </a:prstGeom>
+          <a:solidFill>
+            <a:srgbClr val="004292"/>
+          </a:solidFill>
+          <a:ln>
+            <a:noFill/>
+          </a:ln>
+        </p:spPr>
+        <p:txBody>
+          <a:bodyPr anchorCtr="0" anchor="ctr" bIns="45700" lIns="91425" rIns="91425" tIns="45700">
+            <a:noAutofit/>
+          </a:bodyPr>
+          <a:lstStyle/>
+          <a:p>
+            <a:pPr indent="0" lvl="0" marL="0" marR="0" rtl="0" algn="l">
+              <a:spcBef>
+                <a:spcPts val="0"/>
+              </a:spcBef>
+              <a:buSzPct val="25000"/>
+              <a:buNone/>
+            </a:pPr>
+            <a:r>
+              <a:rPr b="1" lang="en-US" sz="2800">
+                <a:solidFill>
+                  <a:schemeClr val="lt1"/>
+                </a:solidFill>
+                <a:latin typeface="Garamond"/>
+                <a:ea typeface="Garamond"/>
+                <a:cs typeface="Garamond"/>
+                <a:sym typeface="Garamond"/>
+              </a:rPr>
+              <a:t>Results after implementation</a:t>
+            </a:r>
+          </a:p>
+        </p:txBody>
+      </p:sp>
+      <p:pic>
+        <p:nvPicPr>
+          <p:cNvPr id="258" name="Shape 258"/>
+          <p:cNvPicPr preferRelativeResize="0"/>
+          <p:nvPr/>
+        </p:nvPicPr>
+        <p:blipFill rotWithShape="1">
+          <a:blip r:embed="rId4">
+            <a:alphaModFix/>
+          </a:blip>
+          <a:srcRect b="0" l="0" r="0" t="0"/>
+          <a:stretch/>
+        </p:blipFill>
+        <p:spPr>
+          <a:xfrm>
+            <a:off x="11303110" y="0"/>
+            <a:ext cx="888900" cy="888900"/>
+          </a:xfrm>
+          <a:prstGeom prst="rect">
+            <a:avLst/>
+          </a:prstGeom>
+          <a:noFill/>
+          <a:ln>
+            <a:noFill/>
+          </a:ln>
+        </p:spPr>
+      </p:pic>
+      <p:sp>
+        <p:nvSpPr>
+          <p:cNvPr id="259" name="Shape 259"/>
+          <p:cNvSpPr txBox="1"/>
+          <p:nvPr/>
+        </p:nvSpPr>
+        <p:spPr>
+          <a:xfrm>
+            <a:off x="217713" y="6371335"/>
+            <a:ext cx="301800" cy="369300"/>
+          </a:xfrm>
+          <a:prstGeom prst="rect">
+            <a:avLst/>
+          </a:prstGeom>
+          <a:noFill/>
+          <a:ln>
+            <a:noFill/>
+          </a:ln>
+        </p:spPr>
+        <p:txBody>
+          <a:bodyPr anchorCtr="0" anchor="t" bIns="45700" lIns="91425" rIns="91425" tIns="45700">
+            <a:noAutofit/>
+          </a:bodyPr>
+          <a:lstStyle/>
+          <a:p>
+            <a:pPr indent="0" lvl="0" marL="0" marR="0" rtl="0" algn="l">
+              <a:spcBef>
+                <a:spcPts val="0"/>
+              </a:spcBef>
+              <a:buSzPct val="25000"/>
+              <a:buNone/>
+            </a:pPr>
+            <a:r>
+              <a:rPr lang="en-US" sz="1800">
+                <a:solidFill>
+                  <a:schemeClr val="dk1"/>
+                </a:solidFill>
+                <a:latin typeface="Calibri"/>
+                <a:ea typeface="Calibri"/>
+                <a:cs typeface="Calibri"/>
+                <a:sym typeface="Calibri"/>
+              </a:rPr>
+              <a:t>3</a:t>
+            </a:r>
+          </a:p>
+        </p:txBody>
+      </p:sp>
+    </p:spTree>
+  </p:cSld>
+  <p:clrMapOvr>
+    <a:masterClrMapping/>
+  </p:clrMapOvr>
+</p:sld>
+</file>
+
+<file path=ppt/slides/slide17.xml><?xml version="1.0" encoding="utf-8"?>
+<p:sld xmlns:a="http://schemas.openxmlformats.org/drawingml/2006/main" xmlns:r="http://schemas.openxmlformats.org/officeDocument/2006/relationships" xmlns:mc="http://schemas.openxmlformats.org/markup-compatibility/2006" xmlns:mv="urn:schemas-microsoft-com:mac:vml" xmlns:p="http://schemas.openxmlformats.org/presentationml/2006/main" xmlns:c="http://schemas.openxmlformats.org/drawingml/2006/chart" xmlns:dgm="http://schemas.openxmlformats.org/drawingml/2006/diagram" xmlns:o="urn:schemas-microsoft-com:office:office" xmlns:v="urn:schemas-microsoft-com:vml" xmlns:pvml="urn:schemas-microsoft-com:office:powerpoint" xmlns:com="http://schemas.openxmlformats.org/drawingml/2006/compatibility" xmlns:p14="http://schemas.microsoft.com/office/powerpoint/2010/main">
+  <p:cSld>
+    <p:spTree>
+      <p:nvGrpSpPr>
+        <p:cNvPr id="263" name="Shape 263"/>
+        <p:cNvGrpSpPr/>
+        <p:nvPr/>
+      </p:nvGrpSpPr>
+      <p:grpSpPr>
+        <a:xfrm>
+          <a:off x="0" y="0"/>
+          <a:ext cx="0" cy="0"/>
+          <a:chOff x="0" y="0"/>
+          <a:chExt cx="0" cy="0"/>
+        </a:xfrm>
+      </p:grpSpPr>
+      <p:pic>
+        <p:nvPicPr>
+          <p:cNvPr id="264" name="Shape 264"/>
+          <p:cNvPicPr preferRelativeResize="0"/>
+          <p:nvPr/>
+        </p:nvPicPr>
+        <p:blipFill rotWithShape="1">
+          <a:blip r:embed="rId3">
+            <a:alphaModFix/>
+          </a:blip>
+          <a:srcRect b="0" l="0" r="0" t="0"/>
+          <a:stretch/>
+        </p:blipFill>
+        <p:spPr>
+          <a:xfrm>
+            <a:off x="10325332" y="6074001"/>
+            <a:ext cx="1866600" cy="666599"/>
+          </a:xfrm>
+          <a:prstGeom prst="rect">
+            <a:avLst/>
+          </a:prstGeom>
+          <a:noFill/>
+          <a:ln>
+            <a:noFill/>
+          </a:ln>
+        </p:spPr>
+      </p:pic>
+      <p:sp>
+        <p:nvSpPr>
+          <p:cNvPr id="265" name="Shape 265"/>
+          <p:cNvSpPr/>
+          <p:nvPr/>
+        </p:nvSpPr>
+        <p:spPr>
+          <a:xfrm>
+            <a:off x="0" y="0"/>
+            <a:ext cx="11303100" cy="888900"/>
+          </a:xfrm>
+          <a:prstGeom prst="rect">
+            <a:avLst/>
+          </a:prstGeom>
+          <a:solidFill>
+            <a:srgbClr val="004292"/>
+          </a:solidFill>
+          <a:ln>
+            <a:noFill/>
+          </a:ln>
+        </p:spPr>
+        <p:txBody>
+          <a:bodyPr anchorCtr="0" anchor="ctr" bIns="45700" lIns="91425" rIns="91425" tIns="45700">
+            <a:noAutofit/>
+          </a:bodyPr>
+          <a:lstStyle/>
+          <a:p>
+            <a:pPr indent="0" lvl="0" marL="0" marR="0" rtl="0" algn="l">
+              <a:spcBef>
+                <a:spcPts val="0"/>
+              </a:spcBef>
+              <a:buNone/>
+            </a:pPr>
+            <a:r>
+              <a:t/>
+            </a:r>
+            <a:endParaRPr b="1" sz="2800">
+              <a:solidFill>
+                <a:schemeClr val="lt1"/>
+              </a:solidFill>
+              <a:latin typeface="Garamond"/>
+              <a:ea typeface="Garamond"/>
+              <a:cs typeface="Garamond"/>
+              <a:sym typeface="Garamond"/>
+            </a:endParaRPr>
+          </a:p>
+          <a:p>
+            <a:pPr indent="0" lvl="0" marL="0" marR="0" rtl="0" algn="l">
+              <a:spcBef>
+                <a:spcPts val="0"/>
+              </a:spcBef>
+              <a:buSzPct val="25000"/>
+              <a:buNone/>
+            </a:pPr>
+            <a:r>
+              <a:rPr b="1" lang="en-US" sz="2800">
+                <a:solidFill>
+                  <a:schemeClr val="lt1"/>
+                </a:solidFill>
+                <a:latin typeface="Garamond"/>
+                <a:ea typeface="Garamond"/>
+                <a:cs typeface="Garamond"/>
+                <a:sym typeface="Garamond"/>
+              </a:rPr>
+              <a:t>Integration of I 4.0 </a:t>
+            </a:r>
+            <a:r>
+              <a:rPr b="1" lang="en-US" sz="3200">
+                <a:solidFill>
+                  <a:schemeClr val="lt1"/>
+                </a:solidFill>
+                <a:latin typeface="Garamond"/>
+                <a:ea typeface="Garamond"/>
+                <a:cs typeface="Garamond"/>
+                <a:sym typeface="Garamond"/>
+              </a:rPr>
+              <a:t>standards</a:t>
+            </a:r>
+          </a:p>
+          <a:p>
+            <a:pPr indent="0" lvl="0" marL="0" marR="0" rtl="0" algn="l">
+              <a:spcBef>
+                <a:spcPts val="0"/>
+              </a:spcBef>
+              <a:buNone/>
+            </a:pPr>
+            <a:r>
+              <a:t/>
+            </a:r>
+            <a:endParaRPr b="1" sz="2800">
+              <a:solidFill>
+                <a:schemeClr val="lt1"/>
+              </a:solidFill>
+              <a:latin typeface="Garamond"/>
+              <a:ea typeface="Garamond"/>
+              <a:cs typeface="Garamond"/>
+              <a:sym typeface="Garamond"/>
+            </a:endParaRPr>
+          </a:p>
+        </p:txBody>
+      </p:sp>
+      <p:pic>
+        <p:nvPicPr>
+          <p:cNvPr id="266" name="Shape 266"/>
+          <p:cNvPicPr preferRelativeResize="0"/>
+          <p:nvPr/>
+        </p:nvPicPr>
+        <p:blipFill rotWithShape="1">
+          <a:blip r:embed="rId4">
+            <a:alphaModFix/>
+          </a:blip>
+          <a:srcRect b="0" l="0" r="0" t="0"/>
+          <a:stretch/>
+        </p:blipFill>
+        <p:spPr>
+          <a:xfrm>
+            <a:off x="11303110" y="0"/>
+            <a:ext cx="888900" cy="888900"/>
+          </a:xfrm>
+          <a:prstGeom prst="rect">
+            <a:avLst/>
+          </a:prstGeom>
+          <a:noFill/>
+          <a:ln>
+            <a:noFill/>
+          </a:ln>
+        </p:spPr>
+      </p:pic>
+      <p:sp>
+        <p:nvSpPr>
+          <p:cNvPr id="267" name="Shape 267"/>
           <p:cNvSpPr txBox="1"/>
           <p:nvPr/>
         </p:nvSpPr>
@@ -13625,7 +16299,7 @@
       </p:sp>
       <p:sp>
         <p:nvSpPr>
-          <p:cNvPr id="195" name="Shape 195"/>
+          <p:cNvPr id="268" name="Shape 268"/>
           <p:cNvSpPr txBox="1"/>
           <p:nvPr/>
         </p:nvSpPr>
@@ -13716,9 +16390,68 @@
           <a:chExt cx="0" cy="0"/>
         </a:xfrm>
       </p:grpSpPr>
+      <p:sp>
+        <p:nvSpPr>
+          <p:cNvPr id="95" name="Shape 95"/>
+          <p:cNvSpPr txBox="1"/>
+          <p:nvPr/>
+        </p:nvSpPr>
+        <p:spPr>
+          <a:xfrm>
+            <a:off x="6338625" y="1700043"/>
+            <a:ext cx="4926900" cy="2031300"/>
+          </a:xfrm>
+          <a:prstGeom prst="rect">
+            <a:avLst/>
+          </a:prstGeom>
+          <a:noFill/>
+          <a:ln>
+            <a:noFill/>
+          </a:ln>
+        </p:spPr>
+        <p:txBody>
+          <a:bodyPr anchorCtr="0" anchor="t" bIns="45700" lIns="91425" rIns="91425" tIns="45700">
+            <a:noAutofit/>
+          </a:bodyPr>
+          <a:lstStyle/>
+          <a:p>
+            <a:pPr indent="0" lvl="0" marL="0" marR="0" rtl="0" algn="l">
+              <a:spcBef>
+                <a:spcPts val="0"/>
+              </a:spcBef>
+              <a:buSzPct val="25000"/>
+              <a:buNone/>
+            </a:pPr>
+            <a:r>
+              <a:rPr b="1" lang="en-US" sz="1800">
+                <a:solidFill>
+                  <a:schemeClr val="dk1"/>
+                </a:solidFill>
+                <a:latin typeface="Gentium Basic"/>
+                <a:ea typeface="Gentium Basic"/>
+                <a:cs typeface="Gentium Basic"/>
+                <a:sym typeface="Gentium Basic"/>
+              </a:rPr>
+              <a:t>I 4.0 or Industry 4.0 </a:t>
+            </a:r>
+            <a:r>
+              <a:rPr lang="en-US" sz="1800">
+                <a:solidFill>
+                  <a:schemeClr val="dk1"/>
+                </a:solidFill>
+                <a:latin typeface="Gentium Basic"/>
+                <a:ea typeface="Gentium Basic"/>
+                <a:cs typeface="Gentium Basic"/>
+                <a:sym typeface="Gentium Basic"/>
+              </a:rPr>
+              <a:t>is a combination of production methods with state-of-the-art information and communication technology. In the world of Industry 4.0, people, machines, equipment, logistics systems and products communicate and cooperate with each other directly.</a:t>
+            </a:r>
+          </a:p>
+        </p:txBody>
+      </p:sp>
       <p:pic>
         <p:nvPicPr>
-          <p:cNvPr id="95" name="Shape 95"/>
+          <p:cNvPr descr="http://www.plattform-i40.de/I40/Redaktion/EN/Bilder/topteaser-handlungsfelder.jpg?__blob=normal&amp;v=3" id="96" name="Shape 96"/>
           <p:cNvPicPr preferRelativeResize="0"/>
           <p:nvPr/>
         </p:nvPicPr>
@@ -13731,8 +16464,8 @@
         </p:blipFill>
         <p:spPr>
           <a:xfrm>
-            <a:off x="10325332" y="6074001"/>
-            <a:ext cx="1866600" cy="666599"/>
+            <a:off x="824929" y="1644144"/>
+            <a:ext cx="4286400" cy="2143200"/>
           </a:xfrm>
           <a:prstGeom prst="rect">
             <a:avLst/>
@@ -13743,67 +16476,6 @@
           </a:ln>
         </p:spPr>
       </p:pic>
-      <p:sp>
-        <p:nvSpPr>
-          <p:cNvPr id="96" name="Shape 96"/>
-          <p:cNvSpPr/>
-          <p:nvPr/>
-        </p:nvSpPr>
-        <p:spPr>
-          <a:xfrm>
-            <a:off x="0" y="0"/>
-            <a:ext cx="11303100" cy="888900"/>
-          </a:xfrm>
-          <a:prstGeom prst="rect">
-            <a:avLst/>
-          </a:prstGeom>
-          <a:solidFill>
-            <a:srgbClr val="004292"/>
-          </a:solidFill>
-          <a:ln>
-            <a:noFill/>
-          </a:ln>
-        </p:spPr>
-        <p:txBody>
-          <a:bodyPr anchorCtr="0" anchor="ctr" bIns="45700" lIns="91425" rIns="91425" tIns="45700">
-            <a:noAutofit/>
-          </a:bodyPr>
-          <a:lstStyle/>
-          <a:p>
-            <a:pPr indent="0" lvl="0" marL="0" marR="0" rtl="0" algn="l">
-              <a:spcBef>
-                <a:spcPts val="0"/>
-              </a:spcBef>
-              <a:buSzPct val="25000"/>
-              <a:buNone/>
-            </a:pPr>
-            <a:r>
-              <a:rPr b="1" lang="en-US" sz="2800">
-                <a:solidFill>
-                  <a:schemeClr val="lt1"/>
-                </a:solidFill>
-                <a:latin typeface="Garamond"/>
-                <a:ea typeface="Garamond"/>
-                <a:cs typeface="Garamond"/>
-                <a:sym typeface="Garamond"/>
-              </a:rPr>
-              <a:t>Objectives of Integration of I 4.0 </a:t>
-            </a:r>
-            <a:r>
-              <a:rPr b="1" lang="en-US" sz="3200">
-                <a:solidFill>
-                  <a:schemeClr val="lt1"/>
-                </a:solidFill>
-                <a:latin typeface="Garamond"/>
-                <a:ea typeface="Garamond"/>
-                <a:cs typeface="Garamond"/>
-                <a:sym typeface="Garamond"/>
-              </a:rPr>
-              <a:t>standards (problems &amp; goal)</a:t>
-            </a:r>
-          </a:p>
-        </p:txBody>
-      </p:sp>
       <p:pic>
         <p:nvPicPr>
           <p:cNvPr id="97" name="Shape 97"/>
@@ -13819,8 +16491,8 @@
         </p:blipFill>
         <p:spPr>
           <a:xfrm>
-            <a:off x="11303110" y="0"/>
-            <a:ext cx="888900" cy="888900"/>
+            <a:off x="10325332" y="6074001"/>
+            <a:ext cx="1866600" cy="666599"/>
           </a:xfrm>
           <a:prstGeom prst="rect">
             <a:avLst/>
@@ -13834,13 +16506,93 @@
       <p:sp>
         <p:nvSpPr>
           <p:cNvPr id="98" name="Shape 98"/>
-          <p:cNvSpPr txBox="1"/>
+          <p:cNvSpPr/>
           <p:nvPr/>
         </p:nvSpPr>
         <p:spPr>
           <a:xfrm>
-            <a:off x="217713" y="6371335"/>
-            <a:ext cx="301800" cy="369300"/>
+            <a:off x="0" y="0"/>
+            <a:ext cx="11303100" cy="888900"/>
+          </a:xfrm>
+          <a:prstGeom prst="rect">
+            <a:avLst/>
+          </a:prstGeom>
+          <a:solidFill>
+            <a:srgbClr val="004292"/>
+          </a:solidFill>
+          <a:ln>
+            <a:noFill/>
+          </a:ln>
+        </p:spPr>
+        <p:txBody>
+          <a:bodyPr anchorCtr="0" anchor="ctr" bIns="45700" lIns="91425" rIns="91425" tIns="45700">
+            <a:noAutofit/>
+          </a:bodyPr>
+          <a:lstStyle/>
+          <a:p>
+            <a:pPr indent="0" lvl="0" marL="0" marR="0" rtl="0" algn="l">
+              <a:spcBef>
+                <a:spcPts val="0"/>
+              </a:spcBef>
+              <a:buSzPct val="25000"/>
+              <a:buNone/>
+            </a:pPr>
+            <a:r>
+              <a:rPr b="1" lang="en-US" sz="2800">
+                <a:solidFill>
+                  <a:schemeClr val="lt1"/>
+                </a:solidFill>
+                <a:latin typeface="Garamond"/>
+                <a:ea typeface="Garamond"/>
+                <a:cs typeface="Garamond"/>
+                <a:sym typeface="Garamond"/>
+              </a:rPr>
+              <a:t>What is “</a:t>
+            </a:r>
+            <a:r>
+              <a:rPr b="1" lang="en-US" sz="2800">
+                <a:solidFill>
+                  <a:schemeClr val="lt1"/>
+                </a:solidFill>
+                <a:latin typeface="Garamond"/>
+                <a:ea typeface="Garamond"/>
+                <a:cs typeface="Garamond"/>
+                <a:sym typeface="Garamond"/>
+              </a:rPr>
+              <a:t>I 4.0 </a:t>
+            </a:r>
+            <a:r>
+              <a:rPr b="1" lang="en-US" sz="3200">
+                <a:solidFill>
+                  <a:schemeClr val="lt1"/>
+                </a:solidFill>
+                <a:latin typeface="Garamond"/>
+                <a:ea typeface="Garamond"/>
+                <a:cs typeface="Garamond"/>
+                <a:sym typeface="Garamond"/>
+              </a:rPr>
+              <a:t>standards” ?</a:t>
+            </a:r>
+          </a:p>
+        </p:txBody>
+      </p:sp>
+      <p:pic>
+        <p:nvPicPr>
+          <p:cNvPr id="99" name="Shape 99"/>
+          <p:cNvPicPr preferRelativeResize="0"/>
+          <p:nvPr/>
+        </p:nvPicPr>
+        <p:blipFill rotWithShape="1">
+          <a:blip r:embed="rId5">
+            <a:alphaModFix/>
+          </a:blip>
+          <a:srcRect b="0" l="0" r="0" t="0"/>
+          <a:stretch/>
+        </p:blipFill>
+        <p:spPr>
+          <a:xfrm>
+            <a:off x="11303110" y="0"/>
+            <a:ext cx="888900" cy="888900"/>
           </a:xfrm>
           <a:prstGeom prst="rect">
             <a:avLst/>
@@ -13850,6 +16602,26 @@
             <a:noFill/>
           </a:ln>
         </p:spPr>
+      </p:pic>
+      <p:sp>
+        <p:nvSpPr>
+          <p:cNvPr id="100" name="Shape 100"/>
+          <p:cNvSpPr txBox="1"/>
+          <p:nvPr/>
+        </p:nvSpPr>
+        <p:spPr>
+          <a:xfrm>
+            <a:off x="217713" y="6371335"/>
+            <a:ext cx="301800" cy="369300"/>
+          </a:xfrm>
+          <a:prstGeom prst="rect">
+            <a:avLst/>
+          </a:prstGeom>
+          <a:noFill/>
+          <a:ln>
+            <a:noFill/>
+          </a:ln>
+        </p:spPr>
         <p:txBody>
           <a:bodyPr anchorCtr="0" anchor="t" bIns="45700" lIns="91425" rIns="91425" tIns="45700">
             <a:noAutofit/>
@@ -13873,7 +16645,7 @@
                 <a:cs typeface="Calibri"/>
                 <a:sym typeface="Calibri"/>
               </a:rPr>
-              <a:t>2</a:t>
+              <a:t>4</a:t>
             </a:r>
           </a:p>
         </p:txBody>
@@ -13891,7 +16663,7 @@
   <p:cSld>
     <p:spTree>
       <p:nvGrpSpPr>
-        <p:cNvPr id="102" name="Shape 102"/>
+        <p:cNvPr id="104" name="Shape 104"/>
         <p:cNvGrpSpPr/>
         <p:nvPr/>
       </p:nvGrpSpPr>
@@ -13903,9 +16675,234 @@
           <a:chExt cx="0" cy="0"/>
         </a:xfrm>
       </p:grpSpPr>
+      <p:sp>
+        <p:nvSpPr>
+          <p:cNvPr id="105" name="Shape 105"/>
+          <p:cNvSpPr txBox="1"/>
+          <p:nvPr/>
+        </p:nvSpPr>
+        <p:spPr>
+          <a:xfrm>
+            <a:off x="519400" y="1375175"/>
+            <a:ext cx="11392800" cy="5355300"/>
+          </a:xfrm>
+          <a:prstGeom prst="rect">
+            <a:avLst/>
+          </a:prstGeom>
+          <a:noFill/>
+          <a:ln>
+            <a:noFill/>
+          </a:ln>
+        </p:spPr>
+        <p:txBody>
+          <a:bodyPr anchorCtr="0" anchor="t" bIns="45700" lIns="91425" rIns="91425" tIns="45700">
+            <a:noAutofit/>
+          </a:bodyPr>
+          <a:lstStyle/>
+          <a:p>
+            <a:pPr lvl="0" marR="0" rtl="0" algn="ctr">
+              <a:spcBef>
+                <a:spcPts val="0"/>
+              </a:spcBef>
+              <a:buNone/>
+            </a:pPr>
+            <a:r>
+              <a:rPr b="1" lang="en-US" sz="3000">
+                <a:solidFill>
+                  <a:schemeClr val="dk1"/>
+                </a:solidFill>
+                <a:latin typeface="Gentium Basic"/>
+                <a:ea typeface="Gentium Basic"/>
+                <a:cs typeface="Gentium Basic"/>
+                <a:sym typeface="Gentium Basic"/>
+              </a:rPr>
+              <a:t>The</a:t>
+            </a:r>
+            <a:r>
+              <a:rPr b="1" lang="en-US" sz="3000">
+                <a:solidFill>
+                  <a:schemeClr val="dk1"/>
+                </a:solidFill>
+                <a:latin typeface="Garamond"/>
+                <a:ea typeface="Garamond"/>
+                <a:cs typeface="Garamond"/>
+                <a:sym typeface="Garamond"/>
+              </a:rPr>
+              <a:t> </a:t>
+            </a:r>
+            <a:r>
+              <a:rPr b="1" lang="en-US" sz="3000">
+                <a:solidFill>
+                  <a:schemeClr val="dk1"/>
+                </a:solidFill>
+                <a:latin typeface="Gentium Basic"/>
+                <a:ea typeface="Gentium Basic"/>
+                <a:cs typeface="Gentium Basic"/>
+                <a:sym typeface="Gentium Basic"/>
+              </a:rPr>
+              <a:t>Problem</a:t>
+            </a:r>
+          </a:p>
+          <a:p>
+            <a:pPr lvl="0" marR="0" rtl="0" algn="l">
+              <a:lnSpc>
+                <a:spcPct val="200000"/>
+              </a:lnSpc>
+              <a:spcBef>
+                <a:spcPts val="0"/>
+              </a:spcBef>
+              <a:buNone/>
+            </a:pPr>
+            <a:r>
+              <a:t/>
+            </a:r>
+            <a:endParaRPr sz="2400">
+              <a:solidFill>
+                <a:schemeClr val="dk1"/>
+              </a:solidFill>
+              <a:latin typeface="Gentium Basic"/>
+              <a:ea typeface="Gentium Basic"/>
+              <a:cs typeface="Gentium Basic"/>
+              <a:sym typeface="Gentium Basic"/>
+            </a:endParaRPr>
+          </a:p>
+          <a:p>
+            <a:pPr indent="-381000" lvl="0" marL="457200" marR="0" rtl="0" algn="ctr">
+              <a:lnSpc>
+                <a:spcPct val="200000"/>
+              </a:lnSpc>
+              <a:spcBef>
+                <a:spcPts val="0"/>
+              </a:spcBef>
+              <a:buClr>
+                <a:schemeClr val="dk1"/>
+              </a:buClr>
+              <a:buSzPct val="100000"/>
+              <a:buFont typeface="Gentium Basic"/>
+              <a:buChar char="●"/>
+            </a:pPr>
+            <a:r>
+              <a:rPr lang="en-US" sz="2400">
+                <a:solidFill>
+                  <a:schemeClr val="dk1"/>
+                </a:solidFill>
+                <a:latin typeface="Gentium Basic"/>
+                <a:ea typeface="Gentium Basic"/>
+                <a:cs typeface="Gentium Basic"/>
+                <a:sym typeface="Gentium Basic"/>
+              </a:rPr>
+              <a:t>Globalization forces large companies to go international</a:t>
+            </a:r>
+          </a:p>
+          <a:p>
+            <a:pPr indent="-381000" lvl="0" marL="457200" marR="0" rtl="0" algn="ctr">
+              <a:lnSpc>
+                <a:spcPct val="200000"/>
+              </a:lnSpc>
+              <a:spcBef>
+                <a:spcPts val="0"/>
+              </a:spcBef>
+              <a:buClr>
+                <a:schemeClr val="dk1"/>
+              </a:buClr>
+              <a:buSzPct val="100000"/>
+              <a:buFont typeface="Gentium Basic"/>
+              <a:buChar char="●"/>
+            </a:pPr>
+            <a:r>
+              <a:rPr lang="en-US" sz="2400">
+                <a:solidFill>
+                  <a:schemeClr val="dk1"/>
+                </a:solidFill>
+                <a:latin typeface="Gentium Basic"/>
+                <a:ea typeface="Gentium Basic"/>
+                <a:cs typeface="Gentium Basic"/>
+                <a:sym typeface="Gentium Basic"/>
+              </a:rPr>
+              <a:t>Multinational companies tend to consolidate the standards</a:t>
+            </a:r>
+          </a:p>
+          <a:p>
+            <a:pPr indent="-381000" lvl="0" marL="457200" marR="0" rtl="0" algn="ctr">
+              <a:lnSpc>
+                <a:spcPct val="200000"/>
+              </a:lnSpc>
+              <a:spcBef>
+                <a:spcPts val="0"/>
+              </a:spcBef>
+              <a:buClr>
+                <a:schemeClr val="dk1"/>
+              </a:buClr>
+              <a:buSzPct val="100000"/>
+              <a:buFont typeface="Gentium Basic"/>
+              <a:buChar char="●"/>
+            </a:pPr>
+            <a:r>
+              <a:rPr lang="en-US" sz="2400">
+                <a:solidFill>
+                  <a:schemeClr val="dk1"/>
+                </a:solidFill>
+                <a:latin typeface="Gentium Basic"/>
+                <a:ea typeface="Gentium Basic"/>
+                <a:cs typeface="Gentium Basic"/>
+                <a:sym typeface="Gentium Basic"/>
+              </a:rPr>
+              <a:t>Different industrial standards need to be matched</a:t>
+            </a:r>
+          </a:p>
+          <a:p>
+            <a:pPr indent="-381000" lvl="0" marL="457200" marR="0" rtl="0" algn="ctr">
+              <a:lnSpc>
+                <a:spcPct val="200000"/>
+              </a:lnSpc>
+              <a:spcBef>
+                <a:spcPts val="0"/>
+              </a:spcBef>
+              <a:buClr>
+                <a:schemeClr val="dk1"/>
+              </a:buClr>
+              <a:buSzPct val="100000"/>
+              <a:buFont typeface="Gentium Basic"/>
+              <a:buChar char="●"/>
+            </a:pPr>
+            <a:r>
+              <a:rPr lang="en-US" sz="2400">
+                <a:solidFill>
+                  <a:schemeClr val="dk1"/>
+                </a:solidFill>
+                <a:latin typeface="Gentium Basic"/>
+                <a:ea typeface="Gentium Basic"/>
+                <a:cs typeface="Gentium Basic"/>
+                <a:sym typeface="Gentium Basic"/>
+              </a:rPr>
+              <a:t>Lots of time wasted onto manual object notation transcription</a:t>
+            </a:r>
+          </a:p>
+          <a:p>
+            <a:pPr lvl="0" marR="0" rtl="0" algn="l">
+              <a:spcBef>
+                <a:spcPts val="0"/>
+              </a:spcBef>
+              <a:buNone/>
+            </a:pPr>
+            <a:r>
+              <a:t/>
+            </a:r>
+            <a:endParaRPr sz="1800" u="sng">
+              <a:solidFill>
+                <a:schemeClr val="dk1"/>
+              </a:solidFill>
+              <a:latin typeface="Garamond"/>
+              <a:ea typeface="Garamond"/>
+              <a:cs typeface="Garamond"/>
+              <a:sym typeface="Garamond"/>
+            </a:endParaRPr>
+          </a:p>
+        </p:txBody>
+      </p:sp>
       <p:pic>
         <p:nvPicPr>
-          <p:cNvPr id="103" name="Shape 103"/>
+          <p:cNvPr id="106" name="Shape 106"/>
           <p:cNvPicPr preferRelativeResize="0"/>
           <p:nvPr/>
         </p:nvPicPr>
@@ -13932,7 +16929,7 @@
       </p:pic>
       <p:sp>
         <p:nvSpPr>
-          <p:cNvPr id="104" name="Shape 104"/>
+          <p:cNvPr id="107" name="Shape 107"/>
           <p:cNvSpPr/>
           <p:nvPr/>
         </p:nvSpPr>
@@ -13974,26 +16971,14 @@
                 <a:cs typeface="Garamond"/>
                 <a:sym typeface="Garamond"/>
               </a:rPr>
-              <a:t>Requirements of Integration of I 4.0 </a:t>
-            </a:r>
-            <a:r>
-              <a:rPr b="1" lang="en-US" sz="3200">
-                <a:solidFill>
-                  <a:schemeClr val="lt1"/>
-                </a:solidFill>
-                <a:latin typeface="Garamond"/>
-                <a:ea typeface="Garamond"/>
-                <a:cs typeface="Garamond"/>
-                <a:sym typeface="Garamond"/>
-              </a:rPr>
-              <a:t>standards : Functional</a:t>
+              <a:t>The problem behind it?</a:t>
             </a:r>
           </a:p>
         </p:txBody>
       </p:sp>
       <p:pic>
         <p:nvPicPr>
-          <p:cNvPr id="105" name="Shape 105"/>
+          <p:cNvPr id="108" name="Shape 108"/>
           <p:cNvPicPr preferRelativeResize="0"/>
           <p:nvPr/>
         </p:nvPicPr>
@@ -14020,7 +17005,7 @@
       </p:pic>
       <p:sp>
         <p:nvSpPr>
-          <p:cNvPr id="106" name="Shape 106"/>
+          <p:cNvPr id="109" name="Shape 109"/>
           <p:cNvSpPr txBox="1"/>
           <p:nvPr/>
         </p:nvSpPr>
@@ -14060,7 +17045,7 @@
                 <a:cs typeface="Calibri"/>
                 <a:sym typeface="Calibri"/>
               </a:rPr>
-              <a:t>3</a:t>
+              <a:t>2</a:t>
             </a:r>
           </a:p>
         </p:txBody>
@@ -14078,7 +17063,7 @@
   <p:cSld>
     <p:spTree>
       <p:nvGrpSpPr>
-        <p:cNvPr id="110" name="Shape 110"/>
+        <p:cNvPr id="113" name="Shape 113"/>
         <p:cNvGrpSpPr/>
         <p:nvPr/>
       </p:nvGrpSpPr>
@@ -14090,9 +17075,273 @@
           <a:chExt cx="0" cy="0"/>
         </a:xfrm>
       </p:grpSpPr>
+      <p:sp>
+        <p:nvSpPr>
+          <p:cNvPr id="114" name="Shape 114"/>
+          <p:cNvSpPr txBox="1"/>
+          <p:nvPr/>
+        </p:nvSpPr>
+        <p:spPr>
+          <a:xfrm>
+            <a:off x="617107" y="1582475"/>
+            <a:ext cx="11303100" cy="4801200"/>
+          </a:xfrm>
+          <a:prstGeom prst="rect">
+            <a:avLst/>
+          </a:prstGeom>
+          <a:noFill/>
+          <a:ln>
+            <a:noFill/>
+          </a:ln>
+        </p:spPr>
+        <p:txBody>
+          <a:bodyPr anchorCtr="0" anchor="t" bIns="45700" lIns="91425" rIns="91425" tIns="45700">
+            <a:noAutofit/>
+          </a:bodyPr>
+          <a:lstStyle/>
+          <a:p>
+            <a:pPr indent="0" lvl="0" marL="0" marR="0" rtl="0">
+              <a:spcBef>
+                <a:spcPts val="0"/>
+              </a:spcBef>
+              <a:buSzPct val="25000"/>
+              <a:buNone/>
+            </a:pPr>
+            <a:r>
+              <a:rPr b="1" lang="en-US" sz="3000">
+                <a:solidFill>
+                  <a:schemeClr val="dk1"/>
+                </a:solidFill>
+                <a:latin typeface="Gentium Basic"/>
+                <a:ea typeface="Gentium Basic"/>
+                <a:cs typeface="Gentium Basic"/>
+                <a:sym typeface="Gentium Basic"/>
+              </a:rPr>
+              <a:t>The Solution</a:t>
+            </a:r>
+          </a:p>
+          <a:p>
+            <a:pPr indent="0" lvl="0" marL="0" marR="0" rtl="0">
+              <a:spcBef>
+                <a:spcPts val="0"/>
+              </a:spcBef>
+              <a:buNone/>
+            </a:pPr>
+            <a:r>
+              <a:t/>
+            </a:r>
+            <a:endParaRPr sz="1800">
+              <a:solidFill>
+                <a:schemeClr val="dk1"/>
+              </a:solidFill>
+              <a:latin typeface="Gentium Basic"/>
+              <a:ea typeface="Gentium Basic"/>
+              <a:cs typeface="Gentium Basic"/>
+              <a:sym typeface="Gentium Basic"/>
+            </a:endParaRPr>
+          </a:p>
+          <a:p>
+            <a:pPr indent="-38100" lvl="0" marL="0" marR="0" rtl="0">
+              <a:spcBef>
+                <a:spcPts val="0"/>
+              </a:spcBef>
+              <a:buClr>
+                <a:schemeClr val="dk1"/>
+              </a:buClr>
+              <a:buSzPct val="100000"/>
+              <a:buFont typeface="Arial"/>
+              <a:buChar char="•"/>
+            </a:pPr>
+            <a:r>
+              <a:rPr lang="en-US" sz="2400">
+                <a:solidFill>
+                  <a:schemeClr val="dk1"/>
+                </a:solidFill>
+                <a:latin typeface="Gentium Basic"/>
+                <a:ea typeface="Gentium Basic"/>
+                <a:cs typeface="Gentium Basic"/>
+                <a:sym typeface="Gentium Basic"/>
+              </a:rPr>
+              <a:t>validates each document against standard schema </a:t>
+            </a:r>
+          </a:p>
+          <a:p>
+            <a:pPr indent="0" lvl="0" marL="0" marR="0" rtl="0">
+              <a:spcBef>
+                <a:spcPts val="0"/>
+              </a:spcBef>
+              <a:buNone/>
+            </a:pPr>
+            <a:r>
+              <a:t/>
+            </a:r>
+            <a:endParaRPr sz="2400">
+              <a:solidFill>
+                <a:schemeClr val="dk1"/>
+              </a:solidFill>
+              <a:latin typeface="Gentium Basic"/>
+              <a:ea typeface="Gentium Basic"/>
+              <a:cs typeface="Gentium Basic"/>
+              <a:sym typeface="Gentium Basic"/>
+            </a:endParaRPr>
+          </a:p>
+          <a:p>
+            <a:pPr indent="-38100" lvl="0" marL="0" marR="0" rtl="0">
+              <a:spcBef>
+                <a:spcPts val="0"/>
+              </a:spcBef>
+              <a:buClr>
+                <a:schemeClr val="dk1"/>
+              </a:buClr>
+              <a:buSzPct val="100000"/>
+              <a:buFont typeface="Arial"/>
+              <a:buChar char="•"/>
+            </a:pPr>
+            <a:r>
+              <a:rPr lang="en-US" sz="2400">
+                <a:solidFill>
+                  <a:schemeClr val="dk1"/>
+                </a:solidFill>
+                <a:latin typeface="Gentium Basic"/>
+                <a:ea typeface="Gentium Basic"/>
+                <a:cs typeface="Gentium Basic"/>
+                <a:sym typeface="Gentium Basic"/>
+              </a:rPr>
+              <a:t>matches each entity of the document to a respectful entity of another document if possible according to ontology</a:t>
+            </a:r>
+          </a:p>
+          <a:p>
+            <a:pPr indent="0" lvl="0" marL="0" marR="0" rtl="0">
+              <a:spcBef>
+                <a:spcPts val="0"/>
+              </a:spcBef>
+              <a:buNone/>
+            </a:pPr>
+            <a:r>
+              <a:t/>
+            </a:r>
+            <a:endParaRPr sz="2400">
+              <a:solidFill>
+                <a:schemeClr val="dk1"/>
+              </a:solidFill>
+              <a:latin typeface="Gentium Basic"/>
+              <a:ea typeface="Gentium Basic"/>
+              <a:cs typeface="Gentium Basic"/>
+              <a:sym typeface="Gentium Basic"/>
+            </a:endParaRPr>
+          </a:p>
+          <a:p>
+            <a:pPr indent="0" lvl="0" marL="0" marR="0" rtl="0">
+              <a:spcBef>
+                <a:spcPts val="0"/>
+              </a:spcBef>
+              <a:buClr>
+                <a:schemeClr val="dk1"/>
+              </a:buClr>
+              <a:buSzPct val="75000"/>
+              <a:buFont typeface="Arial"/>
+              <a:buChar char="•"/>
+            </a:pPr>
+            <a:r>
+              <a:rPr lang="en-US" sz="2400">
+                <a:solidFill>
+                  <a:schemeClr val="dk1"/>
+                </a:solidFill>
+                <a:latin typeface="Gentium Basic"/>
+                <a:ea typeface="Gentium Basic"/>
+                <a:cs typeface="Gentium Basic"/>
+                <a:sym typeface="Gentium Basic"/>
+              </a:rPr>
+              <a:t>consolidate the knowledge into the new unified standard</a:t>
+            </a:r>
+            <a:br>
+              <a:rPr b="1" lang="en-US" sz="1800">
+                <a:solidFill>
+                  <a:schemeClr val="dk1"/>
+                </a:solidFill>
+                <a:latin typeface="Gentium Basic"/>
+                <a:ea typeface="Gentium Basic"/>
+                <a:cs typeface="Gentium Basic"/>
+                <a:sym typeface="Gentium Basic"/>
+              </a:rPr>
+            </a:br>
+            <a:br>
+              <a:rPr b="1" lang="en-US" sz="1800">
+                <a:solidFill>
+                  <a:schemeClr val="dk1"/>
+                </a:solidFill>
+                <a:latin typeface="Gentium Basic"/>
+                <a:ea typeface="Gentium Basic"/>
+                <a:cs typeface="Gentium Basic"/>
+                <a:sym typeface="Gentium Basic"/>
+              </a:rPr>
+            </a:br>
+          </a:p>
+          <a:p>
+            <a:pPr indent="0" lvl="0" marL="0" marR="0" rtl="0">
+              <a:spcBef>
+                <a:spcPts val="0"/>
+              </a:spcBef>
+              <a:buNone/>
+            </a:pPr>
+            <a:r>
+              <a:t/>
+            </a:r>
+            <a:endParaRPr sz="1800">
+              <a:solidFill>
+                <a:schemeClr val="dk1"/>
+              </a:solidFill>
+              <a:latin typeface="Gentium Basic"/>
+              <a:ea typeface="Gentium Basic"/>
+              <a:cs typeface="Gentium Basic"/>
+              <a:sym typeface="Gentium Basic"/>
+            </a:endParaRPr>
+          </a:p>
+          <a:p>
+            <a:pPr indent="0" lvl="0" marL="0" marR="0" rtl="0">
+              <a:spcBef>
+                <a:spcPts val="0"/>
+              </a:spcBef>
+              <a:buNone/>
+            </a:pPr>
+            <a:r>
+              <a:t/>
+            </a:r>
+            <a:endParaRPr sz="1800" u="sng">
+              <a:solidFill>
+                <a:schemeClr val="dk1"/>
+              </a:solidFill>
+              <a:latin typeface="Garamond"/>
+              <a:ea typeface="Garamond"/>
+              <a:cs typeface="Garamond"/>
+              <a:sym typeface="Garamond"/>
+            </a:endParaRPr>
+          </a:p>
+          <a:p>
+            <a:pPr indent="0" lvl="0" marL="0" marR="0" rtl="0">
+              <a:spcBef>
+                <a:spcPts val="0"/>
+              </a:spcBef>
+              <a:buNone/>
+            </a:pPr>
+            <a:r>
+              <a:t/>
+            </a:r>
+            <a:endParaRPr sz="1800" u="sng">
+              <a:solidFill>
+                <a:schemeClr val="dk1"/>
+              </a:solidFill>
+              <a:latin typeface="Garamond"/>
+              <a:ea typeface="Garamond"/>
+              <a:cs typeface="Garamond"/>
+              <a:sym typeface="Garamond"/>
+            </a:endParaRPr>
+          </a:p>
+        </p:txBody>
+      </p:sp>
       <p:pic>
         <p:nvPicPr>
-          <p:cNvPr id="111" name="Shape 111"/>
+          <p:cNvPr id="115" name="Shape 115"/>
           <p:cNvPicPr preferRelativeResize="0"/>
           <p:nvPr/>
         </p:nvPicPr>
@@ -14119,7 +17368,7 @@
       </p:pic>
       <p:sp>
         <p:nvSpPr>
-          <p:cNvPr id="112" name="Shape 112"/>
+          <p:cNvPr id="116" name="Shape 116"/>
           <p:cNvSpPr/>
           <p:nvPr/>
         </p:nvSpPr>
@@ -14161,26 +17410,14 @@
                 <a:cs typeface="Garamond"/>
                 <a:sym typeface="Garamond"/>
               </a:rPr>
-              <a:t>Requirements of Integration of I 4.0 </a:t>
-            </a:r>
-            <a:r>
-              <a:rPr b="1" lang="en-US" sz="3200">
-                <a:solidFill>
-                  <a:schemeClr val="lt1"/>
-                </a:solidFill>
-                <a:latin typeface="Garamond"/>
-                <a:ea typeface="Garamond"/>
-                <a:cs typeface="Garamond"/>
-                <a:sym typeface="Garamond"/>
-              </a:rPr>
-              <a:t>standards : Non-Functional</a:t>
+              <a:t>Goal</a:t>
             </a:r>
           </a:p>
         </p:txBody>
       </p:sp>
       <p:pic>
         <p:nvPicPr>
-          <p:cNvPr id="113" name="Shape 113"/>
+          <p:cNvPr id="117" name="Shape 117"/>
           <p:cNvPicPr preferRelativeResize="0"/>
           <p:nvPr/>
         </p:nvPicPr>
@@ -14207,7 +17444,7 @@
       </p:pic>
       <p:sp>
         <p:nvSpPr>
-          <p:cNvPr id="114" name="Shape 114"/>
+          <p:cNvPr id="118" name="Shape 118"/>
           <p:cNvSpPr txBox="1"/>
           <p:nvPr/>
         </p:nvSpPr>
@@ -14265,7 +17502,7 @@
   <p:cSld>
     <p:spTree>
       <p:nvGrpSpPr>
-        <p:cNvPr id="118" name="Shape 118"/>
+        <p:cNvPr id="122" name="Shape 122"/>
         <p:cNvGrpSpPr/>
         <p:nvPr/>
       </p:nvGrpSpPr>
@@ -14277,9 +17514,671 @@
           <a:chExt cx="0" cy="0"/>
         </a:xfrm>
       </p:grpSpPr>
+      <p:sp>
+        <p:nvSpPr>
+          <p:cNvPr id="123" name="Shape 123"/>
+          <p:cNvSpPr/>
+          <p:nvPr/>
+        </p:nvSpPr>
+        <p:spPr>
+          <a:xfrm>
+            <a:off x="3963048" y="1550533"/>
+            <a:ext cx="2306400" cy="3340800"/>
+          </a:xfrm>
+          <a:prstGeom prst="rect">
+            <a:avLst/>
+          </a:prstGeom>
+          <a:noFill/>
+          <a:ln cap="flat" cmpd="sng" w="19050">
+            <a:solidFill>
+              <a:schemeClr val="accent2"/>
+            </a:solidFill>
+            <a:prstDash val="solid"/>
+            <a:miter/>
+            <a:headEnd len="med" w="med" type="none"/>
+            <a:tailEnd len="med" w="med" type="none"/>
+          </a:ln>
+        </p:spPr>
+        <p:txBody>
+          <a:bodyPr anchorCtr="0" anchor="ctr" bIns="45700" lIns="91425" rIns="91425" tIns="45700">
+            <a:noAutofit/>
+          </a:bodyPr>
+          <a:lstStyle/>
+          <a:p>
+            <a:pPr indent="0" lvl="0" marL="0" marR="0" rtl="0" algn="ctr">
+              <a:spcBef>
+                <a:spcPts val="0"/>
+              </a:spcBef>
+              <a:buSzPct val="25000"/>
+              <a:buNone/>
+            </a:pPr>
+            <a:r>
+              <a:rPr lang="en-US" sz="1800">
+                <a:solidFill>
+                  <a:schemeClr val="dk1"/>
+                </a:solidFill>
+                <a:latin typeface="Gentium Basic"/>
+                <a:ea typeface="Gentium Basic"/>
+                <a:cs typeface="Gentium Basic"/>
+                <a:sym typeface="Gentium Basic"/>
+              </a:rPr>
+              <a:t>AML – ontology</a:t>
+            </a:r>
+          </a:p>
+          <a:p>
+            <a:pPr indent="0" lvl="0" marL="0" marR="0" rtl="0" algn="ctr">
+              <a:spcBef>
+                <a:spcPts val="0"/>
+              </a:spcBef>
+              <a:buNone/>
+            </a:pPr>
+            <a:r>
+              <a:t/>
+            </a:r>
+            <a:endParaRPr sz="1800">
+              <a:solidFill>
+                <a:schemeClr val="dk1"/>
+              </a:solidFill>
+              <a:latin typeface="Gentium Basic"/>
+              <a:ea typeface="Gentium Basic"/>
+              <a:cs typeface="Gentium Basic"/>
+              <a:sym typeface="Gentium Basic"/>
+            </a:endParaRPr>
+          </a:p>
+          <a:p>
+            <a:pPr indent="0" lvl="0" marL="0" marR="0" rtl="0" algn="ctr">
+              <a:spcBef>
+                <a:spcPts val="0"/>
+              </a:spcBef>
+              <a:buSzPct val="25000"/>
+              <a:buNone/>
+            </a:pPr>
+            <a:r>
+              <a:rPr lang="en-US" sz="1800">
+                <a:solidFill>
+                  <a:schemeClr val="dk1"/>
+                </a:solidFill>
+                <a:latin typeface="Gentium Basic"/>
+                <a:ea typeface="Gentium Basic"/>
+                <a:cs typeface="Gentium Basic"/>
+                <a:sym typeface="Gentium Basic"/>
+              </a:rPr>
+              <a:t>&amp;</a:t>
+            </a:r>
+          </a:p>
+          <a:p>
+            <a:pPr indent="0" lvl="0" marL="0" marR="0" rtl="0" algn="ctr">
+              <a:spcBef>
+                <a:spcPts val="0"/>
+              </a:spcBef>
+              <a:buNone/>
+            </a:pPr>
+            <a:r>
+              <a:t/>
+            </a:r>
+            <a:endParaRPr sz="1800">
+              <a:solidFill>
+                <a:schemeClr val="dk1"/>
+              </a:solidFill>
+              <a:latin typeface="Gentium Basic"/>
+              <a:ea typeface="Gentium Basic"/>
+              <a:cs typeface="Gentium Basic"/>
+              <a:sym typeface="Gentium Basic"/>
+            </a:endParaRPr>
+          </a:p>
+          <a:p>
+            <a:pPr indent="0" lvl="0" marL="0" marR="0" rtl="0" algn="ctr">
+              <a:spcBef>
+                <a:spcPts val="0"/>
+              </a:spcBef>
+              <a:buSzPct val="25000"/>
+              <a:buNone/>
+            </a:pPr>
+            <a:r>
+              <a:rPr lang="en-US" sz="1800">
+                <a:solidFill>
+                  <a:schemeClr val="dk1"/>
+                </a:solidFill>
+                <a:latin typeface="Gentium Basic"/>
+                <a:ea typeface="Gentium Basic"/>
+                <a:cs typeface="Gentium Basic"/>
+                <a:sym typeface="Gentium Basic"/>
+              </a:rPr>
+              <a:t>OPCUA – ontology</a:t>
+            </a:r>
+          </a:p>
+        </p:txBody>
+      </p:sp>
+      <p:sp>
+        <p:nvSpPr>
+          <p:cNvPr id="124" name="Shape 124"/>
+          <p:cNvSpPr/>
+          <p:nvPr/>
+        </p:nvSpPr>
+        <p:spPr>
+          <a:xfrm>
+            <a:off x="1265195" y="2042964"/>
+            <a:ext cx="1654500" cy="420900"/>
+          </a:xfrm>
+          <a:prstGeom prst="rect">
+            <a:avLst/>
+          </a:prstGeom>
+          <a:solidFill>
+            <a:schemeClr val="lt1"/>
+          </a:solidFill>
+          <a:ln cap="flat" cmpd="sng" w="12700">
+            <a:solidFill>
+              <a:schemeClr val="accent2"/>
+            </a:solidFill>
+            <a:prstDash val="solid"/>
+            <a:miter/>
+            <a:headEnd len="med" w="med" type="none"/>
+            <a:tailEnd len="med" w="med" type="none"/>
+          </a:ln>
+        </p:spPr>
+        <p:txBody>
+          <a:bodyPr anchorCtr="0" anchor="ctr" bIns="45700" lIns="91425" rIns="91425" tIns="45700">
+            <a:noAutofit/>
+          </a:bodyPr>
+          <a:lstStyle/>
+          <a:p>
+            <a:pPr indent="0" lvl="0" marL="0" marR="0" rtl="0" algn="ctr">
+              <a:spcBef>
+                <a:spcPts val="0"/>
+              </a:spcBef>
+              <a:buSzPct val="25000"/>
+              <a:buNone/>
+            </a:pPr>
+            <a:r>
+              <a:rPr b="1" lang="en-US" sz="1800">
+                <a:solidFill>
+                  <a:schemeClr val="dk1"/>
+                </a:solidFill>
+                <a:latin typeface="Gentium Basic"/>
+                <a:ea typeface="Gentium Basic"/>
+                <a:cs typeface="Gentium Basic"/>
+                <a:sym typeface="Gentium Basic"/>
+              </a:rPr>
+              <a:t>AML</a:t>
+            </a:r>
+            <a:r>
+              <a:rPr lang="en-US" sz="1800">
+                <a:solidFill>
+                  <a:schemeClr val="dk1"/>
+                </a:solidFill>
+                <a:latin typeface="Gentium Basic"/>
+                <a:ea typeface="Gentium Basic"/>
+                <a:cs typeface="Gentium Basic"/>
+                <a:sym typeface="Gentium Basic"/>
+              </a:rPr>
+              <a:t> file</a:t>
+            </a:r>
+          </a:p>
+        </p:txBody>
+      </p:sp>
+      <p:sp>
+        <p:nvSpPr>
+          <p:cNvPr id="125" name="Shape 125"/>
+          <p:cNvSpPr/>
+          <p:nvPr/>
+        </p:nvSpPr>
+        <p:spPr>
+          <a:xfrm>
+            <a:off x="1265195" y="3848016"/>
+            <a:ext cx="1654500" cy="420900"/>
+          </a:xfrm>
+          <a:prstGeom prst="rect">
+            <a:avLst/>
+          </a:prstGeom>
+          <a:solidFill>
+            <a:schemeClr val="lt1"/>
+          </a:solidFill>
+          <a:ln cap="flat" cmpd="sng" w="12700">
+            <a:solidFill>
+              <a:schemeClr val="accent2"/>
+            </a:solidFill>
+            <a:prstDash val="solid"/>
+            <a:miter/>
+            <a:headEnd len="med" w="med" type="none"/>
+            <a:tailEnd len="med" w="med" type="none"/>
+          </a:ln>
+        </p:spPr>
+        <p:txBody>
+          <a:bodyPr anchorCtr="0" anchor="ctr" bIns="45700" lIns="91425" rIns="91425" tIns="45700">
+            <a:noAutofit/>
+          </a:bodyPr>
+          <a:lstStyle/>
+          <a:p>
+            <a:pPr indent="0" lvl="0" marL="0" marR="0" rtl="0" algn="ctr">
+              <a:spcBef>
+                <a:spcPts val="0"/>
+              </a:spcBef>
+              <a:buSzPct val="25000"/>
+              <a:buNone/>
+            </a:pPr>
+            <a:r>
+              <a:rPr b="1" lang="en-US" sz="1800">
+                <a:solidFill>
+                  <a:schemeClr val="dk1"/>
+                </a:solidFill>
+                <a:latin typeface="Gentium Basic"/>
+                <a:ea typeface="Gentium Basic"/>
+                <a:cs typeface="Gentium Basic"/>
+                <a:sym typeface="Gentium Basic"/>
+              </a:rPr>
+              <a:t>OPCUA</a:t>
+            </a:r>
+            <a:r>
+              <a:rPr lang="en-US" sz="1800">
+                <a:solidFill>
+                  <a:schemeClr val="dk1"/>
+                </a:solidFill>
+                <a:latin typeface="Gentium Basic"/>
+                <a:ea typeface="Gentium Basic"/>
+                <a:cs typeface="Gentium Basic"/>
+                <a:sym typeface="Gentium Basic"/>
+              </a:rPr>
+              <a:t> file</a:t>
+            </a:r>
+          </a:p>
+        </p:txBody>
+      </p:sp>
+      <p:cxnSp>
+        <p:nvCxnSpPr>
+          <p:cNvPr id="126" name="Shape 126"/>
+          <p:cNvCxnSpPr>
+            <a:stCxn id="124" idx="3"/>
+            <a:endCxn id="123" idx="1"/>
+          </p:cNvCxnSpPr>
+          <p:nvPr/>
+        </p:nvCxnSpPr>
+        <p:spPr>
+          <a:xfrm>
+            <a:off x="2919695" y="2253414"/>
+            <a:ext cx="1043400" cy="967500"/>
+          </a:xfrm>
+          <a:prstGeom prst="straightConnector1">
+            <a:avLst/>
+          </a:prstGeom>
+          <a:noFill/>
+          <a:ln cap="flat" cmpd="sng" w="9525">
+            <a:solidFill>
+              <a:schemeClr val="accent2"/>
+            </a:solidFill>
+            <a:prstDash val="solid"/>
+            <a:miter/>
+            <a:headEnd len="med" w="med" type="none"/>
+            <a:tailEnd len="lg" w="lg" type="triangle"/>
+          </a:ln>
+        </p:spPr>
+      </p:cxnSp>
+      <p:cxnSp>
+        <p:nvCxnSpPr>
+          <p:cNvPr id="127" name="Shape 127"/>
+          <p:cNvCxnSpPr>
+            <a:stCxn id="125" idx="3"/>
+            <a:endCxn id="123" idx="1"/>
+          </p:cNvCxnSpPr>
+          <p:nvPr/>
+        </p:nvCxnSpPr>
+        <p:spPr>
+          <a:xfrm flipH="1" rot="10800000">
+            <a:off x="2919695" y="3220866"/>
+            <a:ext cx="1043400" cy="837600"/>
+          </a:xfrm>
+          <a:prstGeom prst="straightConnector1">
+            <a:avLst/>
+          </a:prstGeom>
+          <a:noFill/>
+          <a:ln cap="flat" cmpd="sng" w="9525">
+            <a:solidFill>
+              <a:schemeClr val="accent2"/>
+            </a:solidFill>
+            <a:prstDash val="solid"/>
+            <a:miter/>
+            <a:headEnd len="med" w="med" type="none"/>
+            <a:tailEnd len="lg" w="lg" type="triangle"/>
+          </a:ln>
+        </p:spPr>
+      </p:cxnSp>
+      <p:sp>
+        <p:nvSpPr>
+          <p:cNvPr id="128" name="Shape 128"/>
+          <p:cNvSpPr/>
+          <p:nvPr/>
+        </p:nvSpPr>
+        <p:spPr>
+          <a:xfrm>
+            <a:off x="7067103" y="1832506"/>
+            <a:ext cx="1654500" cy="420900"/>
+          </a:xfrm>
+          <a:prstGeom prst="rect">
+            <a:avLst/>
+          </a:prstGeom>
+          <a:solidFill>
+            <a:schemeClr val="lt1"/>
+          </a:solidFill>
+          <a:ln cap="flat" cmpd="sng" w="12700">
+            <a:solidFill>
+              <a:schemeClr val="accent2"/>
+            </a:solidFill>
+            <a:prstDash val="solid"/>
+            <a:miter/>
+            <a:headEnd len="med" w="med" type="none"/>
+            <a:tailEnd len="med" w="med" type="none"/>
+          </a:ln>
+        </p:spPr>
+        <p:txBody>
+          <a:bodyPr anchorCtr="0" anchor="ctr" bIns="45700" lIns="91425" rIns="91425" tIns="45700">
+            <a:noAutofit/>
+          </a:bodyPr>
+          <a:lstStyle/>
+          <a:p>
+            <a:pPr indent="0" lvl="0" marL="0" marR="0" rtl="0" algn="ctr">
+              <a:spcBef>
+                <a:spcPts val="0"/>
+              </a:spcBef>
+              <a:buSzPct val="25000"/>
+              <a:buNone/>
+            </a:pPr>
+            <a:r>
+              <a:rPr b="1" lang="en-US" sz="1800">
+                <a:solidFill>
+                  <a:schemeClr val="dk1"/>
+                </a:solidFill>
+                <a:latin typeface="Gentium Basic"/>
+                <a:ea typeface="Gentium Basic"/>
+                <a:cs typeface="Gentium Basic"/>
+                <a:sym typeface="Gentium Basic"/>
+              </a:rPr>
+              <a:t>AML</a:t>
+            </a:r>
+            <a:r>
+              <a:rPr lang="en-US" sz="1800">
+                <a:solidFill>
+                  <a:schemeClr val="dk1"/>
+                </a:solidFill>
+                <a:latin typeface="Gentium Basic"/>
+                <a:ea typeface="Gentium Basic"/>
+                <a:cs typeface="Gentium Basic"/>
+                <a:sym typeface="Gentium Basic"/>
+              </a:rPr>
+              <a:t> file</a:t>
+            </a:r>
+          </a:p>
+        </p:txBody>
+      </p:sp>
+      <p:sp>
+        <p:nvSpPr>
+          <p:cNvPr id="129" name="Shape 129"/>
+          <p:cNvSpPr/>
+          <p:nvPr/>
+        </p:nvSpPr>
+        <p:spPr>
+          <a:xfrm>
+            <a:off x="7067103" y="4058473"/>
+            <a:ext cx="1654500" cy="420900"/>
+          </a:xfrm>
+          <a:prstGeom prst="rect">
+            <a:avLst/>
+          </a:prstGeom>
+          <a:solidFill>
+            <a:schemeClr val="lt1"/>
+          </a:solidFill>
+          <a:ln cap="flat" cmpd="sng" w="12700">
+            <a:solidFill>
+              <a:schemeClr val="accent2"/>
+            </a:solidFill>
+            <a:prstDash val="solid"/>
+            <a:miter/>
+            <a:headEnd len="med" w="med" type="none"/>
+            <a:tailEnd len="med" w="med" type="none"/>
+          </a:ln>
+        </p:spPr>
+        <p:txBody>
+          <a:bodyPr anchorCtr="0" anchor="ctr" bIns="45700" lIns="91425" rIns="91425" tIns="45700">
+            <a:noAutofit/>
+          </a:bodyPr>
+          <a:lstStyle/>
+          <a:p>
+            <a:pPr indent="0" lvl="0" marL="0" marR="0" rtl="0" algn="ctr">
+              <a:spcBef>
+                <a:spcPts val="0"/>
+              </a:spcBef>
+              <a:buSzPct val="25000"/>
+              <a:buNone/>
+            </a:pPr>
+            <a:r>
+              <a:rPr b="1" lang="en-US" sz="1800">
+                <a:solidFill>
+                  <a:schemeClr val="dk1"/>
+                </a:solidFill>
+                <a:latin typeface="Gentium Basic"/>
+                <a:ea typeface="Gentium Basic"/>
+                <a:cs typeface="Gentium Basic"/>
+                <a:sym typeface="Gentium Basic"/>
+              </a:rPr>
+              <a:t>OPCUA</a:t>
+            </a:r>
+            <a:r>
+              <a:rPr lang="en-US" sz="1800">
+                <a:solidFill>
+                  <a:schemeClr val="dk1"/>
+                </a:solidFill>
+                <a:latin typeface="Gentium Basic"/>
+                <a:ea typeface="Gentium Basic"/>
+                <a:cs typeface="Gentium Basic"/>
+                <a:sym typeface="Gentium Basic"/>
+              </a:rPr>
+              <a:t> file</a:t>
+            </a:r>
+          </a:p>
+        </p:txBody>
+      </p:sp>
+      <p:sp>
+        <p:nvSpPr>
+          <p:cNvPr id="130" name="Shape 130"/>
+          <p:cNvSpPr/>
+          <p:nvPr/>
+        </p:nvSpPr>
+        <p:spPr>
+          <a:xfrm>
+            <a:off x="9392663" y="3010465"/>
+            <a:ext cx="1859100" cy="420900"/>
+          </a:xfrm>
+          <a:prstGeom prst="rect">
+            <a:avLst/>
+          </a:prstGeom>
+          <a:solidFill>
+            <a:schemeClr val="lt1"/>
+          </a:solidFill>
+          <a:ln cap="flat" cmpd="sng" w="12700">
+            <a:solidFill>
+              <a:schemeClr val="accent2"/>
+            </a:solidFill>
+            <a:prstDash val="solid"/>
+            <a:miter/>
+            <a:headEnd len="med" w="med" type="none"/>
+            <a:tailEnd len="med" w="med" type="none"/>
+          </a:ln>
+        </p:spPr>
+        <p:txBody>
+          <a:bodyPr anchorCtr="0" anchor="ctr" bIns="45700" lIns="91425" rIns="91425" tIns="45700">
+            <a:noAutofit/>
+          </a:bodyPr>
+          <a:lstStyle/>
+          <a:p>
+            <a:pPr indent="0" lvl="0" marL="0" marR="0" rtl="0" algn="ctr">
+              <a:spcBef>
+                <a:spcPts val="0"/>
+              </a:spcBef>
+              <a:buSzPct val="25000"/>
+              <a:buNone/>
+            </a:pPr>
+            <a:r>
+              <a:rPr b="1" lang="en-US" sz="1800">
+                <a:solidFill>
+                  <a:schemeClr val="dk1"/>
+                </a:solidFill>
+                <a:latin typeface="Gentium Basic"/>
+                <a:ea typeface="Gentium Basic"/>
+                <a:cs typeface="Gentium Basic"/>
+                <a:sym typeface="Gentium Basic"/>
+              </a:rPr>
+              <a:t>Integration</a:t>
+            </a:r>
+            <a:r>
+              <a:rPr lang="en-US" sz="1800">
+                <a:solidFill>
+                  <a:schemeClr val="dk1"/>
+                </a:solidFill>
+                <a:latin typeface="Gentium Basic"/>
+                <a:ea typeface="Gentium Basic"/>
+                <a:cs typeface="Gentium Basic"/>
+                <a:sym typeface="Gentium Basic"/>
+              </a:rPr>
+              <a:t> file</a:t>
+            </a:r>
+          </a:p>
+        </p:txBody>
+      </p:sp>
+      <p:cxnSp>
+        <p:nvCxnSpPr>
+          <p:cNvPr id="131" name="Shape 131"/>
+          <p:cNvCxnSpPr>
+            <a:stCxn id="123" idx="3"/>
+            <a:endCxn id="128" idx="1"/>
+          </p:cNvCxnSpPr>
+          <p:nvPr/>
+        </p:nvCxnSpPr>
+        <p:spPr>
+          <a:xfrm flipH="1" rot="10800000">
+            <a:off x="6269448" y="2042833"/>
+            <a:ext cx="797700" cy="1178100"/>
+          </a:xfrm>
+          <a:prstGeom prst="straightConnector1">
+            <a:avLst/>
+          </a:prstGeom>
+          <a:noFill/>
+          <a:ln cap="flat" cmpd="sng" w="9525">
+            <a:solidFill>
+              <a:schemeClr val="accent2"/>
+            </a:solidFill>
+            <a:prstDash val="solid"/>
+            <a:miter/>
+            <a:headEnd len="med" w="med" type="none"/>
+            <a:tailEnd len="lg" w="lg" type="triangle"/>
+          </a:ln>
+        </p:spPr>
+      </p:cxnSp>
+      <p:cxnSp>
+        <p:nvCxnSpPr>
+          <p:cNvPr id="132" name="Shape 132"/>
+          <p:cNvCxnSpPr>
+            <a:stCxn id="123" idx="3"/>
+            <a:endCxn id="129" idx="1"/>
+          </p:cNvCxnSpPr>
+          <p:nvPr/>
+        </p:nvCxnSpPr>
+        <p:spPr>
+          <a:xfrm>
+            <a:off x="6269448" y="3220933"/>
+            <a:ext cx="797700" cy="1047900"/>
+          </a:xfrm>
+          <a:prstGeom prst="straightConnector1">
+            <a:avLst/>
+          </a:prstGeom>
+          <a:noFill/>
+          <a:ln cap="flat" cmpd="sng" w="9525">
+            <a:solidFill>
+              <a:schemeClr val="accent2"/>
+            </a:solidFill>
+            <a:prstDash val="solid"/>
+            <a:miter/>
+            <a:headEnd len="med" w="med" type="none"/>
+            <a:tailEnd len="lg" w="lg" type="triangle"/>
+          </a:ln>
+        </p:spPr>
+      </p:cxnSp>
+      <p:cxnSp>
+        <p:nvCxnSpPr>
+          <p:cNvPr id="133" name="Shape 133"/>
+          <p:cNvCxnSpPr>
+            <a:stCxn id="123" idx="3"/>
+            <a:endCxn id="130" idx="1"/>
+          </p:cNvCxnSpPr>
+          <p:nvPr/>
+        </p:nvCxnSpPr>
+        <p:spPr>
+          <a:xfrm>
+            <a:off x="6269448" y="3220933"/>
+            <a:ext cx="3123299" cy="0"/>
+          </a:xfrm>
+          <a:prstGeom prst="straightConnector1">
+            <a:avLst/>
+          </a:prstGeom>
+          <a:noFill/>
+          <a:ln cap="flat" cmpd="sng" w="9525">
+            <a:solidFill>
+              <a:schemeClr val="accent2"/>
+            </a:solidFill>
+            <a:prstDash val="solid"/>
+            <a:miter/>
+            <a:headEnd len="med" w="med" type="none"/>
+            <a:tailEnd len="lg" w="lg" type="triangle"/>
+          </a:ln>
+        </p:spPr>
+      </p:cxnSp>
+      <p:sp>
+        <p:nvSpPr>
+          <p:cNvPr id="134" name="Shape 134"/>
+          <p:cNvSpPr txBox="1"/>
+          <p:nvPr/>
+        </p:nvSpPr>
+        <p:spPr>
+          <a:xfrm>
+            <a:off x="1195726" y="5572025"/>
+            <a:ext cx="3562800" cy="369300"/>
+          </a:xfrm>
+          <a:prstGeom prst="rect">
+            <a:avLst/>
+          </a:prstGeom>
+          <a:noFill/>
+          <a:ln>
+            <a:noFill/>
+          </a:ln>
+        </p:spPr>
+        <p:txBody>
+          <a:bodyPr anchorCtr="0" anchor="t" bIns="45700" lIns="91425" rIns="91425" tIns="45700">
+            <a:noAutofit/>
+          </a:bodyPr>
+          <a:lstStyle/>
+          <a:p>
+            <a:pPr indent="0" lvl="0" marL="0" marR="0" rtl="0" algn="l">
+              <a:spcBef>
+                <a:spcPts val="0"/>
+              </a:spcBef>
+              <a:buSzPct val="25000"/>
+              <a:buNone/>
+            </a:pPr>
+            <a:r>
+              <a:rPr lang="en-US" sz="2400">
+                <a:solidFill>
+                  <a:srgbClr val="00A200"/>
+                </a:solidFill>
+                <a:latin typeface="Gentium Basic"/>
+                <a:ea typeface="Gentium Basic"/>
+                <a:cs typeface="Gentium Basic"/>
+                <a:sym typeface="Gentium Basic"/>
+              </a:rPr>
+              <a:t>All files are in XML format</a:t>
+            </a:r>
+          </a:p>
+        </p:txBody>
+      </p:sp>
       <p:pic>
         <p:nvPicPr>
-          <p:cNvPr id="119" name="Shape 119"/>
+          <p:cNvPr id="135" name="Shape 135"/>
           <p:cNvPicPr preferRelativeResize="0"/>
           <p:nvPr/>
         </p:nvPicPr>
@@ -14292,8 +18191,8 @@
         </p:blipFill>
         <p:spPr>
           <a:xfrm>
-            <a:off x="10325332" y="6074001"/>
-            <a:ext cx="1866600" cy="666599"/>
+            <a:off x="1524855" y="2609025"/>
+            <a:ext cx="1041900" cy="684300"/>
           </a:xfrm>
           <a:prstGeom prst="rect">
             <a:avLst/>
@@ -14304,82 +18203,36 @@
           </a:ln>
         </p:spPr>
       </p:pic>
-      <p:sp>
-        <p:nvSpPr>
-          <p:cNvPr id="120" name="Shape 120"/>
-          <p:cNvSpPr/>
+      <p:pic>
+        <p:nvPicPr>
+          <p:cNvPr id="136" name="Shape 136"/>
+          <p:cNvPicPr preferRelativeResize="0"/>
           <p:nvPr/>
-        </p:nvSpPr>
-        <p:spPr>
-          <a:xfrm>
-            <a:off x="0" y="0"/>
-            <a:ext cx="11303100" cy="888900"/>
+        </p:nvPicPr>
+        <p:blipFill rotWithShape="1">
+          <a:blip r:embed="rId3">
+            <a:alphaModFix/>
+          </a:blip>
+          <a:srcRect b="0" l="0" r="0" t="0"/>
+          <a:stretch/>
+        </p:blipFill>
+        <p:spPr>
+          <a:xfrm>
+            <a:off x="1571557" y="4481339"/>
+            <a:ext cx="1041900" cy="684300"/>
           </a:xfrm>
           <a:prstGeom prst="rect">
             <a:avLst/>
           </a:prstGeom>
-          <a:solidFill>
-            <a:srgbClr val="004292"/>
-          </a:solidFill>
+          <a:noFill/>
           <a:ln>
             <a:noFill/>
           </a:ln>
         </p:spPr>
-        <p:txBody>
-          <a:bodyPr anchorCtr="0" anchor="ctr" bIns="45700" lIns="91425" rIns="91425" tIns="45700">
-            <a:noAutofit/>
-          </a:bodyPr>
-          <a:lstStyle/>
-          <a:p>
-            <a:pPr indent="0" lvl="0" marL="0" marR="0" rtl="0" algn="l">
-              <a:spcBef>
-                <a:spcPts val="0"/>
-              </a:spcBef>
-              <a:buSzPct val="25000"/>
-              <a:buNone/>
-            </a:pPr>
-            <a:r>
-              <a:rPr b="1" lang="en-US" sz="2800">
-                <a:solidFill>
-                  <a:schemeClr val="lt1"/>
-                </a:solidFill>
-                <a:latin typeface="Garamond"/>
-                <a:ea typeface="Garamond"/>
-                <a:cs typeface="Garamond"/>
-                <a:sym typeface="Garamond"/>
-              </a:rPr>
-              <a:t>Architecture </a:t>
-            </a:r>
-            <a:r>
-              <a:rPr b="1" lang="en-US" sz="2800">
-                <a:solidFill>
-                  <a:schemeClr val="lt1"/>
-                </a:solidFill>
-                <a:latin typeface="Garamond"/>
-                <a:ea typeface="Garamond"/>
-                <a:cs typeface="Garamond"/>
-                <a:sym typeface="Garamond"/>
-              </a:rPr>
-              <a:t>of Integration of I 4.0 </a:t>
-            </a:r>
-            <a:r>
-              <a:rPr b="1" lang="en-US" sz="3200">
-                <a:solidFill>
-                  <a:schemeClr val="lt1"/>
-                </a:solidFill>
-                <a:latin typeface="Garamond"/>
-                <a:ea typeface="Garamond"/>
-                <a:cs typeface="Garamond"/>
-                <a:sym typeface="Garamond"/>
-              </a:rPr>
-              <a:t>standards :</a:t>
-            </a:r>
-          </a:p>
-        </p:txBody>
-      </p:sp>
+      </p:pic>
       <p:pic>
         <p:nvPicPr>
-          <p:cNvPr id="121" name="Shape 121"/>
+          <p:cNvPr id="137" name="Shape 137"/>
           <p:cNvPicPr preferRelativeResize="0"/>
           <p:nvPr/>
         </p:nvPicPr>
@@ -14392,8 +18245,8 @@
         </p:blipFill>
         <p:spPr>
           <a:xfrm>
-            <a:off x="11303110" y="0"/>
-            <a:ext cx="888900" cy="888900"/>
+            <a:off x="9576992" y="3626914"/>
+            <a:ext cx="1674900" cy="1042500"/>
           </a:xfrm>
           <a:prstGeom prst="rect">
             <a:avLst/>
@@ -14404,16 +18257,23 @@
           </a:ln>
         </p:spPr>
       </p:pic>
-      <p:sp>
-        <p:nvSpPr>
-          <p:cNvPr id="122" name="Shape 122"/>
-          <p:cNvSpPr txBox="1"/>
+      <p:pic>
+        <p:nvPicPr>
+          <p:cNvPr id="138" name="Shape 138"/>
+          <p:cNvPicPr preferRelativeResize="0"/>
           <p:nvPr/>
-        </p:nvSpPr>
-        <p:spPr>
-          <a:xfrm>
-            <a:off x="217713" y="6371335"/>
-            <a:ext cx="301800" cy="369300"/>
+        </p:nvPicPr>
+        <p:blipFill rotWithShape="1">
+          <a:blip r:embed="rId5">
+            <a:alphaModFix/>
+          </a:blip>
+          <a:srcRect b="0" l="0" r="0" t="0"/>
+          <a:stretch/>
+        </p:blipFill>
+        <p:spPr>
+          <a:xfrm>
+            <a:off x="10325332" y="6074001"/>
+            <a:ext cx="1866600" cy="666599"/>
           </a:xfrm>
           <a:prstGeom prst="rect">
             <a:avLst/>
@@ -14423,6 +18283,102 @@
             <a:noFill/>
           </a:ln>
         </p:spPr>
+      </p:pic>
+      <p:sp>
+        <p:nvSpPr>
+          <p:cNvPr id="139" name="Shape 139"/>
+          <p:cNvSpPr/>
+          <p:nvPr/>
+        </p:nvSpPr>
+        <p:spPr>
+          <a:xfrm>
+            <a:off x="0" y="0"/>
+            <a:ext cx="11303100" cy="888900"/>
+          </a:xfrm>
+          <a:prstGeom prst="rect">
+            <a:avLst/>
+          </a:prstGeom>
+          <a:solidFill>
+            <a:srgbClr val="004292"/>
+          </a:solidFill>
+          <a:ln>
+            <a:noFill/>
+          </a:ln>
+        </p:spPr>
+        <p:txBody>
+          <a:bodyPr anchorCtr="0" anchor="ctr" bIns="45700" lIns="91425" rIns="91425" tIns="45700">
+            <a:noAutofit/>
+          </a:bodyPr>
+          <a:lstStyle/>
+          <a:p>
+            <a:pPr indent="0" lvl="0" marL="0" marR="0" rtl="0" algn="l">
+              <a:spcBef>
+                <a:spcPts val="0"/>
+              </a:spcBef>
+              <a:buSzPct val="25000"/>
+              <a:buNone/>
+            </a:pPr>
+            <a:r>
+              <a:rPr b="1" lang="en-US" sz="2800">
+                <a:solidFill>
+                  <a:schemeClr val="lt1"/>
+                </a:solidFill>
+                <a:latin typeface="Garamond"/>
+                <a:ea typeface="Garamond"/>
+                <a:cs typeface="Garamond"/>
+                <a:sym typeface="Garamond"/>
+              </a:rPr>
+              <a:t>Visualisation of the process</a:t>
+            </a:r>
+          </a:p>
+        </p:txBody>
+      </p:sp>
+      <p:pic>
+        <p:nvPicPr>
+          <p:cNvPr id="140" name="Shape 140"/>
+          <p:cNvPicPr preferRelativeResize="0"/>
+          <p:nvPr/>
+        </p:nvPicPr>
+        <p:blipFill rotWithShape="1">
+          <a:blip r:embed="rId6">
+            <a:alphaModFix/>
+          </a:blip>
+          <a:srcRect b="0" l="0" r="0" t="0"/>
+          <a:stretch/>
+        </p:blipFill>
+        <p:spPr>
+          <a:xfrm>
+            <a:off x="11303110" y="0"/>
+            <a:ext cx="888900" cy="888900"/>
+          </a:xfrm>
+          <a:prstGeom prst="rect">
+            <a:avLst/>
+          </a:prstGeom>
+          <a:noFill/>
+          <a:ln>
+            <a:noFill/>
+          </a:ln>
+        </p:spPr>
+      </p:pic>
+      <p:sp>
+        <p:nvSpPr>
+          <p:cNvPr id="141" name="Shape 141"/>
+          <p:cNvSpPr txBox="1"/>
+          <p:nvPr/>
+        </p:nvSpPr>
+        <p:spPr>
+          <a:xfrm>
+            <a:off x="217713" y="6371335"/>
+            <a:ext cx="301800" cy="369300"/>
+          </a:xfrm>
+          <a:prstGeom prst="rect">
+            <a:avLst/>
+          </a:prstGeom>
+          <a:noFill/>
+          <a:ln>
+            <a:noFill/>
+          </a:ln>
+        </p:spPr>
         <p:txBody>
           <a:bodyPr anchorCtr="0" anchor="t" bIns="45700" lIns="91425" rIns="91425" tIns="45700">
             <a:noAutofit/>
@@ -14446,7 +18402,7 @@
                 <a:cs typeface="Calibri"/>
                 <a:sym typeface="Calibri"/>
               </a:rPr>
-              <a:t>3</a:t>
+              <a:t>5</a:t>
             </a:r>
           </a:p>
         </p:txBody>
@@ -14464,7 +18420,7 @@
   <p:cSld>
     <p:spTree>
       <p:nvGrpSpPr>
-        <p:cNvPr id="126" name="Shape 126"/>
+        <p:cNvPr id="145" name="Shape 145"/>
         <p:cNvGrpSpPr/>
         <p:nvPr/>
       </p:nvGrpSpPr>
@@ -14478,7 +18434,7 @@
       </p:grpSpPr>
       <p:pic>
         <p:nvPicPr>
-          <p:cNvPr id="127" name="Shape 127"/>
+          <p:cNvPr id="146" name="Shape 146"/>
           <p:cNvPicPr preferRelativeResize="0"/>
           <p:nvPr/>
         </p:nvPicPr>
@@ -14505,7 +18461,7 @@
       </p:pic>
       <p:sp>
         <p:nvSpPr>
-          <p:cNvPr id="128" name="Shape 128"/>
+          <p:cNvPr id="147" name="Shape 147"/>
           <p:cNvSpPr/>
           <p:nvPr/>
         </p:nvSpPr>
@@ -14547,14 +18503,14 @@
                 <a:cs typeface="Garamond"/>
                 <a:sym typeface="Garamond"/>
               </a:rPr>
-              <a:t>Visualisation of the Workflow</a:t>
+              <a:t>Functional Requirements</a:t>
             </a:r>
           </a:p>
         </p:txBody>
       </p:sp>
       <p:pic>
         <p:nvPicPr>
-          <p:cNvPr id="129" name="Shape 129"/>
+          <p:cNvPr id="148" name="Shape 148"/>
           <p:cNvPicPr preferRelativeResize="0"/>
           <p:nvPr/>
         </p:nvPicPr>
@@ -14581,7 +18537,7 @@
       </p:pic>
       <p:sp>
         <p:nvSpPr>
-          <p:cNvPr id="130" name="Shape 130"/>
+          <p:cNvPr id="149" name="Shape 149"/>
           <p:cNvSpPr txBox="1"/>
           <p:nvPr/>
         </p:nvSpPr>
@@ -14623,6 +18579,193 @@
               </a:rPr>
               <a:t>3</a:t>
             </a:r>
+          </a:p>
+        </p:txBody>
+      </p:sp>
+      <p:sp>
+        <p:nvSpPr>
+          <p:cNvPr id="150" name="Shape 150"/>
+          <p:cNvSpPr txBox="1"/>
+          <p:nvPr/>
+        </p:nvSpPr>
+        <p:spPr>
+          <a:xfrm>
+            <a:off x="979725" y="1067200"/>
+            <a:ext cx="10077000" cy="5006700"/>
+          </a:xfrm>
+          <a:prstGeom prst="rect">
+            <a:avLst/>
+          </a:prstGeom>
+          <a:noFill/>
+          <a:ln>
+            <a:noFill/>
+          </a:ln>
+        </p:spPr>
+        <p:txBody>
+          <a:bodyPr anchorCtr="0" anchor="t" bIns="91425" lIns="91425" rIns="91425" tIns="91425">
+            <a:noAutofit/>
+          </a:bodyPr>
+          <a:lstStyle/>
+          <a:p>
+            <a:pPr lvl="0">
+              <a:lnSpc>
+                <a:spcPct val="150000"/>
+              </a:lnSpc>
+              <a:spcBef>
+                <a:spcPts val="0"/>
+              </a:spcBef>
+              <a:buNone/>
+            </a:pPr>
+            <a:r>
+              <a:rPr b="1" lang="en-US" sz="3000" u="sng"/>
+              <a:t>High Priority:</a:t>
+            </a:r>
+          </a:p>
+          <a:p>
+            <a:pPr indent="-381000" lvl="0" marL="457200" rtl="0">
+              <a:lnSpc>
+                <a:spcPct val="115000"/>
+              </a:lnSpc>
+              <a:spcBef>
+                <a:spcPts val="0"/>
+              </a:spcBef>
+              <a:buSzPct val="100000"/>
+              <a:buAutoNum type="arabicPeriod"/>
+            </a:pPr>
+            <a:r>
+              <a:rPr lang="en-US" sz="2400"/>
+              <a:t>Provide automatic document validation</a:t>
+            </a:r>
+          </a:p>
+          <a:p>
+            <a:pPr indent="-381000" lvl="0" marL="457200" rtl="0">
+              <a:lnSpc>
+                <a:spcPct val="115000"/>
+              </a:lnSpc>
+              <a:spcBef>
+                <a:spcPts val="0"/>
+              </a:spcBef>
+              <a:buSzPct val="100000"/>
+              <a:buAutoNum type="arabicPeriod"/>
+            </a:pPr>
+            <a:r>
+              <a:rPr lang="en-US" sz="2400"/>
+              <a:t>Visualizing input (tree mode)</a:t>
+            </a:r>
+          </a:p>
+          <a:p>
+            <a:pPr indent="-381000" lvl="0" marL="457200" rtl="0">
+              <a:lnSpc>
+                <a:spcPct val="115000"/>
+              </a:lnSpc>
+              <a:spcBef>
+                <a:spcPts val="0"/>
+              </a:spcBef>
+              <a:buSzPct val="100000"/>
+              <a:buAutoNum type="arabicPeriod"/>
+            </a:pPr>
+            <a:r>
+              <a:rPr lang="en-US" sz="2400"/>
+              <a:t>Direct topology mapping and producing integration file</a:t>
+            </a:r>
+          </a:p>
+          <a:p>
+            <a:pPr lvl="0" rtl="0">
+              <a:spcBef>
+                <a:spcPts val="0"/>
+              </a:spcBef>
+              <a:buNone/>
+            </a:pPr>
+            <a:r>
+              <a:t/>
+            </a:r>
+            <a:endParaRPr sz="2400"/>
+          </a:p>
+          <a:p>
+            <a:pPr lvl="0" rtl="0">
+              <a:lnSpc>
+                <a:spcPct val="150000"/>
+              </a:lnSpc>
+              <a:spcBef>
+                <a:spcPts val="0"/>
+              </a:spcBef>
+              <a:buClr>
+                <a:schemeClr val="dk1"/>
+              </a:buClr>
+              <a:buSzPct val="36666"/>
+              <a:buFont typeface="Arial"/>
+              <a:buNone/>
+            </a:pPr>
+            <a:r>
+              <a:rPr b="1" lang="en-US" sz="3000" u="sng">
+                <a:solidFill>
+                  <a:schemeClr val="dk1"/>
+                </a:solidFill>
+              </a:rPr>
+              <a:t>Low Priority:</a:t>
+            </a:r>
+          </a:p>
+          <a:p>
+            <a:pPr indent="-381000" lvl="0" marL="457200" rtl="0">
+              <a:lnSpc>
+                <a:spcPct val="115000"/>
+              </a:lnSpc>
+              <a:spcBef>
+                <a:spcPts val="0"/>
+              </a:spcBef>
+              <a:buClr>
+                <a:schemeClr val="dk1"/>
+              </a:buClr>
+              <a:buSzPct val="100000"/>
+              <a:buAutoNum type="arabicPeriod"/>
+            </a:pPr>
+            <a:r>
+              <a:rPr lang="en-US" sz="2400">
+                <a:solidFill>
+                  <a:schemeClr val="dk1"/>
+                </a:solidFill>
+              </a:rPr>
+              <a:t>Demo testing of the output against Gold Standard </a:t>
+            </a:r>
+          </a:p>
+          <a:p>
+            <a:pPr indent="-381000" lvl="0" marL="457200" rtl="0">
+              <a:lnSpc>
+                <a:spcPct val="115000"/>
+              </a:lnSpc>
+              <a:spcBef>
+                <a:spcPts val="0"/>
+              </a:spcBef>
+              <a:buClr>
+                <a:schemeClr val="dk1"/>
+              </a:buClr>
+              <a:buSzPct val="100000"/>
+              <a:buAutoNum type="arabicPeriod"/>
+            </a:pPr>
+            <a:r>
+              <a:rPr lang="en-US" sz="2400">
+                <a:solidFill>
+                  <a:schemeClr val="dk1"/>
+                </a:solidFill>
+              </a:rPr>
+              <a:t>SPARQL query for the output file</a:t>
+            </a:r>
+          </a:p>
+          <a:p>
+            <a:pPr lvl="0">
+              <a:spcBef>
+                <a:spcPts val="0"/>
+              </a:spcBef>
+              <a:buNone/>
+            </a:pPr>
+            <a:r>
+              <a:t/>
+            </a:r>
+            <a:endParaRPr b="1" sz="3000" u="sng">
+              <a:solidFill>
+                <a:schemeClr val="dk1"/>
+              </a:solidFill>
+            </a:endParaRPr>
           </a:p>
         </p:txBody>
       </p:sp>
@@ -14639,7 +18782,7 @@
   <p:cSld>
     <p:spTree>
       <p:nvGrpSpPr>
-        <p:cNvPr id="134" name="Shape 134"/>
+        <p:cNvPr id="154" name="Shape 154"/>
         <p:cNvGrpSpPr/>
         <p:nvPr/>
       </p:nvGrpSpPr>
@@ -14653,7 +18796,7 @@
       </p:grpSpPr>
       <p:pic>
         <p:nvPicPr>
-          <p:cNvPr id="135" name="Shape 135"/>
+          <p:cNvPr id="155" name="Shape 155"/>
           <p:cNvPicPr preferRelativeResize="0"/>
           <p:nvPr/>
         </p:nvPicPr>
@@ -14680,7 +18823,7 @@
       </p:pic>
       <p:sp>
         <p:nvSpPr>
-          <p:cNvPr id="136" name="Shape 136"/>
+          <p:cNvPr id="156" name="Shape 156"/>
           <p:cNvSpPr/>
           <p:nvPr/>
         </p:nvSpPr>
@@ -14722,14 +18865,26 @@
                 <a:cs typeface="Garamond"/>
                 <a:sym typeface="Garamond"/>
               </a:rPr>
-              <a:t>Responsibilities (У Алины тут описание действий каждого участника)</a:t>
+              <a:t>Non-functional</a:t>
+            </a:r>
+            <a:r>
+              <a:rPr b="1" lang="en-US" sz="2800">
+                <a:solidFill>
+                  <a:schemeClr val="lt1"/>
+                </a:solidFill>
+                <a:latin typeface="Garamond"/>
+                <a:ea typeface="Garamond"/>
+                <a:cs typeface="Garamond"/>
+                <a:sym typeface="Garamond"/>
+              </a:rPr>
+              <a:t> Requirements</a:t>
             </a:r>
           </a:p>
         </p:txBody>
       </p:sp>
       <p:pic>
         <p:nvPicPr>
-          <p:cNvPr id="137" name="Shape 137"/>
+          <p:cNvPr id="157" name="Shape 157"/>
           <p:cNvPicPr preferRelativeResize="0"/>
           <p:nvPr/>
         </p:nvPicPr>
@@ -14756,7 +18911,7 @@
       </p:pic>
       <p:sp>
         <p:nvSpPr>
-          <p:cNvPr id="138" name="Shape 138"/>
+          <p:cNvPr id="158" name="Shape 158"/>
           <p:cNvSpPr txBox="1"/>
           <p:nvPr/>
         </p:nvSpPr>
@@ -14798,6 +18953,202 @@
               </a:rPr>
               <a:t>3</a:t>
             </a:r>
+          </a:p>
+        </p:txBody>
+      </p:sp>
+      <p:sp>
+        <p:nvSpPr>
+          <p:cNvPr id="159" name="Shape 159"/>
+          <p:cNvSpPr txBox="1"/>
+          <p:nvPr/>
+        </p:nvSpPr>
+        <p:spPr>
+          <a:xfrm>
+            <a:off x="979725" y="1067200"/>
+            <a:ext cx="10077000" cy="5006700"/>
+          </a:xfrm>
+          <a:prstGeom prst="rect">
+            <a:avLst/>
+          </a:prstGeom>
+          <a:noFill/>
+          <a:ln>
+            <a:noFill/>
+          </a:ln>
+        </p:spPr>
+        <p:txBody>
+          <a:bodyPr anchorCtr="0" anchor="t" bIns="91425" lIns="91425" rIns="91425" tIns="91425">
+            <a:noAutofit/>
+          </a:bodyPr>
+          <a:lstStyle/>
+          <a:p>
+            <a:pPr lvl="0" rtl="0">
+              <a:lnSpc>
+                <a:spcPct val="150000"/>
+              </a:lnSpc>
+              <a:spcBef>
+                <a:spcPts val="0"/>
+              </a:spcBef>
+              <a:buNone/>
+            </a:pPr>
+            <a:r>
+              <a:rPr b="1" lang="en-US" sz="3000" u="sng"/>
+              <a:t>High Priority:</a:t>
+            </a:r>
+          </a:p>
+          <a:p>
+            <a:pPr indent="-381000" lvl="0" marL="457200" rtl="0">
+              <a:lnSpc>
+                <a:spcPct val="115000"/>
+              </a:lnSpc>
+              <a:spcBef>
+                <a:spcPts val="0"/>
+              </a:spcBef>
+              <a:buSzPct val="100000"/>
+              <a:buAutoNum type="arabicPeriod"/>
+            </a:pPr>
+            <a:r>
+              <a:rPr lang="en-US" sz="2400"/>
+              <a:t>Security and fault tolerance</a:t>
+            </a:r>
+          </a:p>
+          <a:p>
+            <a:pPr lvl="0" rtl="0">
+              <a:spcBef>
+                <a:spcPts val="0"/>
+              </a:spcBef>
+              <a:buNone/>
+            </a:pPr>
+            <a:r>
+              <a:t/>
+            </a:r>
+            <a:endParaRPr sz="2400"/>
+          </a:p>
+          <a:p>
+            <a:pPr lvl="0" rtl="0">
+              <a:lnSpc>
+                <a:spcPct val="150000"/>
+              </a:lnSpc>
+              <a:spcBef>
+                <a:spcPts val="0"/>
+              </a:spcBef>
+              <a:buNone/>
+            </a:pPr>
+            <a:r>
+              <a:rPr b="1" lang="en-US" sz="3000" u="sng">
+                <a:solidFill>
+                  <a:schemeClr val="dk1"/>
+                </a:solidFill>
+              </a:rPr>
+              <a:t>Low Priority:</a:t>
+            </a:r>
+          </a:p>
+          <a:p>
+            <a:pPr indent="-381000" lvl="0" marL="457200" rtl="0">
+              <a:lnSpc>
+                <a:spcPct val="115000"/>
+              </a:lnSpc>
+              <a:spcBef>
+                <a:spcPts val="0"/>
+              </a:spcBef>
+              <a:buClr>
+                <a:schemeClr val="dk1"/>
+              </a:buClr>
+              <a:buSzPct val="100000"/>
+              <a:buAutoNum type="arabicPeriod"/>
+            </a:pPr>
+            <a:r>
+              <a:rPr lang="en-US" sz="2400">
+                <a:solidFill>
+                  <a:schemeClr val="dk1"/>
+                </a:solidFill>
+              </a:rPr>
+              <a:t>Time tolerant processing</a:t>
+            </a:r>
+          </a:p>
+          <a:p>
+            <a:pPr indent="-381000" lvl="0" marL="457200" rtl="0">
+              <a:lnSpc>
+                <a:spcPct val="115000"/>
+              </a:lnSpc>
+              <a:spcBef>
+                <a:spcPts val="0"/>
+              </a:spcBef>
+              <a:buClr>
+                <a:schemeClr val="dk1"/>
+              </a:buClr>
+              <a:buSzPct val="100000"/>
+              <a:buAutoNum type="arabicPeriod"/>
+            </a:pPr>
+            <a:r>
+              <a:rPr lang="en-US" sz="2400">
+                <a:solidFill>
+                  <a:schemeClr val="dk1"/>
+                </a:solidFill>
+              </a:rPr>
+              <a:t>Scalability</a:t>
+            </a:r>
+          </a:p>
+          <a:p>
+            <a:pPr indent="-381000" lvl="0" marL="457200" rtl="0">
+              <a:lnSpc>
+                <a:spcPct val="115000"/>
+              </a:lnSpc>
+              <a:spcBef>
+                <a:spcPts val="0"/>
+              </a:spcBef>
+              <a:buClr>
+                <a:schemeClr val="dk1"/>
+              </a:buClr>
+              <a:buSzPct val="100000"/>
+              <a:buAutoNum type="arabicPeriod"/>
+            </a:pPr>
+            <a:r>
+              <a:rPr lang="en-US" sz="2400">
+                <a:solidFill>
+                  <a:schemeClr val="dk1"/>
+                </a:solidFill>
+              </a:rPr>
+              <a:t>Semantic fuzzy matching</a:t>
+            </a:r>
+          </a:p>
+          <a:p>
+            <a:pPr indent="-381000" lvl="0" marL="457200" rtl="0">
+              <a:lnSpc>
+                <a:spcPct val="115000"/>
+              </a:lnSpc>
+              <a:spcBef>
+                <a:spcPts val="0"/>
+              </a:spcBef>
+              <a:buClr>
+                <a:schemeClr val="dk1"/>
+              </a:buClr>
+              <a:buSzPct val="100000"/>
+              <a:buAutoNum type="arabicPeriod"/>
+            </a:pPr>
+            <a:r>
+              <a:rPr lang="en-US" sz="2400">
+                <a:solidFill>
+                  <a:schemeClr val="dk1"/>
+                </a:solidFill>
+              </a:rPr>
+              <a:t>User-friendly interface</a:t>
+            </a:r>
+          </a:p>
+          <a:p>
+            <a:pPr lvl="0" rtl="0">
+              <a:spcBef>
+                <a:spcPts val="0"/>
+              </a:spcBef>
+              <a:buNone/>
+            </a:pPr>
+            <a:r>
+              <a:t/>
+            </a:r>
+            <a:endParaRPr b="1" sz="3000" u="sng">
+              <a:solidFill>
+                <a:schemeClr val="dk1"/>
+              </a:solidFill>
+            </a:endParaRPr>
           </a:p>
         </p:txBody>
       </p:sp>
@@ -14814,7 +19165,7 @@
   <p:cSld>
     <p:spTree>
       <p:nvGrpSpPr>
-        <p:cNvPr id="142" name="Shape 142"/>
+        <p:cNvPr id="164" name="Shape 164"/>
         <p:cNvGrpSpPr/>
         <p:nvPr/>
       </p:nvGrpSpPr>
@@ -14828,7 +19179,7 @@
       </p:grpSpPr>
       <p:pic>
         <p:nvPicPr>
-          <p:cNvPr id="143" name="Shape 143"/>
+          <p:cNvPr id="165" name="Shape 165"/>
           <p:cNvPicPr preferRelativeResize="0"/>
           <p:nvPr/>
         </p:nvPicPr>
@@ -14855,7 +19206,7 @@
       </p:pic>
       <p:sp>
         <p:nvSpPr>
-          <p:cNvPr id="144" name="Shape 144"/>
+          <p:cNvPr id="166" name="Shape 166"/>
           <p:cNvSpPr/>
           <p:nvPr/>
         </p:nvSpPr>
@@ -14897,14 +19248,14 @@
                 <a:cs typeface="Garamond"/>
                 <a:sym typeface="Garamond"/>
               </a:rPr>
-              <a:t>Time plan =&gt; Что мы делали за все это время</a:t>
+              <a:t>Architecture</a:t>
             </a:r>
           </a:p>
         </p:txBody>
       </p:sp>
       <p:pic>
         <p:nvPicPr>
-          <p:cNvPr id="145" name="Shape 145"/>
+          <p:cNvPr id="167" name="Shape 167"/>
           <p:cNvPicPr preferRelativeResize="0"/>
           <p:nvPr/>
         </p:nvPicPr>
@@ -14931,7 +19282,7 @@
       </p:pic>
       <p:sp>
         <p:nvSpPr>
-          <p:cNvPr id="146" name="Shape 146"/>
+          <p:cNvPr id="168" name="Shape 168"/>
           <p:cNvSpPr txBox="1"/>
           <p:nvPr/>
         </p:nvSpPr>
@@ -14971,11 +19322,38 @@
                 <a:cs typeface="Calibri"/>
                 <a:sym typeface="Calibri"/>
               </a:rPr>
-              <a:t>3</a:t>
+              <a:t>2</a:t>
             </a:r>
           </a:p>
         </p:txBody>
       </p:sp>
+      <p:pic>
+        <p:nvPicPr>
+          <p:cNvPr id="169" name="Shape 169"/>
+          <p:cNvPicPr preferRelativeResize="0"/>
+          <p:nvPr/>
+        </p:nvPicPr>
+        <p:blipFill rotWithShape="1">
+          <a:blip r:embed="rId5">
+            <a:alphaModFix/>
+          </a:blip>
+          <a:srcRect b="0" l="0" r="0" t="0"/>
+          <a:stretch/>
+        </p:blipFill>
+        <p:spPr>
+          <a:xfrm>
+            <a:off x="1848434" y="1003961"/>
+            <a:ext cx="8775300" cy="5367300"/>
+          </a:xfrm>
+          <a:prstGeom prst="rect">
+            <a:avLst/>
+          </a:prstGeom>
+          <a:noFill/>
+          <a:ln>
+            <a:noFill/>
+          </a:ln>
+        </p:spPr>
+      </p:pic>
     </p:spTree>
   </p:cSld>
   <p:clrMapOvr>
@@ -14989,7 +19367,7 @@
   <p:cSld>
     <p:spTree>
       <p:nvGrpSpPr>
-        <p:cNvPr id="150" name="Shape 150"/>
+        <p:cNvPr id="174" name="Shape 174"/>
         <p:cNvGrpSpPr/>
         <p:nvPr/>
       </p:nvGrpSpPr>
@@ -15003,7 +19381,7 @@
       </p:grpSpPr>
       <p:pic>
         <p:nvPicPr>
-          <p:cNvPr id="151" name="Shape 151"/>
+          <p:cNvPr id="175" name="Shape 175"/>
           <p:cNvPicPr preferRelativeResize="0"/>
           <p:nvPr/>
         </p:nvPicPr>
@@ -15030,7 +19408,7 @@
       </p:pic>
       <p:sp>
         <p:nvSpPr>
-          <p:cNvPr id="152" name="Shape 152"/>
+          <p:cNvPr id="176" name="Shape 176"/>
           <p:cNvSpPr/>
           <p:nvPr/>
         </p:nvSpPr>
@@ -15072,14 +19450,14 @@
                 <a:cs typeface="Garamond"/>
                 <a:sym typeface="Garamond"/>
               </a:rPr>
-              <a:t>Use case diagram</a:t>
+              <a:t>Visualisation of the workflow</a:t>
             </a:r>
           </a:p>
         </p:txBody>
       </p:sp>
       <p:pic>
         <p:nvPicPr>
-          <p:cNvPr id="153" name="Shape 153"/>
+          <p:cNvPr id="177" name="Shape 177"/>
           <p:cNvPicPr preferRelativeResize="0"/>
           <p:nvPr/>
         </p:nvPicPr>
@@ -15106,7 +19484,7 @@
       </p:pic>
       <p:sp>
         <p:nvSpPr>
-          <p:cNvPr id="154" name="Shape 154"/>
+          <p:cNvPr id="178" name="Shape 178"/>
           <p:cNvSpPr txBox="1"/>
           <p:nvPr/>
         </p:nvSpPr>
@@ -15151,6 +19529,60 @@
           </a:p>
         </p:txBody>
       </p:sp>
+      <p:pic>
+        <p:nvPicPr>
+          <p:cNvPr id="179" name="Shape 179"/>
+          <p:cNvPicPr preferRelativeResize="0"/>
+          <p:nvPr/>
+        </p:nvPicPr>
+        <p:blipFill rotWithShape="1">
+          <a:blip r:embed="rId5">
+            <a:alphaModFix/>
+          </a:blip>
+          <a:srcRect b="0" l="0" r="0" t="0"/>
+          <a:stretch/>
+        </p:blipFill>
+        <p:spPr>
+          <a:xfrm>
+            <a:off x="5528801" y="1487734"/>
+            <a:ext cx="5885699" cy="4114200"/>
+          </a:xfrm>
+          <a:prstGeom prst="rect">
+            <a:avLst/>
+          </a:prstGeom>
+          <a:noFill/>
+          <a:ln>
+            <a:noFill/>
+          </a:ln>
+        </p:spPr>
+      </p:pic>
+      <p:pic>
+        <p:nvPicPr>
+          <p:cNvPr id="180" name="Shape 180"/>
+          <p:cNvPicPr preferRelativeResize="0"/>
+          <p:nvPr/>
+        </p:nvPicPr>
+        <p:blipFill rotWithShape="1">
+          <a:blip r:embed="rId6">
+            <a:alphaModFix/>
+          </a:blip>
+          <a:srcRect b="0" l="0" r="0" t="0"/>
+          <a:stretch/>
+        </p:blipFill>
+        <p:spPr>
+          <a:xfrm>
+            <a:off x="864870" y="1426775"/>
+            <a:ext cx="3924300" cy="3962400"/>
+          </a:xfrm>
+          <a:prstGeom prst="rect">
+            <a:avLst/>
+          </a:prstGeom>
+          <a:noFill/>
+          <a:ln>
+            <a:noFill/>
+          </a:ln>
+        </p:spPr>
+      </p:pic>
     </p:spTree>
   </p:cSld>
   <p:clrMapOvr>
